--- a/Lectures/07-formulation-and-baselines.pptx
+++ b/Lectures/07-formulation-and-baselines.pptx
@@ -5,30 +5,37 @@
     <p:sldMasterId id="2147483648" r:id="rId1"/>
   </p:sldMasterIdLst>
   <p:notesMasterIdLst>
-    <p:notesMasterId r:id="rId23"/>
+    <p:notesMasterId r:id="rId30"/>
   </p:notesMasterIdLst>
   <p:sldIdLst>
     <p:sldId id="256" r:id="rId2"/>
     <p:sldId id="436" r:id="rId3"/>
     <p:sldId id="424" r:id="rId4"/>
-    <p:sldId id="430" r:id="rId5"/>
-    <p:sldId id="425" r:id="rId6"/>
-    <p:sldId id="434" r:id="rId7"/>
-    <p:sldId id="429" r:id="rId8"/>
-    <p:sldId id="435" r:id="rId9"/>
-    <p:sldId id="443" r:id="rId10"/>
-    <p:sldId id="444" r:id="rId11"/>
-    <p:sldId id="428" r:id="rId12"/>
-    <p:sldId id="441" r:id="rId13"/>
-    <p:sldId id="442" r:id="rId14"/>
-    <p:sldId id="445" r:id="rId15"/>
-    <p:sldId id="427" r:id="rId16"/>
-    <p:sldId id="432" r:id="rId17"/>
-    <p:sldId id="431" r:id="rId18"/>
-    <p:sldId id="433" r:id="rId19"/>
-    <p:sldId id="437" r:id="rId20"/>
-    <p:sldId id="438" r:id="rId21"/>
-    <p:sldId id="439" r:id="rId22"/>
+    <p:sldId id="446" r:id="rId5"/>
+    <p:sldId id="440" r:id="rId6"/>
+    <p:sldId id="447" r:id="rId7"/>
+    <p:sldId id="430" r:id="rId8"/>
+    <p:sldId id="425" r:id="rId9"/>
+    <p:sldId id="434" r:id="rId10"/>
+    <p:sldId id="429" r:id="rId11"/>
+    <p:sldId id="435" r:id="rId12"/>
+    <p:sldId id="443" r:id="rId13"/>
+    <p:sldId id="444" r:id="rId14"/>
+    <p:sldId id="428" r:id="rId15"/>
+    <p:sldId id="441" r:id="rId16"/>
+    <p:sldId id="442" r:id="rId17"/>
+    <p:sldId id="445" r:id="rId18"/>
+    <p:sldId id="261" r:id="rId19"/>
+    <p:sldId id="269" r:id="rId20"/>
+    <p:sldId id="273" r:id="rId21"/>
+    <p:sldId id="277" r:id="rId22"/>
+    <p:sldId id="285" r:id="rId23"/>
+    <p:sldId id="427" r:id="rId24"/>
+    <p:sldId id="432" r:id="rId25"/>
+    <p:sldId id="448" r:id="rId26"/>
+    <p:sldId id="431" r:id="rId27"/>
+    <p:sldId id="433" r:id="rId28"/>
+    <p:sldId id="439" r:id="rId29"/>
   </p:sldIdLst>
   <p:sldSz cx="12192000" cy="6858000"/>
   <p:notesSz cx="6858000" cy="9144000"/>
@@ -266,7 +273,7 @@
       <p15:sldGuideLst xmlns:p15="http://schemas.microsoft.com/office/powerpoint/2012/main"/>
     </p:ext>
     <p:ext uri="http://customooxmlschemas.google.com/">
-      <go:slidesCustomData xmlns="" xmlns:mc="http://schemas.openxmlformats.org/markup-compatibility/2006" xmlns:mv="urn:schemas-microsoft-com:mac:vml" xmlns:c="http://schemas.openxmlformats.org/drawingml/2006/chart" xmlns:dgm="http://schemas.openxmlformats.org/drawingml/2006/diagram" xmlns:o="urn:schemas-microsoft-com:office:office" xmlns:v="urn:schemas-microsoft-com:vml" xmlns:pvml="urn:schemas-microsoft-com:office:powerpoint" xmlns:com="http://schemas.openxmlformats.org/drawingml/2006/compatibility" xmlns:p14="http://schemas.microsoft.com/office/powerpoint/2010/main" xmlns:p15="http://schemas.microsoft.com/office/powerpoint/2012/main" xmlns:go="http://customooxmlschemas.google.com/" r:id="rId30" roundtripDataSignature="AMtx7mjFyVUGRZWio+dc9dxzYsimUxNJbg=="/>
+      <go:slidesCustomData xmlns:go="http://customooxmlschemas.google.com/" xmlns:p15="http://schemas.microsoft.com/office/powerpoint/2012/main" xmlns:p14="http://schemas.microsoft.com/office/powerpoint/2010/main" xmlns:com="http://schemas.openxmlformats.org/drawingml/2006/compatibility" xmlns:pvml="urn:schemas-microsoft-com:office:powerpoint" xmlns:v="urn:schemas-microsoft-com:vml" xmlns:o="urn:schemas-microsoft-com:office:office" xmlns:dgm="http://schemas.openxmlformats.org/drawingml/2006/diagram" xmlns:c="http://schemas.openxmlformats.org/drawingml/2006/chart" xmlns:mv="urn:schemas-microsoft-com:mac:vml" xmlns:mc="http://schemas.openxmlformats.org/markup-compatibility/2006" xmlns="" r:id="rId31" roundtripDataSignature="AMtx7mjFyVUGRZWio+dc9dxzYsimUxNJbg=="/>
     </p:ext>
   </p:extLst>
 </p:presentation>
@@ -1569,6 +1576,531 @@
 </p:notes>
 </file>
 
+<file path=ppt/notesSlides/notesSlide2.xml><?xml version="1.0" encoding="utf-8"?>
+<p:notes xmlns:a="http://schemas.openxmlformats.org/drawingml/2006/main" xmlns:r="http://schemas.openxmlformats.org/officeDocument/2006/relationships" xmlns:p="http://schemas.openxmlformats.org/presentationml/2006/main" showMasterSp="0" showMasterPhAnim="0">
+  <p:cSld>
+    <p:spTree>
+      <p:nvGrpSpPr>
+        <p:cNvPr id="1" name="Shape 141"/>
+        <p:cNvGrpSpPr/>
+        <p:nvPr/>
+      </p:nvGrpSpPr>
+      <p:grpSpPr>
+        <a:xfrm>
+          <a:off x="0" y="0"/>
+          <a:ext cx="0" cy="0"/>
+          <a:chOff x="0" y="0"/>
+          <a:chExt cx="0" cy="0"/>
+        </a:xfrm>
+      </p:grpSpPr>
+      <p:sp>
+        <p:nvSpPr>
+          <p:cNvPr id="142" name="Google Shape;142;g134dcc1e60c_1_5:notes"/>
+          <p:cNvSpPr>
+            <a:spLocks noGrp="1" noRot="1" noChangeAspect="1"/>
+          </p:cNvSpPr>
+          <p:nvPr>
+            <p:ph type="sldImg" idx="2"/>
+          </p:nvPr>
+        </p:nvSpPr>
+        <p:spPr>
+          <a:xfrm>
+            <a:off x="381000" y="685800"/>
+            <a:ext cx="6096000" cy="3429000"/>
+          </a:xfrm>
+          <a:custGeom>
+            <a:avLst/>
+            <a:gdLst/>
+            <a:ahLst/>
+            <a:cxnLst/>
+            <a:rect l="l" t="t" r="r" b="b"/>
+            <a:pathLst>
+              <a:path w="120000" h="120000" extrusionOk="0">
+                <a:moveTo>
+                  <a:pt x="0" y="0"/>
+                </a:moveTo>
+                <a:lnTo>
+                  <a:pt x="120000" y="0"/>
+                </a:lnTo>
+                <a:lnTo>
+                  <a:pt x="120000" y="120000"/>
+                </a:lnTo>
+                <a:lnTo>
+                  <a:pt x="0" y="120000"/>
+                </a:lnTo>
+                <a:close/>
+              </a:path>
+            </a:pathLst>
+          </a:custGeom>
+        </p:spPr>
+      </p:sp>
+      <p:sp>
+        <p:nvSpPr>
+          <p:cNvPr id="143" name="Google Shape;143;g134dcc1e60c_1_5:notes"/>
+          <p:cNvSpPr txBox="1">
+            <a:spLocks noGrp="1"/>
+          </p:cNvSpPr>
+          <p:nvPr>
+            <p:ph type="body" idx="1"/>
+          </p:nvPr>
+        </p:nvSpPr>
+        <p:spPr>
+          <a:xfrm>
+            <a:off x="685800" y="4343400"/>
+            <a:ext cx="5486400" cy="4114800"/>
+          </a:xfrm>
+          <a:prstGeom prst="rect">
+            <a:avLst/>
+          </a:prstGeom>
+        </p:spPr>
+        <p:txBody>
+          <a:bodyPr spcFirstLastPara="1" wrap="square" lIns="91425" tIns="91425" rIns="91425" bIns="91425" anchor="t" anchorCtr="0">
+            <a:noAutofit/>
+          </a:bodyPr>
+          <a:lstStyle/>
+          <a:p>
+            <a:pPr marL="0" lvl="0" indent="0" algn="l" rtl="0">
+              <a:spcBef>
+                <a:spcPts val="0"/>
+              </a:spcBef>
+              <a:spcAft>
+                <a:spcPts val="0"/>
+              </a:spcAft>
+              <a:buNone/>
+            </a:pPr>
+            <a:endParaRPr/>
+          </a:p>
+        </p:txBody>
+      </p:sp>
+    </p:spTree>
+  </p:cSld>
+  <p:clrMapOvr>
+    <a:masterClrMapping/>
+  </p:clrMapOvr>
+</p:notes>
+</file>
+
+<file path=ppt/notesSlides/notesSlide3.xml><?xml version="1.0" encoding="utf-8"?>
+<p:notes xmlns:a="http://schemas.openxmlformats.org/drawingml/2006/main" xmlns:r="http://schemas.openxmlformats.org/officeDocument/2006/relationships" xmlns:p="http://schemas.openxmlformats.org/presentationml/2006/main" showMasterSp="0" showMasterPhAnim="0">
+  <p:cSld>
+    <p:spTree>
+      <p:nvGrpSpPr>
+        <p:cNvPr id="1" name="Shape 199"/>
+        <p:cNvGrpSpPr/>
+        <p:nvPr/>
+      </p:nvGrpSpPr>
+      <p:grpSpPr>
+        <a:xfrm>
+          <a:off x="0" y="0"/>
+          <a:ext cx="0" cy="0"/>
+          <a:chOff x="0" y="0"/>
+          <a:chExt cx="0" cy="0"/>
+        </a:xfrm>
+      </p:grpSpPr>
+      <p:sp>
+        <p:nvSpPr>
+          <p:cNvPr id="200" name="Google Shape;200;g13a827b83f3_1_5:notes"/>
+          <p:cNvSpPr>
+            <a:spLocks noGrp="1" noRot="1" noChangeAspect="1"/>
+          </p:cNvSpPr>
+          <p:nvPr>
+            <p:ph type="sldImg" idx="2"/>
+          </p:nvPr>
+        </p:nvSpPr>
+        <p:spPr>
+          <a:xfrm>
+            <a:off x="381000" y="685800"/>
+            <a:ext cx="6096000" cy="3429000"/>
+          </a:xfrm>
+          <a:custGeom>
+            <a:avLst/>
+            <a:gdLst/>
+            <a:ahLst/>
+            <a:cxnLst/>
+            <a:rect l="l" t="t" r="r" b="b"/>
+            <a:pathLst>
+              <a:path w="120000" h="120000" extrusionOk="0">
+                <a:moveTo>
+                  <a:pt x="0" y="0"/>
+                </a:moveTo>
+                <a:lnTo>
+                  <a:pt x="120000" y="0"/>
+                </a:lnTo>
+                <a:lnTo>
+                  <a:pt x="120000" y="120000"/>
+                </a:lnTo>
+                <a:lnTo>
+                  <a:pt x="0" y="120000"/>
+                </a:lnTo>
+                <a:close/>
+              </a:path>
+            </a:pathLst>
+          </a:custGeom>
+        </p:spPr>
+      </p:sp>
+      <p:sp>
+        <p:nvSpPr>
+          <p:cNvPr id="201" name="Google Shape;201;g13a827b83f3_1_5:notes"/>
+          <p:cNvSpPr txBox="1">
+            <a:spLocks noGrp="1"/>
+          </p:cNvSpPr>
+          <p:nvPr>
+            <p:ph type="body" idx="1"/>
+          </p:nvPr>
+        </p:nvSpPr>
+        <p:spPr>
+          <a:xfrm>
+            <a:off x="685800" y="4343400"/>
+            <a:ext cx="5486400" cy="4114800"/>
+          </a:xfrm>
+          <a:prstGeom prst="rect">
+            <a:avLst/>
+          </a:prstGeom>
+        </p:spPr>
+        <p:txBody>
+          <a:bodyPr spcFirstLastPara="1" wrap="square" lIns="91425" tIns="91425" rIns="91425" bIns="91425" anchor="t" anchorCtr="0">
+            <a:noAutofit/>
+          </a:bodyPr>
+          <a:lstStyle/>
+          <a:p>
+            <a:pPr marL="0" lvl="0" indent="0" algn="l" rtl="0">
+              <a:spcBef>
+                <a:spcPts val="0"/>
+              </a:spcBef>
+              <a:spcAft>
+                <a:spcPts val="0"/>
+              </a:spcAft>
+              <a:buNone/>
+            </a:pPr>
+            <a:endParaRPr/>
+          </a:p>
+        </p:txBody>
+      </p:sp>
+    </p:spTree>
+  </p:cSld>
+  <p:clrMapOvr>
+    <a:masterClrMapping/>
+  </p:clrMapOvr>
+</p:notes>
+</file>
+
+<file path=ppt/notesSlides/notesSlide4.xml><?xml version="1.0" encoding="utf-8"?>
+<p:notes xmlns:a="http://schemas.openxmlformats.org/drawingml/2006/main" xmlns:r="http://schemas.openxmlformats.org/officeDocument/2006/relationships" xmlns:p="http://schemas.openxmlformats.org/presentationml/2006/main" showMasterSp="0" showMasterPhAnim="0">
+  <p:cSld>
+    <p:spTree>
+      <p:nvGrpSpPr>
+        <p:cNvPr id="1" name="Shape 229"/>
+        <p:cNvGrpSpPr/>
+        <p:nvPr/>
+      </p:nvGrpSpPr>
+      <p:grpSpPr>
+        <a:xfrm>
+          <a:off x="0" y="0"/>
+          <a:ext cx="0" cy="0"/>
+          <a:chOff x="0" y="0"/>
+          <a:chExt cx="0" cy="0"/>
+        </a:xfrm>
+      </p:grpSpPr>
+      <p:sp>
+        <p:nvSpPr>
+          <p:cNvPr id="230" name="Google Shape;230;g13a827b83f3_0_10:notes"/>
+          <p:cNvSpPr>
+            <a:spLocks noGrp="1" noRot="1" noChangeAspect="1"/>
+          </p:cNvSpPr>
+          <p:nvPr>
+            <p:ph type="sldImg" idx="2"/>
+          </p:nvPr>
+        </p:nvSpPr>
+        <p:spPr>
+          <a:xfrm>
+            <a:off x="381000" y="685800"/>
+            <a:ext cx="6096000" cy="3429000"/>
+          </a:xfrm>
+          <a:custGeom>
+            <a:avLst/>
+            <a:gdLst/>
+            <a:ahLst/>
+            <a:cxnLst/>
+            <a:rect l="l" t="t" r="r" b="b"/>
+            <a:pathLst>
+              <a:path w="120000" h="120000" extrusionOk="0">
+                <a:moveTo>
+                  <a:pt x="0" y="0"/>
+                </a:moveTo>
+                <a:lnTo>
+                  <a:pt x="120000" y="0"/>
+                </a:lnTo>
+                <a:lnTo>
+                  <a:pt x="120000" y="120000"/>
+                </a:lnTo>
+                <a:lnTo>
+                  <a:pt x="0" y="120000"/>
+                </a:lnTo>
+                <a:close/>
+              </a:path>
+            </a:pathLst>
+          </a:custGeom>
+        </p:spPr>
+      </p:sp>
+      <p:sp>
+        <p:nvSpPr>
+          <p:cNvPr id="231" name="Google Shape;231;g13a827b83f3_0_10:notes"/>
+          <p:cNvSpPr txBox="1">
+            <a:spLocks noGrp="1"/>
+          </p:cNvSpPr>
+          <p:nvPr>
+            <p:ph type="body" idx="1"/>
+          </p:nvPr>
+        </p:nvSpPr>
+        <p:spPr>
+          <a:xfrm>
+            <a:off x="685800" y="4343400"/>
+            <a:ext cx="5486400" cy="4114800"/>
+          </a:xfrm>
+          <a:prstGeom prst="rect">
+            <a:avLst/>
+          </a:prstGeom>
+        </p:spPr>
+        <p:txBody>
+          <a:bodyPr spcFirstLastPara="1" wrap="square" lIns="91425" tIns="91425" rIns="91425" bIns="91425" anchor="t" anchorCtr="0">
+            <a:noAutofit/>
+          </a:bodyPr>
+          <a:lstStyle/>
+          <a:p>
+            <a:pPr marL="0" lvl="0" indent="0" algn="l" rtl="0">
+              <a:spcBef>
+                <a:spcPts val="0"/>
+              </a:spcBef>
+              <a:spcAft>
+                <a:spcPts val="0"/>
+              </a:spcAft>
+              <a:buNone/>
+            </a:pPr>
+            <a:endParaRPr/>
+          </a:p>
+        </p:txBody>
+      </p:sp>
+    </p:spTree>
+  </p:cSld>
+  <p:clrMapOvr>
+    <a:masterClrMapping/>
+  </p:clrMapOvr>
+</p:notes>
+</file>
+
+<file path=ppt/notesSlides/notesSlide5.xml><?xml version="1.0" encoding="utf-8"?>
+<p:notes xmlns:a="http://schemas.openxmlformats.org/drawingml/2006/main" xmlns:r="http://schemas.openxmlformats.org/officeDocument/2006/relationships" xmlns:p="http://schemas.openxmlformats.org/presentationml/2006/main" showMasterSp="0" showMasterPhAnim="0">
+  <p:cSld>
+    <p:spTree>
+      <p:nvGrpSpPr>
+        <p:cNvPr id="1" name="Shape 259"/>
+        <p:cNvGrpSpPr/>
+        <p:nvPr/>
+      </p:nvGrpSpPr>
+      <p:grpSpPr>
+        <a:xfrm>
+          <a:off x="0" y="0"/>
+          <a:ext cx="0" cy="0"/>
+          <a:chOff x="0" y="0"/>
+          <a:chExt cx="0" cy="0"/>
+        </a:xfrm>
+      </p:grpSpPr>
+      <p:sp>
+        <p:nvSpPr>
+          <p:cNvPr id="260" name="Google Shape;260;g13a827b83f3_7_26:notes"/>
+          <p:cNvSpPr>
+            <a:spLocks noGrp="1" noRot="1" noChangeAspect="1"/>
+          </p:cNvSpPr>
+          <p:nvPr>
+            <p:ph type="sldImg" idx="2"/>
+          </p:nvPr>
+        </p:nvSpPr>
+        <p:spPr>
+          <a:xfrm>
+            <a:off x="381000" y="685800"/>
+            <a:ext cx="6096000" cy="3429000"/>
+          </a:xfrm>
+          <a:custGeom>
+            <a:avLst/>
+            <a:gdLst/>
+            <a:ahLst/>
+            <a:cxnLst/>
+            <a:rect l="l" t="t" r="r" b="b"/>
+            <a:pathLst>
+              <a:path w="120000" h="120000" extrusionOk="0">
+                <a:moveTo>
+                  <a:pt x="0" y="0"/>
+                </a:moveTo>
+                <a:lnTo>
+                  <a:pt x="120000" y="0"/>
+                </a:lnTo>
+                <a:lnTo>
+                  <a:pt x="120000" y="120000"/>
+                </a:lnTo>
+                <a:lnTo>
+                  <a:pt x="0" y="120000"/>
+                </a:lnTo>
+                <a:close/>
+              </a:path>
+            </a:pathLst>
+          </a:custGeom>
+        </p:spPr>
+      </p:sp>
+      <p:sp>
+        <p:nvSpPr>
+          <p:cNvPr id="261" name="Google Shape;261;g13a827b83f3_7_26:notes"/>
+          <p:cNvSpPr txBox="1">
+            <a:spLocks noGrp="1"/>
+          </p:cNvSpPr>
+          <p:nvPr>
+            <p:ph type="body" idx="1"/>
+          </p:nvPr>
+        </p:nvSpPr>
+        <p:spPr>
+          <a:xfrm>
+            <a:off x="685800" y="4343400"/>
+            <a:ext cx="5486400" cy="4114800"/>
+          </a:xfrm>
+          <a:prstGeom prst="rect">
+            <a:avLst/>
+          </a:prstGeom>
+        </p:spPr>
+        <p:txBody>
+          <a:bodyPr spcFirstLastPara="1" wrap="square" lIns="91425" tIns="91425" rIns="91425" bIns="91425" anchor="t" anchorCtr="0">
+            <a:noAutofit/>
+          </a:bodyPr>
+          <a:lstStyle/>
+          <a:p>
+            <a:pPr marL="0" lvl="0" indent="0" algn="l" rtl="0">
+              <a:spcBef>
+                <a:spcPts val="0"/>
+              </a:spcBef>
+              <a:spcAft>
+                <a:spcPts val="0"/>
+              </a:spcAft>
+              <a:buNone/>
+            </a:pPr>
+            <a:endParaRPr/>
+          </a:p>
+        </p:txBody>
+      </p:sp>
+    </p:spTree>
+  </p:cSld>
+  <p:clrMapOvr>
+    <a:masterClrMapping/>
+  </p:clrMapOvr>
+</p:notes>
+</file>
+
+<file path=ppt/notesSlides/notesSlide6.xml><?xml version="1.0" encoding="utf-8"?>
+<p:notes xmlns:a="http://schemas.openxmlformats.org/drawingml/2006/main" xmlns:r="http://schemas.openxmlformats.org/officeDocument/2006/relationships" xmlns:p="http://schemas.openxmlformats.org/presentationml/2006/main" showMasterSp="0" showMasterPhAnim="0">
+  <p:cSld>
+    <p:spTree>
+      <p:nvGrpSpPr>
+        <p:cNvPr id="1" name="Shape 300"/>
+        <p:cNvGrpSpPr/>
+        <p:nvPr/>
+      </p:nvGrpSpPr>
+      <p:grpSpPr>
+        <a:xfrm>
+          <a:off x="0" y="0"/>
+          <a:ext cx="0" cy="0"/>
+          <a:chOff x="0" y="0"/>
+          <a:chExt cx="0" cy="0"/>
+        </a:xfrm>
+      </p:grpSpPr>
+      <p:sp>
+        <p:nvSpPr>
+          <p:cNvPr id="301" name="Google Shape;301;g134e0ee0e3b_0_155:notes"/>
+          <p:cNvSpPr>
+            <a:spLocks noGrp="1" noRot="1" noChangeAspect="1"/>
+          </p:cNvSpPr>
+          <p:nvPr>
+            <p:ph type="sldImg" idx="2"/>
+          </p:nvPr>
+        </p:nvSpPr>
+        <p:spPr>
+          <a:xfrm>
+            <a:off x="381000" y="685800"/>
+            <a:ext cx="6096000" cy="3429000"/>
+          </a:xfrm>
+          <a:custGeom>
+            <a:avLst/>
+            <a:gdLst/>
+            <a:ahLst/>
+            <a:cxnLst/>
+            <a:rect l="l" t="t" r="r" b="b"/>
+            <a:pathLst>
+              <a:path w="120000" h="120000" extrusionOk="0">
+                <a:moveTo>
+                  <a:pt x="0" y="0"/>
+                </a:moveTo>
+                <a:lnTo>
+                  <a:pt x="120000" y="0"/>
+                </a:lnTo>
+                <a:lnTo>
+                  <a:pt x="120000" y="120000"/>
+                </a:lnTo>
+                <a:lnTo>
+                  <a:pt x="0" y="120000"/>
+                </a:lnTo>
+                <a:close/>
+              </a:path>
+            </a:pathLst>
+          </a:custGeom>
+        </p:spPr>
+      </p:sp>
+      <p:sp>
+        <p:nvSpPr>
+          <p:cNvPr id="302" name="Google Shape;302;g134e0ee0e3b_0_155:notes"/>
+          <p:cNvSpPr txBox="1">
+            <a:spLocks noGrp="1"/>
+          </p:cNvSpPr>
+          <p:nvPr>
+            <p:ph type="body" idx="1"/>
+          </p:nvPr>
+        </p:nvSpPr>
+        <p:spPr>
+          <a:xfrm>
+            <a:off x="685800" y="4343400"/>
+            <a:ext cx="5486400" cy="4114800"/>
+          </a:xfrm>
+          <a:prstGeom prst="rect">
+            <a:avLst/>
+          </a:prstGeom>
+        </p:spPr>
+        <p:txBody>
+          <a:bodyPr spcFirstLastPara="1" wrap="square" lIns="91425" tIns="91425" rIns="91425" bIns="91425" anchor="t" anchorCtr="0">
+            <a:noAutofit/>
+          </a:bodyPr>
+          <a:lstStyle/>
+          <a:p>
+            <a:pPr marL="0" lvl="0" indent="0" algn="l" rtl="0">
+              <a:spcBef>
+                <a:spcPts val="0"/>
+              </a:spcBef>
+              <a:spcAft>
+                <a:spcPts val="0"/>
+              </a:spcAft>
+              <a:buNone/>
+            </a:pPr>
+            <a:endParaRPr/>
+          </a:p>
+        </p:txBody>
+      </p:sp>
+    </p:spTree>
+    <p:extLst>
+      <p:ext uri="{BB962C8B-B14F-4D97-AF65-F5344CB8AC3E}">
+        <p14:creationId xmlns:p14="http://schemas.microsoft.com/office/powerpoint/2010/main" val="3267307729"/>
+      </p:ext>
+    </p:extLst>
+  </p:cSld>
+  <p:clrMapOvr>
+    <a:masterClrMapping/>
+  </p:clrMapOvr>
+</p:notes>
+</file>
+
 <file path=ppt/slideLayouts/slideLayout1.xml><?xml version="1.0" encoding="utf-8"?>
 <p:sldLayout xmlns:a="http://schemas.openxmlformats.org/drawingml/2006/main" xmlns:r="http://schemas.openxmlformats.org/officeDocument/2006/relationships" xmlns:p="http://schemas.openxmlformats.org/presentationml/2006/main" matchingName="Title slide" type="title">
   <p:cSld name="TITLE">
@@ -2320,110 +2852,6 @@
 </p:sldLayout>
 </file>
 
-<file path=ppt/slideLayouts/slideLayout3.xml><?xml version="1.0" encoding="utf-8"?>
-<p:sldLayout xmlns:a="http://schemas.openxmlformats.org/drawingml/2006/main" xmlns:r="http://schemas.openxmlformats.org/officeDocument/2006/relationships" xmlns:p="http://schemas.openxmlformats.org/presentationml/2006/main" matchingName="Blank" type="blank">
-  <p:cSld name="BLANK">
-    <p:spTree>
-      <p:nvGrpSpPr>
-        <p:cNvPr id="1" name="Shape 55"/>
-        <p:cNvGrpSpPr/>
-        <p:nvPr/>
-      </p:nvGrpSpPr>
-      <p:grpSpPr>
-        <a:xfrm>
-          <a:off x="0" y="0"/>
-          <a:ext cx="0" cy="0"/>
-          <a:chOff x="0" y="0"/>
-          <a:chExt cx="0" cy="0"/>
-        </a:xfrm>
-      </p:grpSpPr>
-      <p:sp>
-        <p:nvSpPr>
-          <p:cNvPr id="56" name="Google Shape;56;g6dad9273e7_0_46"/>
-          <p:cNvSpPr txBox="1">
-            <a:spLocks noGrp="1"/>
-          </p:cNvSpPr>
-          <p:nvPr>
-            <p:ph type="sldNum" idx="12"/>
-          </p:nvPr>
-        </p:nvSpPr>
-        <p:spPr>
-          <a:xfrm>
-            <a:off x="11296610" y="6217622"/>
-            <a:ext cx="731700" cy="524700"/>
-          </a:xfrm>
-          <a:prstGeom prst="rect">
-            <a:avLst/>
-          </a:prstGeom>
-        </p:spPr>
-        <p:txBody>
-          <a:bodyPr spcFirstLastPara="1" wrap="square" lIns="121900" tIns="121900" rIns="121900" bIns="121900" anchor="ctr" anchorCtr="0">
-            <a:noAutofit/>
-          </a:bodyPr>
-          <a:lstStyle>
-            <a:lvl1pPr lvl="0">
-              <a:buNone/>
-              <a:defRPr/>
-            </a:lvl1pPr>
-            <a:lvl2pPr lvl="1">
-              <a:buNone/>
-              <a:defRPr/>
-            </a:lvl2pPr>
-            <a:lvl3pPr lvl="2">
-              <a:buNone/>
-              <a:defRPr/>
-            </a:lvl3pPr>
-            <a:lvl4pPr lvl="3">
-              <a:buNone/>
-              <a:defRPr/>
-            </a:lvl4pPr>
-            <a:lvl5pPr lvl="4">
-              <a:buNone/>
-              <a:defRPr/>
-            </a:lvl5pPr>
-            <a:lvl6pPr lvl="5">
-              <a:buNone/>
-              <a:defRPr/>
-            </a:lvl6pPr>
-            <a:lvl7pPr lvl="6">
-              <a:buNone/>
-              <a:defRPr/>
-            </a:lvl7pPr>
-            <a:lvl8pPr lvl="7">
-              <a:buNone/>
-              <a:defRPr/>
-            </a:lvl8pPr>
-            <a:lvl9pPr lvl="8">
-              <a:buNone/>
-              <a:defRPr/>
-            </a:lvl9pPr>
-          </a:lstStyle>
-          <a:p>
-            <a:pPr marL="0" lvl="0" indent="0" algn="r" rtl="0">
-              <a:spcBef>
-                <a:spcPts val="0"/>
-              </a:spcBef>
-              <a:spcAft>
-                <a:spcPts val="0"/>
-              </a:spcAft>
-              <a:buNone/>
-            </a:pPr>
-            <a:fld id="{00000000-1234-1234-1234-123412341234}" type="slidenum">
-              <a:rPr lang="en-US"/>
-              <a:t>‹#›</a:t>
-            </a:fld>
-            <a:endParaRPr/>
-          </a:p>
-        </p:txBody>
-      </p:sp>
-    </p:spTree>
-  </p:cSld>
-  <p:clrMapOvr>
-    <a:masterClrMapping/>
-  </p:clrMapOvr>
-</p:sldLayout>
-</file>
-
 <file path=ppt/slideMasters/slideMaster1.xml><?xml version="1.0" encoding="utf-8"?>
 <p:sldMaster xmlns:a="http://schemas.openxmlformats.org/drawingml/2006/main" xmlns:r="http://schemas.openxmlformats.org/officeDocument/2006/relationships" xmlns:p="http://schemas.openxmlformats.org/presentationml/2006/main">
   <p:cSld name="simple-light-2">
@@ -2993,7 +3421,6 @@
   <p:sldLayoutIdLst>
     <p:sldLayoutId id="2147483649" r:id="rId1"/>
     <p:sldLayoutId id="2147483661" r:id="rId2"/>
-    <p:sldLayoutId id="2147483659" r:id="rId3"/>
   </p:sldLayoutIdLst>
   <p:hf sldNum="0" hdr="0" ftr="0" dt="0"/>
   <p:txStyles>
@@ -3798,6 +4225,753 @@
       </p:grpSpPr>
       <p:sp>
         <p:nvSpPr>
+          <p:cNvPr id="2" name="Text Placeholder 1">
+            <a:extLst>
+              <a:ext uri="{FF2B5EF4-FFF2-40B4-BE49-F238E27FC236}">
+                <a16:creationId xmlns:a16="http://schemas.microsoft.com/office/drawing/2014/main" id="{1BF58D61-D951-4047-914F-96A26849E50A}"/>
+              </a:ext>
+            </a:extLst>
+          </p:cNvPr>
+          <p:cNvSpPr>
+            <a:spLocks noGrp="1"/>
+          </p:cNvSpPr>
+          <p:nvPr>
+            <p:ph type="body" idx="1"/>
+          </p:nvPr>
+        </p:nvSpPr>
+        <p:spPr/>
+        <p:txBody>
+          <a:bodyPr/>
+          <a:lstStyle/>
+          <a:p>
+            <a:r>
+              <a:rPr lang="en-US" dirty="0"/>
+              <a:t>Every entity that exists?</a:t>
+            </a:r>
+            <a:br>
+              <a:rPr lang="en-US" dirty="0"/>
+            </a:br>
+            <a:endParaRPr lang="en-US" dirty="0"/>
+          </a:p>
+          <a:p>
+            <a:r>
+              <a:rPr lang="en-US" dirty="0"/>
+              <a:t>“Active” entities?</a:t>
+            </a:r>
+            <a:br>
+              <a:rPr lang="en-US" dirty="0"/>
+            </a:br>
+            <a:endParaRPr lang="en-US" dirty="0"/>
+          </a:p>
+          <a:p>
+            <a:r>
+              <a:rPr lang="en-US" dirty="0"/>
+              <a:t>Event-based?</a:t>
+            </a:r>
+          </a:p>
+          <a:p>
+            <a:pPr lvl="1"/>
+            <a:r>
+              <a:rPr lang="en-US" dirty="0"/>
+              <a:t>Making predictions when the events occur?</a:t>
+            </a:r>
+          </a:p>
+          <a:p>
+            <a:pPr lvl="1"/>
+            <a:r>
+              <a:rPr lang="en-US" dirty="0"/>
+              <a:t>All entities that have had an event in a certain time window?</a:t>
+            </a:r>
+          </a:p>
+        </p:txBody>
+      </p:sp>
+      <p:sp>
+        <p:nvSpPr>
+          <p:cNvPr id="3" name="Title 2">
+            <a:extLst>
+              <a:ext uri="{FF2B5EF4-FFF2-40B4-BE49-F238E27FC236}">
+                <a16:creationId xmlns:a16="http://schemas.microsoft.com/office/drawing/2014/main" id="{18E00A3A-9C26-1B42-A62C-4DB46B741290}"/>
+              </a:ext>
+            </a:extLst>
+          </p:cNvPr>
+          <p:cNvSpPr>
+            <a:spLocks noGrp="1"/>
+          </p:cNvSpPr>
+          <p:nvPr>
+            <p:ph type="title"/>
+          </p:nvPr>
+        </p:nvSpPr>
+        <p:spPr/>
+        <p:txBody>
+          <a:bodyPr/>
+          <a:lstStyle/>
+          <a:p>
+            <a:r>
+              <a:rPr lang="en-US" dirty="0"/>
+              <a:t>Decisions we need to make: cohort definition</a:t>
+            </a:r>
+          </a:p>
+        </p:txBody>
+      </p:sp>
+    </p:spTree>
+    <p:extLst>
+      <p:ext uri="{BB962C8B-B14F-4D97-AF65-F5344CB8AC3E}">
+        <p14:creationId xmlns:p14="http://schemas.microsoft.com/office/powerpoint/2010/main" val="3823067349"/>
+      </p:ext>
+    </p:extLst>
+  </p:cSld>
+  <p:clrMapOvr>
+    <a:masterClrMapping/>
+  </p:clrMapOvr>
+</p:sld>
+</file>
+
+<file path=ppt/slides/slide11.xml><?xml version="1.0" encoding="utf-8"?>
+<p:sld xmlns:a="http://schemas.openxmlformats.org/drawingml/2006/main" xmlns:r="http://schemas.openxmlformats.org/officeDocument/2006/relationships" xmlns:p="http://schemas.openxmlformats.org/presentationml/2006/main">
+  <p:cSld>
+    <p:spTree>
+      <p:nvGrpSpPr>
+        <p:cNvPr id="1" name=""/>
+        <p:cNvGrpSpPr/>
+        <p:nvPr/>
+      </p:nvGrpSpPr>
+      <p:grpSpPr>
+        <a:xfrm>
+          <a:off x="0" y="0"/>
+          <a:ext cx="0" cy="0"/>
+          <a:chOff x="0" y="0"/>
+          <a:chExt cx="0" cy="0"/>
+        </a:xfrm>
+      </p:grpSpPr>
+      <p:sp>
+        <p:nvSpPr>
+          <p:cNvPr id="2" name="Text Placeholder 1">
+            <a:extLst>
+              <a:ext uri="{FF2B5EF4-FFF2-40B4-BE49-F238E27FC236}">
+                <a16:creationId xmlns:a16="http://schemas.microsoft.com/office/drawing/2014/main" id="{4F90177E-EDBA-BC41-B606-574933A1A307}"/>
+              </a:ext>
+            </a:extLst>
+          </p:cNvPr>
+          <p:cNvSpPr>
+            <a:spLocks noGrp="1"/>
+          </p:cNvSpPr>
+          <p:nvPr>
+            <p:ph type="body" idx="1"/>
+          </p:nvPr>
+        </p:nvSpPr>
+        <p:spPr/>
+        <p:txBody>
+          <a:bodyPr/>
+          <a:lstStyle/>
+          <a:p>
+            <a:r>
+              <a:rPr lang="en-US" dirty="0"/>
+              <a:t>What type of analysis are you doing?</a:t>
+            </a:r>
+          </a:p>
+          <a:p>
+            <a:endParaRPr lang="en-US" dirty="0"/>
+          </a:p>
+          <a:p>
+            <a:r>
+              <a:rPr lang="en-US" dirty="0"/>
+              <a:t>What are the relevant entities? How do you identify the cohort?</a:t>
+            </a:r>
+          </a:p>
+          <a:p>
+            <a:pPr marL="114300" indent="0">
+              <a:buNone/>
+            </a:pPr>
+            <a:endParaRPr lang="en-US" dirty="0"/>
+          </a:p>
+          <a:p>
+            <a:r>
+              <a:rPr lang="en-US" dirty="0"/>
+              <a:t>How do you define the outcome/label that you care about?</a:t>
+            </a:r>
+            <a:br>
+              <a:rPr lang="en-US" dirty="0"/>
+            </a:br>
+            <a:endParaRPr lang="en-US" dirty="0"/>
+          </a:p>
+          <a:p>
+            <a:r>
+              <a:rPr lang="en-US" dirty="0"/>
+              <a:t>How far into the future are you trying to predict?</a:t>
+            </a:r>
+          </a:p>
+          <a:p>
+            <a:pPr marL="114300" indent="0">
+              <a:buNone/>
+            </a:pPr>
+            <a:br>
+              <a:rPr lang="en-US" dirty="0"/>
+            </a:br>
+            <a:br>
+              <a:rPr lang="en-US" dirty="0"/>
+            </a:br>
+            <a:endParaRPr lang="en-US" dirty="0"/>
+          </a:p>
+        </p:txBody>
+      </p:sp>
+      <p:sp>
+        <p:nvSpPr>
+          <p:cNvPr id="3" name="Title 2">
+            <a:extLst>
+              <a:ext uri="{FF2B5EF4-FFF2-40B4-BE49-F238E27FC236}">
+                <a16:creationId xmlns:a16="http://schemas.microsoft.com/office/drawing/2014/main" id="{FC4F2F47-A164-2C41-A1CD-CFD1AFCBE708}"/>
+              </a:ext>
+            </a:extLst>
+          </p:cNvPr>
+          <p:cNvSpPr>
+            <a:spLocks noGrp="1"/>
+          </p:cNvSpPr>
+          <p:nvPr>
+            <p:ph type="title"/>
+          </p:nvPr>
+        </p:nvSpPr>
+        <p:spPr/>
+        <p:txBody>
+          <a:bodyPr/>
+          <a:lstStyle/>
+          <a:p>
+            <a:r>
+              <a:rPr lang="en-US" dirty="0"/>
+              <a:t>Decisions we need to make</a:t>
+            </a:r>
+          </a:p>
+        </p:txBody>
+      </p:sp>
+    </p:spTree>
+    <p:extLst>
+      <p:ext uri="{BB962C8B-B14F-4D97-AF65-F5344CB8AC3E}">
+        <p14:creationId xmlns:p14="http://schemas.microsoft.com/office/powerpoint/2010/main" val="140988996"/>
+      </p:ext>
+    </p:extLst>
+  </p:cSld>
+  <p:clrMapOvr>
+    <a:masterClrMapping/>
+  </p:clrMapOvr>
+</p:sld>
+</file>
+
+<file path=ppt/slides/slide12.xml><?xml version="1.0" encoding="utf-8"?>
+<p:sld xmlns:a="http://schemas.openxmlformats.org/drawingml/2006/main" xmlns:r="http://schemas.openxmlformats.org/officeDocument/2006/relationships" xmlns:p="http://schemas.openxmlformats.org/presentationml/2006/main">
+  <p:cSld>
+    <p:spTree>
+      <p:nvGrpSpPr>
+        <p:cNvPr id="1" name=""/>
+        <p:cNvGrpSpPr/>
+        <p:nvPr/>
+      </p:nvGrpSpPr>
+      <p:grpSpPr>
+        <a:xfrm>
+          <a:off x="0" y="0"/>
+          <a:ext cx="0" cy="0"/>
+          <a:chOff x="0" y="0"/>
+          <a:chExt cx="0" cy="0"/>
+        </a:xfrm>
+      </p:grpSpPr>
+      <p:sp>
+        <p:nvSpPr>
+          <p:cNvPr id="3" name="Title 2">
+            <a:extLst>
+              <a:ext uri="{FF2B5EF4-FFF2-40B4-BE49-F238E27FC236}">
+                <a16:creationId xmlns:a16="http://schemas.microsoft.com/office/drawing/2014/main" id="{D3765B02-360A-1F41-913A-E71E561203CC}"/>
+              </a:ext>
+            </a:extLst>
+          </p:cNvPr>
+          <p:cNvSpPr>
+            <a:spLocks noGrp="1"/>
+          </p:cNvSpPr>
+          <p:nvPr>
+            <p:ph type="title"/>
+          </p:nvPr>
+        </p:nvSpPr>
+        <p:spPr/>
+        <p:txBody>
+          <a:bodyPr/>
+          <a:lstStyle/>
+          <a:p>
+            <a:r>
+              <a:rPr lang="en-US" dirty="0"/>
+              <a:t>Structuring the Analytical Formulation</a:t>
+            </a:r>
+          </a:p>
+        </p:txBody>
+      </p:sp>
+      <p:sp>
+        <p:nvSpPr>
+          <p:cNvPr id="4" name="Google Shape;173;p42">
+            <a:extLst>
+              <a:ext uri="{FF2B5EF4-FFF2-40B4-BE49-F238E27FC236}">
+                <a16:creationId xmlns:a16="http://schemas.microsoft.com/office/drawing/2014/main" id="{11008A05-00C0-7C4B-9E7A-F5D9E79C776A}"/>
+              </a:ext>
+            </a:extLst>
+          </p:cNvPr>
+          <p:cNvSpPr/>
+          <p:nvPr/>
+        </p:nvSpPr>
+        <p:spPr>
+          <a:xfrm>
+            <a:off x="1688840" y="2398130"/>
+            <a:ext cx="2343000" cy="3153300"/>
+          </a:xfrm>
+          <a:prstGeom prst="rect">
+            <a:avLst/>
+          </a:prstGeom>
+          <a:solidFill>
+            <a:schemeClr val="lt2"/>
+          </a:solidFill>
+          <a:ln w="9525" cap="flat" cmpd="sng">
+            <a:solidFill>
+              <a:schemeClr val="dk2"/>
+            </a:solidFill>
+            <a:prstDash val="solid"/>
+            <a:round/>
+            <a:headEnd type="none" w="sm" len="sm"/>
+            <a:tailEnd type="none" w="sm" len="sm"/>
+          </a:ln>
+        </p:spPr>
+        <p:txBody>
+          <a:bodyPr spcFirstLastPara="1" wrap="square" lIns="91425" tIns="91425" rIns="91425" bIns="91425" anchor="ctr" anchorCtr="0">
+            <a:noAutofit/>
+          </a:bodyPr>
+          <a:lstStyle/>
+          <a:p>
+            <a:pPr marL="0" lvl="0" indent="0" algn="l" rtl="0">
+              <a:spcBef>
+                <a:spcPts val="0"/>
+              </a:spcBef>
+              <a:spcAft>
+                <a:spcPts val="0"/>
+              </a:spcAft>
+              <a:buNone/>
+            </a:pPr>
+            <a:endParaRPr/>
+          </a:p>
+        </p:txBody>
+      </p:sp>
+      <p:sp>
+        <p:nvSpPr>
+          <p:cNvPr id="5" name="Google Shape;175;p42">
+            <a:extLst>
+              <a:ext uri="{FF2B5EF4-FFF2-40B4-BE49-F238E27FC236}">
+                <a16:creationId xmlns:a16="http://schemas.microsoft.com/office/drawing/2014/main" id="{A503C09B-93C0-FB43-BCF8-DB719EF203C3}"/>
+              </a:ext>
+            </a:extLst>
+          </p:cNvPr>
+          <p:cNvSpPr txBox="1">
+            <a:spLocks noGrp="1"/>
+          </p:cNvSpPr>
+          <p:nvPr>
+            <p:ph type="body" idx="1"/>
+          </p:nvPr>
+        </p:nvSpPr>
+        <p:spPr>
+          <a:xfrm>
+            <a:off x="4220940" y="2306905"/>
+            <a:ext cx="6398400" cy="3416400"/>
+          </a:xfrm>
+          <a:prstGeom prst="rect">
+            <a:avLst/>
+          </a:prstGeom>
+        </p:spPr>
+        <p:txBody>
+          <a:bodyPr spcFirstLastPara="1" wrap="square" lIns="91425" tIns="91425" rIns="91425" bIns="91425" anchor="t" anchorCtr="0">
+            <a:noAutofit/>
+          </a:bodyPr>
+          <a:lstStyle/>
+          <a:p>
+            <a:pPr marL="0" lvl="0" indent="0" algn="l" rtl="0">
+              <a:spcBef>
+                <a:spcPts val="0"/>
+              </a:spcBef>
+              <a:spcAft>
+                <a:spcPts val="1600"/>
+              </a:spcAft>
+              <a:buNone/>
+            </a:pPr>
+            <a:r>
+              <a:rPr lang="en" sz="2600" dirty="0">
+                <a:solidFill>
+                  <a:srgbClr val="FF0000"/>
+                </a:solidFill>
+              </a:rPr>
+              <a:t>On the 15</a:t>
+            </a:r>
+            <a:r>
+              <a:rPr lang="en" sz="2600" baseline="30000" dirty="0">
+                <a:solidFill>
+                  <a:srgbClr val="FF0000"/>
+                </a:solidFill>
+              </a:rPr>
+              <a:t>th</a:t>
+            </a:r>
+            <a:r>
+              <a:rPr lang="en" sz="2600" dirty="0">
+                <a:solidFill>
+                  <a:srgbClr val="FF0000"/>
+                </a:solidFill>
+              </a:rPr>
+              <a:t> of every month</a:t>
+            </a:r>
+            <a:r>
+              <a:rPr lang="en" sz="2600" dirty="0"/>
+              <a:t>, for </a:t>
+            </a:r>
+            <a:r>
+              <a:rPr lang="en" sz="2600" dirty="0">
+                <a:solidFill>
+                  <a:srgbClr val="0000FF"/>
+                </a:solidFill>
+              </a:rPr>
+              <a:t>all households with children under </a:t>
+            </a:r>
+            <a:r>
+              <a:rPr lang="en" sz="2600">
+                <a:solidFill>
+                  <a:srgbClr val="0000FF"/>
+                </a:solidFill>
+              </a:rPr>
+              <a:t>3 months old</a:t>
+            </a:r>
+            <a:r>
+              <a:rPr lang="en" sz="2600" dirty="0"/>
+              <a:t>, can we identify the </a:t>
+            </a:r>
+            <a:r>
+              <a:rPr lang="en" sz="2600" dirty="0">
+                <a:solidFill>
+                  <a:srgbClr val="FF00FF"/>
+                </a:solidFill>
+              </a:rPr>
+              <a:t>50 highest risk households</a:t>
+            </a:r>
+            <a:r>
+              <a:rPr lang="en" sz="2600" dirty="0"/>
+              <a:t> who are </a:t>
+            </a:r>
+            <a:r>
+              <a:rPr lang="en" sz="2600" dirty="0">
+                <a:solidFill>
+                  <a:srgbClr val="38761D"/>
+                </a:solidFill>
+              </a:rPr>
+              <a:t>likely to be affected by lead hazards </a:t>
+            </a:r>
+            <a:r>
+              <a:rPr lang="en" sz="2600" dirty="0">
+                <a:solidFill>
+                  <a:srgbClr val="B45F06"/>
+                </a:solidFill>
+              </a:rPr>
+              <a:t>to prioritize for inspection and remediation of lead sources in the following month</a:t>
+            </a:r>
+            <a:r>
+              <a:rPr lang="en" sz="2600" dirty="0"/>
+              <a:t>?</a:t>
+            </a:r>
+            <a:endParaRPr sz="2600" dirty="0"/>
+          </a:p>
+        </p:txBody>
+      </p:sp>
+      <p:sp>
+        <p:nvSpPr>
+          <p:cNvPr id="6" name="Google Shape;176;p42">
+            <a:extLst>
+              <a:ext uri="{FF2B5EF4-FFF2-40B4-BE49-F238E27FC236}">
+                <a16:creationId xmlns:a16="http://schemas.microsoft.com/office/drawing/2014/main" id="{37D6DBA9-5D69-154C-A120-4ADBF03F7CF7}"/>
+              </a:ext>
+            </a:extLst>
+          </p:cNvPr>
+          <p:cNvSpPr txBox="1"/>
+          <p:nvPr/>
+        </p:nvSpPr>
+        <p:spPr>
+          <a:xfrm>
+            <a:off x="1732190" y="2398130"/>
+            <a:ext cx="2256300" cy="597000"/>
+          </a:xfrm>
+          <a:prstGeom prst="rect">
+            <a:avLst/>
+          </a:prstGeom>
+          <a:noFill/>
+          <a:ln>
+            <a:noFill/>
+          </a:ln>
+        </p:spPr>
+        <p:txBody>
+          <a:bodyPr spcFirstLastPara="1" wrap="square" lIns="91425" tIns="91425" rIns="91425" bIns="91425" anchor="t" anchorCtr="0">
+            <a:noAutofit/>
+          </a:bodyPr>
+          <a:lstStyle/>
+          <a:p>
+            <a:pPr marL="0" lvl="0" indent="0" algn="l" rtl="0">
+              <a:spcBef>
+                <a:spcPts val="0"/>
+              </a:spcBef>
+              <a:spcAft>
+                <a:spcPts val="0"/>
+              </a:spcAft>
+              <a:buNone/>
+            </a:pPr>
+            <a:r>
+              <a:rPr lang="en">
+                <a:solidFill>
+                  <a:srgbClr val="FF0000"/>
+                </a:solidFill>
+              </a:rPr>
+              <a:t>How often is the recommendation/decision being made?</a:t>
+            </a:r>
+            <a:endParaRPr>
+              <a:solidFill>
+                <a:srgbClr val="FF0000"/>
+              </a:solidFill>
+            </a:endParaRPr>
+          </a:p>
+        </p:txBody>
+      </p:sp>
+      <p:sp>
+        <p:nvSpPr>
+          <p:cNvPr id="7" name="Google Shape;177;p42">
+            <a:extLst>
+              <a:ext uri="{FF2B5EF4-FFF2-40B4-BE49-F238E27FC236}">
+                <a16:creationId xmlns:a16="http://schemas.microsoft.com/office/drawing/2014/main" id="{6A2D549C-59C2-0340-9130-F3B04EEF3F59}"/>
+              </a:ext>
+            </a:extLst>
+          </p:cNvPr>
+          <p:cNvSpPr txBox="1"/>
+          <p:nvPr/>
+        </p:nvSpPr>
+        <p:spPr>
+          <a:xfrm>
+            <a:off x="1736040" y="3275280"/>
+            <a:ext cx="2256300" cy="597000"/>
+          </a:xfrm>
+          <a:prstGeom prst="rect">
+            <a:avLst/>
+          </a:prstGeom>
+          <a:noFill/>
+          <a:ln>
+            <a:noFill/>
+          </a:ln>
+        </p:spPr>
+        <p:txBody>
+          <a:bodyPr spcFirstLastPara="1" wrap="square" lIns="91425" tIns="91425" rIns="91425" bIns="91425" anchor="t" anchorCtr="0">
+            <a:noAutofit/>
+          </a:bodyPr>
+          <a:lstStyle/>
+          <a:p>
+            <a:pPr marL="0" lvl="0" indent="0" algn="l" rtl="0">
+              <a:spcBef>
+                <a:spcPts val="0"/>
+              </a:spcBef>
+              <a:spcAft>
+                <a:spcPts val="0"/>
+              </a:spcAft>
+              <a:buNone/>
+            </a:pPr>
+            <a:r>
+              <a:rPr lang="en">
+                <a:solidFill>
+                  <a:srgbClr val="0000FF"/>
+                </a:solidFill>
+              </a:rPr>
+              <a:t>Who/what is included in the cohort?</a:t>
+            </a:r>
+            <a:endParaRPr>
+              <a:solidFill>
+                <a:srgbClr val="0000FF"/>
+              </a:solidFill>
+            </a:endParaRPr>
+          </a:p>
+        </p:txBody>
+      </p:sp>
+      <p:sp>
+        <p:nvSpPr>
+          <p:cNvPr id="8" name="Google Shape;178;p42">
+            <a:extLst>
+              <a:ext uri="{FF2B5EF4-FFF2-40B4-BE49-F238E27FC236}">
+                <a16:creationId xmlns:a16="http://schemas.microsoft.com/office/drawing/2014/main" id="{A7B784C6-E226-7546-90BA-7A3243A70F6B}"/>
+              </a:ext>
+            </a:extLst>
+          </p:cNvPr>
+          <p:cNvSpPr txBox="1"/>
+          <p:nvPr/>
+        </p:nvSpPr>
+        <p:spPr>
+          <a:xfrm>
+            <a:off x="1736040" y="3923830"/>
+            <a:ext cx="2256300" cy="597000"/>
+          </a:xfrm>
+          <a:prstGeom prst="rect">
+            <a:avLst/>
+          </a:prstGeom>
+          <a:noFill/>
+          <a:ln>
+            <a:noFill/>
+          </a:ln>
+        </p:spPr>
+        <p:txBody>
+          <a:bodyPr spcFirstLastPara="1" wrap="square" lIns="91425" tIns="91425" rIns="91425" bIns="91425" anchor="t" anchorCtr="0">
+            <a:noAutofit/>
+          </a:bodyPr>
+          <a:lstStyle/>
+          <a:p>
+            <a:pPr marL="0" lvl="0" indent="0" algn="l" rtl="0">
+              <a:spcBef>
+                <a:spcPts val="0"/>
+              </a:spcBef>
+              <a:spcAft>
+                <a:spcPts val="0"/>
+              </a:spcAft>
+              <a:buNone/>
+            </a:pPr>
+            <a:r>
+              <a:rPr lang="en">
+                <a:solidFill>
+                  <a:srgbClr val="FF00FF"/>
+                </a:solidFill>
+              </a:rPr>
+              <a:t>What is the output?</a:t>
+            </a:r>
+            <a:endParaRPr>
+              <a:solidFill>
+                <a:srgbClr val="FF00FF"/>
+              </a:solidFill>
+            </a:endParaRPr>
+          </a:p>
+        </p:txBody>
+      </p:sp>
+      <p:sp>
+        <p:nvSpPr>
+          <p:cNvPr id="9" name="Google Shape;179;p42">
+            <a:extLst>
+              <a:ext uri="{FF2B5EF4-FFF2-40B4-BE49-F238E27FC236}">
+                <a16:creationId xmlns:a16="http://schemas.microsoft.com/office/drawing/2014/main" id="{0D4F98CB-D85C-3F48-A552-B472AA7D6F71}"/>
+              </a:ext>
+            </a:extLst>
+          </p:cNvPr>
+          <p:cNvSpPr txBox="1"/>
+          <p:nvPr/>
+        </p:nvSpPr>
+        <p:spPr>
+          <a:xfrm>
+            <a:off x="1732190" y="4444630"/>
+            <a:ext cx="2256300" cy="1106700"/>
+          </a:xfrm>
+          <a:prstGeom prst="rect">
+            <a:avLst/>
+          </a:prstGeom>
+          <a:noFill/>
+          <a:ln>
+            <a:noFill/>
+          </a:ln>
+        </p:spPr>
+        <p:txBody>
+          <a:bodyPr spcFirstLastPara="1" wrap="square" lIns="91425" tIns="91425" rIns="91425" bIns="91425" anchor="t" anchorCtr="0">
+            <a:noAutofit/>
+          </a:bodyPr>
+          <a:lstStyle/>
+          <a:p>
+            <a:pPr marL="0" lvl="0" indent="0" algn="l" rtl="0">
+              <a:spcBef>
+                <a:spcPts val="0"/>
+              </a:spcBef>
+              <a:spcAft>
+                <a:spcPts val="0"/>
+              </a:spcAft>
+              <a:buNone/>
+            </a:pPr>
+            <a:r>
+              <a:rPr lang="en">
+                <a:solidFill>
+                  <a:srgbClr val="274E13"/>
+                </a:solidFill>
+              </a:rPr>
+              <a:t>What outcome are you predicting/estimating?</a:t>
+            </a:r>
+            <a:endParaRPr>
+              <a:solidFill>
+                <a:srgbClr val="274E13"/>
+              </a:solidFill>
+            </a:endParaRPr>
+          </a:p>
+          <a:p>
+            <a:pPr marL="0" lvl="0" indent="0" algn="l" rtl="0">
+              <a:spcBef>
+                <a:spcPts val="0"/>
+              </a:spcBef>
+              <a:spcAft>
+                <a:spcPts val="0"/>
+              </a:spcAft>
+              <a:buNone/>
+            </a:pPr>
+            <a:endParaRPr>
+              <a:solidFill>
+                <a:srgbClr val="274E13"/>
+              </a:solidFill>
+            </a:endParaRPr>
+          </a:p>
+          <a:p>
+            <a:pPr marL="0" lvl="0" indent="0" algn="l" rtl="0">
+              <a:spcBef>
+                <a:spcPts val="0"/>
+              </a:spcBef>
+              <a:spcAft>
+                <a:spcPts val="0"/>
+              </a:spcAft>
+              <a:buNone/>
+            </a:pPr>
+            <a:r>
+              <a:rPr lang="en">
+                <a:solidFill>
+                  <a:srgbClr val="B45F06"/>
+                </a:solidFill>
+              </a:rPr>
+              <a:t>For what purpose?</a:t>
+            </a:r>
+            <a:endParaRPr>
+              <a:solidFill>
+                <a:srgbClr val="274E13"/>
+              </a:solidFill>
+            </a:endParaRPr>
+          </a:p>
+        </p:txBody>
+      </p:sp>
+    </p:spTree>
+    <p:extLst>
+      <p:ext uri="{BB962C8B-B14F-4D97-AF65-F5344CB8AC3E}">
+        <p14:creationId xmlns:p14="http://schemas.microsoft.com/office/powerpoint/2010/main" val="291322464"/>
+      </p:ext>
+    </p:extLst>
+  </p:cSld>
+  <p:clrMapOvr>
+    <a:masterClrMapping/>
+  </p:clrMapOvr>
+</p:sld>
+</file>
+
+<file path=ppt/slides/slide13.xml><?xml version="1.0" encoding="utf-8"?>
+<p:sld xmlns:a="http://schemas.openxmlformats.org/drawingml/2006/main" xmlns:r="http://schemas.openxmlformats.org/officeDocument/2006/relationships" xmlns:p="http://schemas.openxmlformats.org/presentationml/2006/main">
+  <p:cSld>
+    <p:spTree>
+      <p:nvGrpSpPr>
+        <p:cNvPr id="1" name=""/>
+        <p:cNvGrpSpPr/>
+        <p:nvPr/>
+      </p:nvGrpSpPr>
+      <p:grpSpPr>
+        <a:xfrm>
+          <a:off x="0" y="0"/>
+          <a:ext cx="0" cy="0"/>
+          <a:chOff x="0" y="0"/>
+          <a:chExt cx="0" cy="0"/>
+        </a:xfrm>
+      </p:grpSpPr>
+      <p:sp>
+        <p:nvSpPr>
           <p:cNvPr id="3" name="Title 2">
             <a:extLst>
               <a:ext uri="{FF2B5EF4-FFF2-40B4-BE49-F238E27FC236}">
@@ -4471,7 +5645,7 @@
 </p:sld>
 </file>
 
-<file path=ppt/slides/slide11.xml><?xml version="1.0" encoding="utf-8"?>
+<file path=ppt/slides/slide14.xml><?xml version="1.0" encoding="utf-8"?>
 <p:sld xmlns:a="http://schemas.openxmlformats.org/drawingml/2006/main" xmlns:r="http://schemas.openxmlformats.org/officeDocument/2006/relationships" xmlns:p="http://schemas.openxmlformats.org/presentationml/2006/main">
   <p:cSld>
     <p:spTree>
@@ -4554,8 +5728,8 @@
 </p:sld>
 </file>
 
-<file path=ppt/slides/slide12.xml><?xml version="1.0" encoding="utf-8"?>
-<p:sld xmlns:a="http://schemas.openxmlformats.org/drawingml/2006/main" xmlns:r="http://schemas.openxmlformats.org/officeDocument/2006/relationships" xmlns:p="http://schemas.openxmlformats.org/presentationml/2006/main">
+<file path=ppt/slides/slide15.xml><?xml version="1.0" encoding="utf-8"?>
+<p:sld xmlns:a="http://schemas.openxmlformats.org/drawingml/2006/main" xmlns:r="http://schemas.openxmlformats.org/officeDocument/2006/relationships" xmlns:p="http://schemas.openxmlformats.org/presentationml/2006/main" show="0">
   <p:cSld>
     <p:spTree>
       <p:nvGrpSpPr>
@@ -5019,1057 +6193,6 @@
     <p:extLst>
       <p:ext uri="{BB962C8B-B14F-4D97-AF65-F5344CB8AC3E}">
         <p14:creationId xmlns:p14="http://schemas.microsoft.com/office/powerpoint/2010/main" val="3031715212"/>
-      </p:ext>
-    </p:extLst>
-  </p:cSld>
-  <p:clrMapOvr>
-    <a:masterClrMapping/>
-  </p:clrMapOvr>
-</p:sld>
-</file>
-
-<file path=ppt/slides/slide13.xml><?xml version="1.0" encoding="utf-8"?>
-<p:sld xmlns:a="http://schemas.openxmlformats.org/drawingml/2006/main" xmlns:r="http://schemas.openxmlformats.org/officeDocument/2006/relationships" xmlns:p="http://schemas.openxmlformats.org/presentationml/2006/main">
-  <p:cSld>
-    <p:spTree>
-      <p:nvGrpSpPr>
-        <p:cNvPr id="1" name=""/>
-        <p:cNvGrpSpPr/>
-        <p:nvPr/>
-      </p:nvGrpSpPr>
-      <p:grpSpPr>
-        <a:xfrm>
-          <a:off x="0" y="0"/>
-          <a:ext cx="0" cy="0"/>
-          <a:chOff x="0" y="0"/>
-          <a:chExt cx="0" cy="0"/>
-        </a:xfrm>
-      </p:grpSpPr>
-      <p:sp>
-        <p:nvSpPr>
-          <p:cNvPr id="3" name="Title 2">
-            <a:extLst>
-              <a:ext uri="{FF2B5EF4-FFF2-40B4-BE49-F238E27FC236}">
-                <a16:creationId xmlns:a16="http://schemas.microsoft.com/office/drawing/2014/main" id="{D3765B02-360A-1F41-913A-E71E561203CC}"/>
-              </a:ext>
-            </a:extLst>
-          </p:cNvPr>
-          <p:cNvSpPr>
-            <a:spLocks noGrp="1"/>
-          </p:cNvSpPr>
-          <p:nvPr>
-            <p:ph type="title"/>
-          </p:nvPr>
-        </p:nvSpPr>
-        <p:spPr/>
-        <p:txBody>
-          <a:bodyPr/>
-          <a:lstStyle/>
-          <a:p>
-            <a:r>
-              <a:rPr lang="en-US" dirty="0"/>
-              <a:t>Analytical Formulation Examples</a:t>
-            </a:r>
-          </a:p>
-        </p:txBody>
-      </p:sp>
-      <p:sp>
-        <p:nvSpPr>
-          <p:cNvPr id="4" name="Google Shape;173;p42">
-            <a:extLst>
-              <a:ext uri="{FF2B5EF4-FFF2-40B4-BE49-F238E27FC236}">
-                <a16:creationId xmlns:a16="http://schemas.microsoft.com/office/drawing/2014/main" id="{11008A05-00C0-7C4B-9E7A-F5D9E79C776A}"/>
-              </a:ext>
-            </a:extLst>
-          </p:cNvPr>
-          <p:cNvSpPr/>
-          <p:nvPr/>
-        </p:nvSpPr>
-        <p:spPr>
-          <a:xfrm>
-            <a:off x="1688840" y="2398130"/>
-            <a:ext cx="2343000" cy="3153300"/>
-          </a:xfrm>
-          <a:prstGeom prst="rect">
-            <a:avLst/>
-          </a:prstGeom>
-          <a:solidFill>
-            <a:schemeClr val="lt2"/>
-          </a:solidFill>
-          <a:ln w="9525" cap="flat" cmpd="sng">
-            <a:solidFill>
-              <a:schemeClr val="dk2"/>
-            </a:solidFill>
-            <a:prstDash val="solid"/>
-            <a:round/>
-            <a:headEnd type="none" w="sm" len="sm"/>
-            <a:tailEnd type="none" w="sm" len="sm"/>
-          </a:ln>
-        </p:spPr>
-        <p:txBody>
-          <a:bodyPr spcFirstLastPara="1" wrap="square" lIns="91425" tIns="91425" rIns="91425" bIns="91425" anchor="ctr" anchorCtr="0">
-            <a:noAutofit/>
-          </a:bodyPr>
-          <a:lstStyle/>
-          <a:p>
-            <a:pPr marL="0" lvl="0" indent="0" algn="l" rtl="0">
-              <a:spcBef>
-                <a:spcPts val="0"/>
-              </a:spcBef>
-              <a:spcAft>
-                <a:spcPts val="0"/>
-              </a:spcAft>
-              <a:buNone/>
-            </a:pPr>
-            <a:endParaRPr/>
-          </a:p>
-        </p:txBody>
-      </p:sp>
-      <p:sp>
-        <p:nvSpPr>
-          <p:cNvPr id="5" name="Google Shape;175;p42">
-            <a:extLst>
-              <a:ext uri="{FF2B5EF4-FFF2-40B4-BE49-F238E27FC236}">
-                <a16:creationId xmlns:a16="http://schemas.microsoft.com/office/drawing/2014/main" id="{A503C09B-93C0-FB43-BCF8-DB719EF203C3}"/>
-              </a:ext>
-            </a:extLst>
-          </p:cNvPr>
-          <p:cNvSpPr txBox="1">
-            <a:spLocks noGrp="1"/>
-          </p:cNvSpPr>
-          <p:nvPr>
-            <p:ph type="body" idx="1"/>
-          </p:nvPr>
-        </p:nvSpPr>
-        <p:spPr>
-          <a:xfrm>
-            <a:off x="4220940" y="2306905"/>
-            <a:ext cx="6398400" cy="3416400"/>
-          </a:xfrm>
-          <a:prstGeom prst="rect">
-            <a:avLst/>
-          </a:prstGeom>
-        </p:spPr>
-        <p:txBody>
-          <a:bodyPr spcFirstLastPara="1" wrap="square" lIns="91425" tIns="91425" rIns="91425" bIns="91425" anchor="t" anchorCtr="0">
-            <a:noAutofit/>
-          </a:bodyPr>
-          <a:lstStyle/>
-          <a:p>
-            <a:pPr marL="0" lvl="0" indent="0" algn="l" rtl="0">
-              <a:spcBef>
-                <a:spcPts val="0"/>
-              </a:spcBef>
-              <a:spcAft>
-                <a:spcPts val="1600"/>
-              </a:spcAft>
-              <a:buNone/>
-            </a:pPr>
-            <a:r>
-              <a:rPr lang="en" sz="2600" dirty="0">
-                <a:solidFill>
-                  <a:srgbClr val="FF0000"/>
-                </a:solidFill>
-              </a:rPr>
-              <a:t>At every primary care appointment</a:t>
-            </a:r>
-            <a:r>
-              <a:rPr lang="en" sz="2600" dirty="0"/>
-              <a:t>, for </a:t>
-            </a:r>
-            <a:r>
-              <a:rPr lang="en" sz="2600" dirty="0">
-                <a:solidFill>
-                  <a:srgbClr val="0000FF"/>
-                </a:solidFill>
-              </a:rPr>
-              <a:t>all patients over the age of 25</a:t>
-            </a:r>
-            <a:r>
-              <a:rPr lang="en" sz="2600" dirty="0"/>
-              <a:t>, can we identify the </a:t>
-            </a:r>
-            <a:r>
-              <a:rPr lang="en" sz="2600" dirty="0">
-                <a:solidFill>
-                  <a:srgbClr val="FF00FF"/>
-                </a:solidFill>
-              </a:rPr>
-              <a:t>individuals at least 80% likely</a:t>
-            </a:r>
-            <a:r>
-              <a:rPr lang="en" sz="2600" dirty="0"/>
-              <a:t> </a:t>
-            </a:r>
-            <a:r>
-              <a:rPr lang="en" sz="2600" dirty="0">
-                <a:solidFill>
-                  <a:srgbClr val="38761D"/>
-                </a:solidFill>
-              </a:rPr>
-              <a:t>to develop diabetes in the next 3 years </a:t>
-            </a:r>
-            <a:r>
-              <a:rPr lang="en" sz="2600" dirty="0">
-                <a:solidFill>
-                  <a:srgbClr val="B45F06"/>
-                </a:solidFill>
-              </a:rPr>
-              <a:t>to prioritize for early screening</a:t>
-            </a:r>
-            <a:r>
-              <a:rPr lang="en" sz="2600" dirty="0"/>
-              <a:t>?</a:t>
-            </a:r>
-            <a:endParaRPr sz="2600" dirty="0"/>
-          </a:p>
-        </p:txBody>
-      </p:sp>
-      <p:sp>
-        <p:nvSpPr>
-          <p:cNvPr id="6" name="Google Shape;176;p42">
-            <a:extLst>
-              <a:ext uri="{FF2B5EF4-FFF2-40B4-BE49-F238E27FC236}">
-                <a16:creationId xmlns:a16="http://schemas.microsoft.com/office/drawing/2014/main" id="{37D6DBA9-5D69-154C-A120-4ADBF03F7CF7}"/>
-              </a:ext>
-            </a:extLst>
-          </p:cNvPr>
-          <p:cNvSpPr txBox="1"/>
-          <p:nvPr/>
-        </p:nvSpPr>
-        <p:spPr>
-          <a:xfrm>
-            <a:off x="1732190" y="2398130"/>
-            <a:ext cx="2256300" cy="597000"/>
-          </a:xfrm>
-          <a:prstGeom prst="rect">
-            <a:avLst/>
-          </a:prstGeom>
-          <a:noFill/>
-          <a:ln>
-            <a:noFill/>
-          </a:ln>
-        </p:spPr>
-        <p:txBody>
-          <a:bodyPr spcFirstLastPara="1" wrap="square" lIns="91425" tIns="91425" rIns="91425" bIns="91425" anchor="t" anchorCtr="0">
-            <a:noAutofit/>
-          </a:bodyPr>
-          <a:lstStyle/>
-          <a:p>
-            <a:pPr marL="0" lvl="0" indent="0" algn="l" rtl="0">
-              <a:spcBef>
-                <a:spcPts val="0"/>
-              </a:spcBef>
-              <a:spcAft>
-                <a:spcPts val="0"/>
-              </a:spcAft>
-              <a:buNone/>
-            </a:pPr>
-            <a:r>
-              <a:rPr lang="en">
-                <a:solidFill>
-                  <a:srgbClr val="FF0000"/>
-                </a:solidFill>
-              </a:rPr>
-              <a:t>How often is the recommendation/decision being made?</a:t>
-            </a:r>
-            <a:endParaRPr>
-              <a:solidFill>
-                <a:srgbClr val="FF0000"/>
-              </a:solidFill>
-            </a:endParaRPr>
-          </a:p>
-        </p:txBody>
-      </p:sp>
-      <p:sp>
-        <p:nvSpPr>
-          <p:cNvPr id="7" name="Google Shape;177;p42">
-            <a:extLst>
-              <a:ext uri="{FF2B5EF4-FFF2-40B4-BE49-F238E27FC236}">
-                <a16:creationId xmlns:a16="http://schemas.microsoft.com/office/drawing/2014/main" id="{6A2D549C-59C2-0340-9130-F3B04EEF3F59}"/>
-              </a:ext>
-            </a:extLst>
-          </p:cNvPr>
-          <p:cNvSpPr txBox="1"/>
-          <p:nvPr/>
-        </p:nvSpPr>
-        <p:spPr>
-          <a:xfrm>
-            <a:off x="1736040" y="3275280"/>
-            <a:ext cx="2256300" cy="597000"/>
-          </a:xfrm>
-          <a:prstGeom prst="rect">
-            <a:avLst/>
-          </a:prstGeom>
-          <a:noFill/>
-          <a:ln>
-            <a:noFill/>
-          </a:ln>
-        </p:spPr>
-        <p:txBody>
-          <a:bodyPr spcFirstLastPara="1" wrap="square" lIns="91425" tIns="91425" rIns="91425" bIns="91425" anchor="t" anchorCtr="0">
-            <a:noAutofit/>
-          </a:bodyPr>
-          <a:lstStyle/>
-          <a:p>
-            <a:pPr marL="0" lvl="0" indent="0" algn="l" rtl="0">
-              <a:spcBef>
-                <a:spcPts val="0"/>
-              </a:spcBef>
-              <a:spcAft>
-                <a:spcPts val="0"/>
-              </a:spcAft>
-              <a:buNone/>
-            </a:pPr>
-            <a:r>
-              <a:rPr lang="en">
-                <a:solidFill>
-                  <a:srgbClr val="0000FF"/>
-                </a:solidFill>
-              </a:rPr>
-              <a:t>Who/what is included in the cohort?</a:t>
-            </a:r>
-            <a:endParaRPr>
-              <a:solidFill>
-                <a:srgbClr val="0000FF"/>
-              </a:solidFill>
-            </a:endParaRPr>
-          </a:p>
-        </p:txBody>
-      </p:sp>
-      <p:sp>
-        <p:nvSpPr>
-          <p:cNvPr id="8" name="Google Shape;178;p42">
-            <a:extLst>
-              <a:ext uri="{FF2B5EF4-FFF2-40B4-BE49-F238E27FC236}">
-                <a16:creationId xmlns:a16="http://schemas.microsoft.com/office/drawing/2014/main" id="{A7B784C6-E226-7546-90BA-7A3243A70F6B}"/>
-              </a:ext>
-            </a:extLst>
-          </p:cNvPr>
-          <p:cNvSpPr txBox="1"/>
-          <p:nvPr/>
-        </p:nvSpPr>
-        <p:spPr>
-          <a:xfrm>
-            <a:off x="1736040" y="3923830"/>
-            <a:ext cx="2256300" cy="597000"/>
-          </a:xfrm>
-          <a:prstGeom prst="rect">
-            <a:avLst/>
-          </a:prstGeom>
-          <a:noFill/>
-          <a:ln>
-            <a:noFill/>
-          </a:ln>
-        </p:spPr>
-        <p:txBody>
-          <a:bodyPr spcFirstLastPara="1" wrap="square" lIns="91425" tIns="91425" rIns="91425" bIns="91425" anchor="t" anchorCtr="0">
-            <a:noAutofit/>
-          </a:bodyPr>
-          <a:lstStyle/>
-          <a:p>
-            <a:pPr marL="0" lvl="0" indent="0" algn="l" rtl="0">
-              <a:spcBef>
-                <a:spcPts val="0"/>
-              </a:spcBef>
-              <a:spcAft>
-                <a:spcPts val="0"/>
-              </a:spcAft>
-              <a:buNone/>
-            </a:pPr>
-            <a:r>
-              <a:rPr lang="en">
-                <a:solidFill>
-                  <a:srgbClr val="FF00FF"/>
-                </a:solidFill>
-              </a:rPr>
-              <a:t>What is the output?</a:t>
-            </a:r>
-            <a:endParaRPr>
-              <a:solidFill>
-                <a:srgbClr val="FF00FF"/>
-              </a:solidFill>
-            </a:endParaRPr>
-          </a:p>
-        </p:txBody>
-      </p:sp>
-      <p:sp>
-        <p:nvSpPr>
-          <p:cNvPr id="9" name="Google Shape;179;p42">
-            <a:extLst>
-              <a:ext uri="{FF2B5EF4-FFF2-40B4-BE49-F238E27FC236}">
-                <a16:creationId xmlns:a16="http://schemas.microsoft.com/office/drawing/2014/main" id="{0D4F98CB-D85C-3F48-A552-B472AA7D6F71}"/>
-              </a:ext>
-            </a:extLst>
-          </p:cNvPr>
-          <p:cNvSpPr txBox="1"/>
-          <p:nvPr/>
-        </p:nvSpPr>
-        <p:spPr>
-          <a:xfrm>
-            <a:off x="1732190" y="4444630"/>
-            <a:ext cx="2256300" cy="1106700"/>
-          </a:xfrm>
-          <a:prstGeom prst="rect">
-            <a:avLst/>
-          </a:prstGeom>
-          <a:noFill/>
-          <a:ln>
-            <a:noFill/>
-          </a:ln>
-        </p:spPr>
-        <p:txBody>
-          <a:bodyPr spcFirstLastPara="1" wrap="square" lIns="91425" tIns="91425" rIns="91425" bIns="91425" anchor="t" anchorCtr="0">
-            <a:noAutofit/>
-          </a:bodyPr>
-          <a:lstStyle/>
-          <a:p>
-            <a:pPr marL="0" lvl="0" indent="0" algn="l" rtl="0">
-              <a:spcBef>
-                <a:spcPts val="0"/>
-              </a:spcBef>
-              <a:spcAft>
-                <a:spcPts val="0"/>
-              </a:spcAft>
-              <a:buNone/>
-            </a:pPr>
-            <a:r>
-              <a:rPr lang="en">
-                <a:solidFill>
-                  <a:srgbClr val="274E13"/>
-                </a:solidFill>
-              </a:rPr>
-              <a:t>What outcome are you predicting/estimating?</a:t>
-            </a:r>
-            <a:endParaRPr>
-              <a:solidFill>
-                <a:srgbClr val="274E13"/>
-              </a:solidFill>
-            </a:endParaRPr>
-          </a:p>
-          <a:p>
-            <a:pPr marL="0" lvl="0" indent="0" algn="l" rtl="0">
-              <a:spcBef>
-                <a:spcPts val="0"/>
-              </a:spcBef>
-              <a:spcAft>
-                <a:spcPts val="0"/>
-              </a:spcAft>
-              <a:buNone/>
-            </a:pPr>
-            <a:endParaRPr>
-              <a:solidFill>
-                <a:srgbClr val="274E13"/>
-              </a:solidFill>
-            </a:endParaRPr>
-          </a:p>
-          <a:p>
-            <a:pPr marL="0" lvl="0" indent="0" algn="l" rtl="0">
-              <a:spcBef>
-                <a:spcPts val="0"/>
-              </a:spcBef>
-              <a:spcAft>
-                <a:spcPts val="0"/>
-              </a:spcAft>
-              <a:buNone/>
-            </a:pPr>
-            <a:r>
-              <a:rPr lang="en">
-                <a:solidFill>
-                  <a:srgbClr val="B45F06"/>
-                </a:solidFill>
-              </a:rPr>
-              <a:t>For what purpose?</a:t>
-            </a:r>
-            <a:endParaRPr>
-              <a:solidFill>
-                <a:srgbClr val="274E13"/>
-              </a:solidFill>
-            </a:endParaRPr>
-          </a:p>
-        </p:txBody>
-      </p:sp>
-    </p:spTree>
-    <p:extLst>
-      <p:ext uri="{BB962C8B-B14F-4D97-AF65-F5344CB8AC3E}">
-        <p14:creationId xmlns:p14="http://schemas.microsoft.com/office/powerpoint/2010/main" val="712266217"/>
-      </p:ext>
-    </p:extLst>
-  </p:cSld>
-  <p:clrMapOvr>
-    <a:masterClrMapping/>
-  </p:clrMapOvr>
-</p:sld>
-</file>
-
-<file path=ppt/slides/slide14.xml><?xml version="1.0" encoding="utf-8"?>
-<p:sld xmlns:a="http://schemas.openxmlformats.org/drawingml/2006/main" xmlns:r="http://schemas.openxmlformats.org/officeDocument/2006/relationships" xmlns:p="http://schemas.openxmlformats.org/presentationml/2006/main">
-  <p:cSld>
-    <p:spTree>
-      <p:nvGrpSpPr>
-        <p:cNvPr id="1" name=""/>
-        <p:cNvGrpSpPr/>
-        <p:nvPr/>
-      </p:nvGrpSpPr>
-      <p:grpSpPr>
-        <a:xfrm>
-          <a:off x="0" y="0"/>
-          <a:ext cx="0" cy="0"/>
-          <a:chOff x="0" y="0"/>
-          <a:chExt cx="0" cy="0"/>
-        </a:xfrm>
-      </p:grpSpPr>
-      <p:sp>
-        <p:nvSpPr>
-          <p:cNvPr id="3" name="Title 2">
-            <a:extLst>
-              <a:ext uri="{FF2B5EF4-FFF2-40B4-BE49-F238E27FC236}">
-                <a16:creationId xmlns:a16="http://schemas.microsoft.com/office/drawing/2014/main" id="{D3765B02-360A-1F41-913A-E71E561203CC}"/>
-              </a:ext>
-            </a:extLst>
-          </p:cNvPr>
-          <p:cNvSpPr>
-            <a:spLocks noGrp="1"/>
-          </p:cNvSpPr>
-          <p:nvPr>
-            <p:ph type="title"/>
-          </p:nvPr>
-        </p:nvSpPr>
-        <p:spPr/>
-        <p:txBody>
-          <a:bodyPr/>
-          <a:lstStyle/>
-          <a:p>
-            <a:r>
-              <a:rPr lang="en-US" dirty="0"/>
-              <a:t>Analytical Formulation Examples</a:t>
-            </a:r>
-          </a:p>
-        </p:txBody>
-      </p:sp>
-      <p:sp>
-        <p:nvSpPr>
-          <p:cNvPr id="4" name="Google Shape;173;p42">
-            <a:extLst>
-              <a:ext uri="{FF2B5EF4-FFF2-40B4-BE49-F238E27FC236}">
-                <a16:creationId xmlns:a16="http://schemas.microsoft.com/office/drawing/2014/main" id="{11008A05-00C0-7C4B-9E7A-F5D9E79C776A}"/>
-              </a:ext>
-            </a:extLst>
-          </p:cNvPr>
-          <p:cNvSpPr/>
-          <p:nvPr/>
-        </p:nvSpPr>
-        <p:spPr>
-          <a:xfrm>
-            <a:off x="1688840" y="2398130"/>
-            <a:ext cx="2343000" cy="3153300"/>
-          </a:xfrm>
-          <a:prstGeom prst="rect">
-            <a:avLst/>
-          </a:prstGeom>
-          <a:solidFill>
-            <a:schemeClr val="lt2"/>
-          </a:solidFill>
-          <a:ln w="9525" cap="flat" cmpd="sng">
-            <a:solidFill>
-              <a:schemeClr val="dk2"/>
-            </a:solidFill>
-            <a:prstDash val="solid"/>
-            <a:round/>
-            <a:headEnd type="none" w="sm" len="sm"/>
-            <a:tailEnd type="none" w="sm" len="sm"/>
-          </a:ln>
-        </p:spPr>
-        <p:txBody>
-          <a:bodyPr spcFirstLastPara="1" wrap="square" lIns="91425" tIns="91425" rIns="91425" bIns="91425" anchor="ctr" anchorCtr="0">
-            <a:noAutofit/>
-          </a:bodyPr>
-          <a:lstStyle/>
-          <a:p>
-            <a:pPr marL="0" lvl="0" indent="0" algn="l" rtl="0">
-              <a:spcBef>
-                <a:spcPts val="0"/>
-              </a:spcBef>
-              <a:spcAft>
-                <a:spcPts val="0"/>
-              </a:spcAft>
-              <a:buNone/>
-            </a:pPr>
-            <a:endParaRPr/>
-          </a:p>
-        </p:txBody>
-      </p:sp>
-      <p:sp>
-        <p:nvSpPr>
-          <p:cNvPr id="5" name="Google Shape;175;p42">
-            <a:extLst>
-              <a:ext uri="{FF2B5EF4-FFF2-40B4-BE49-F238E27FC236}">
-                <a16:creationId xmlns:a16="http://schemas.microsoft.com/office/drawing/2014/main" id="{A503C09B-93C0-FB43-BCF8-DB719EF203C3}"/>
-              </a:ext>
-            </a:extLst>
-          </p:cNvPr>
-          <p:cNvSpPr txBox="1">
-            <a:spLocks noGrp="1"/>
-          </p:cNvSpPr>
-          <p:nvPr>
-            <p:ph type="body" idx="1"/>
-          </p:nvPr>
-        </p:nvSpPr>
-        <p:spPr>
-          <a:xfrm>
-            <a:off x="4220940" y="2306905"/>
-            <a:ext cx="6398400" cy="3416400"/>
-          </a:xfrm>
-          <a:prstGeom prst="rect">
-            <a:avLst/>
-          </a:prstGeom>
-        </p:spPr>
-        <p:txBody>
-          <a:bodyPr spcFirstLastPara="1" wrap="square" lIns="91425" tIns="91425" rIns="91425" bIns="91425" anchor="t" anchorCtr="0">
-            <a:noAutofit/>
-          </a:bodyPr>
-          <a:lstStyle/>
-          <a:p>
-            <a:pPr marL="0" lvl="0" indent="0">
-              <a:spcBef>
-                <a:spcPts val="0"/>
-              </a:spcBef>
-              <a:spcAft>
-                <a:spcPts val="1600"/>
-              </a:spcAft>
-              <a:buNone/>
-            </a:pPr>
-            <a:r>
-              <a:rPr lang="en" sz="2600" dirty="0">
-                <a:solidFill>
-                  <a:srgbClr val="FF0000"/>
-                </a:solidFill>
-              </a:rPr>
-              <a:t>Every Monday</a:t>
-            </a:r>
-            <a:r>
-              <a:rPr lang="en" sz="2600" dirty="0"/>
-              <a:t>, for </a:t>
-            </a:r>
-            <a:r>
-              <a:rPr lang="en" sz="2600" dirty="0">
-                <a:solidFill>
-                  <a:srgbClr val="0000FF"/>
-                </a:solidFill>
-              </a:rPr>
-              <a:t>current Netflix subscribers</a:t>
-            </a:r>
-            <a:r>
-              <a:rPr lang="en" sz="2600" dirty="0"/>
-              <a:t>, can we identify the </a:t>
-            </a:r>
-            <a:r>
-              <a:rPr lang="en" sz="2600" dirty="0">
-                <a:solidFill>
-                  <a:srgbClr val="FF00FF"/>
-                </a:solidFill>
-              </a:rPr>
-              <a:t>10 pieces of content</a:t>
-            </a:r>
-            <a:r>
-              <a:rPr lang="en" sz="2600" dirty="0"/>
-              <a:t> </a:t>
-            </a:r>
-            <a:r>
-              <a:rPr lang="en" sz="2600" dirty="0">
-                <a:solidFill>
-                  <a:srgbClr val="38761D"/>
-                </a:solidFill>
-              </a:rPr>
-              <a:t>with highest expected revenue </a:t>
-            </a:r>
-            <a:r>
-              <a:rPr lang="en" sz="2600" dirty="0">
-                <a:solidFill>
-                  <a:srgbClr val="B45F06"/>
-                </a:solidFill>
-              </a:rPr>
-              <a:t>to prioritize for suggested viewing in the following week</a:t>
-            </a:r>
-            <a:r>
-              <a:rPr lang="en" sz="2600" dirty="0"/>
-              <a:t>?</a:t>
-            </a:r>
-            <a:endParaRPr sz="2600" dirty="0"/>
-          </a:p>
-        </p:txBody>
-      </p:sp>
-      <p:sp>
-        <p:nvSpPr>
-          <p:cNvPr id="6" name="Google Shape;176;p42">
-            <a:extLst>
-              <a:ext uri="{FF2B5EF4-FFF2-40B4-BE49-F238E27FC236}">
-                <a16:creationId xmlns:a16="http://schemas.microsoft.com/office/drawing/2014/main" id="{37D6DBA9-5D69-154C-A120-4ADBF03F7CF7}"/>
-              </a:ext>
-            </a:extLst>
-          </p:cNvPr>
-          <p:cNvSpPr txBox="1"/>
-          <p:nvPr/>
-        </p:nvSpPr>
-        <p:spPr>
-          <a:xfrm>
-            <a:off x="1732190" y="2398130"/>
-            <a:ext cx="2256300" cy="597000"/>
-          </a:xfrm>
-          <a:prstGeom prst="rect">
-            <a:avLst/>
-          </a:prstGeom>
-          <a:noFill/>
-          <a:ln>
-            <a:noFill/>
-          </a:ln>
-        </p:spPr>
-        <p:txBody>
-          <a:bodyPr spcFirstLastPara="1" wrap="square" lIns="91425" tIns="91425" rIns="91425" bIns="91425" anchor="t" anchorCtr="0">
-            <a:noAutofit/>
-          </a:bodyPr>
-          <a:lstStyle/>
-          <a:p>
-            <a:pPr marL="0" lvl="0" indent="0" algn="l" rtl="0">
-              <a:spcBef>
-                <a:spcPts val="0"/>
-              </a:spcBef>
-              <a:spcAft>
-                <a:spcPts val="0"/>
-              </a:spcAft>
-              <a:buNone/>
-            </a:pPr>
-            <a:r>
-              <a:rPr lang="en">
-                <a:solidFill>
-                  <a:srgbClr val="FF0000"/>
-                </a:solidFill>
-              </a:rPr>
-              <a:t>How often is the recommendation/decision being made?</a:t>
-            </a:r>
-            <a:endParaRPr>
-              <a:solidFill>
-                <a:srgbClr val="FF0000"/>
-              </a:solidFill>
-            </a:endParaRPr>
-          </a:p>
-        </p:txBody>
-      </p:sp>
-      <p:sp>
-        <p:nvSpPr>
-          <p:cNvPr id="7" name="Google Shape;177;p42">
-            <a:extLst>
-              <a:ext uri="{FF2B5EF4-FFF2-40B4-BE49-F238E27FC236}">
-                <a16:creationId xmlns:a16="http://schemas.microsoft.com/office/drawing/2014/main" id="{6A2D549C-59C2-0340-9130-F3B04EEF3F59}"/>
-              </a:ext>
-            </a:extLst>
-          </p:cNvPr>
-          <p:cNvSpPr txBox="1"/>
-          <p:nvPr/>
-        </p:nvSpPr>
-        <p:spPr>
-          <a:xfrm>
-            <a:off x="1736040" y="3275280"/>
-            <a:ext cx="2256300" cy="597000"/>
-          </a:xfrm>
-          <a:prstGeom prst="rect">
-            <a:avLst/>
-          </a:prstGeom>
-          <a:noFill/>
-          <a:ln>
-            <a:noFill/>
-          </a:ln>
-        </p:spPr>
-        <p:txBody>
-          <a:bodyPr spcFirstLastPara="1" wrap="square" lIns="91425" tIns="91425" rIns="91425" bIns="91425" anchor="t" anchorCtr="0">
-            <a:noAutofit/>
-          </a:bodyPr>
-          <a:lstStyle/>
-          <a:p>
-            <a:pPr marL="0" lvl="0" indent="0" algn="l" rtl="0">
-              <a:spcBef>
-                <a:spcPts val="0"/>
-              </a:spcBef>
-              <a:spcAft>
-                <a:spcPts val="0"/>
-              </a:spcAft>
-              <a:buNone/>
-            </a:pPr>
-            <a:r>
-              <a:rPr lang="en">
-                <a:solidFill>
-                  <a:srgbClr val="0000FF"/>
-                </a:solidFill>
-              </a:rPr>
-              <a:t>Who/what is included in the cohort?</a:t>
-            </a:r>
-            <a:endParaRPr>
-              <a:solidFill>
-                <a:srgbClr val="0000FF"/>
-              </a:solidFill>
-            </a:endParaRPr>
-          </a:p>
-        </p:txBody>
-      </p:sp>
-      <p:sp>
-        <p:nvSpPr>
-          <p:cNvPr id="8" name="Google Shape;178;p42">
-            <a:extLst>
-              <a:ext uri="{FF2B5EF4-FFF2-40B4-BE49-F238E27FC236}">
-                <a16:creationId xmlns:a16="http://schemas.microsoft.com/office/drawing/2014/main" id="{A7B784C6-E226-7546-90BA-7A3243A70F6B}"/>
-              </a:ext>
-            </a:extLst>
-          </p:cNvPr>
-          <p:cNvSpPr txBox="1"/>
-          <p:nvPr/>
-        </p:nvSpPr>
-        <p:spPr>
-          <a:xfrm>
-            <a:off x="1736040" y="3923830"/>
-            <a:ext cx="2256300" cy="597000"/>
-          </a:xfrm>
-          <a:prstGeom prst="rect">
-            <a:avLst/>
-          </a:prstGeom>
-          <a:noFill/>
-          <a:ln>
-            <a:noFill/>
-          </a:ln>
-        </p:spPr>
-        <p:txBody>
-          <a:bodyPr spcFirstLastPara="1" wrap="square" lIns="91425" tIns="91425" rIns="91425" bIns="91425" anchor="t" anchorCtr="0">
-            <a:noAutofit/>
-          </a:bodyPr>
-          <a:lstStyle/>
-          <a:p>
-            <a:pPr marL="0" lvl="0" indent="0" algn="l" rtl="0">
-              <a:spcBef>
-                <a:spcPts val="0"/>
-              </a:spcBef>
-              <a:spcAft>
-                <a:spcPts val="0"/>
-              </a:spcAft>
-              <a:buNone/>
-            </a:pPr>
-            <a:r>
-              <a:rPr lang="en">
-                <a:solidFill>
-                  <a:srgbClr val="FF00FF"/>
-                </a:solidFill>
-              </a:rPr>
-              <a:t>What is the output?</a:t>
-            </a:r>
-            <a:endParaRPr>
-              <a:solidFill>
-                <a:srgbClr val="FF00FF"/>
-              </a:solidFill>
-            </a:endParaRPr>
-          </a:p>
-        </p:txBody>
-      </p:sp>
-      <p:sp>
-        <p:nvSpPr>
-          <p:cNvPr id="9" name="Google Shape;179;p42">
-            <a:extLst>
-              <a:ext uri="{FF2B5EF4-FFF2-40B4-BE49-F238E27FC236}">
-                <a16:creationId xmlns:a16="http://schemas.microsoft.com/office/drawing/2014/main" id="{0D4F98CB-D85C-3F48-A552-B472AA7D6F71}"/>
-              </a:ext>
-            </a:extLst>
-          </p:cNvPr>
-          <p:cNvSpPr txBox="1"/>
-          <p:nvPr/>
-        </p:nvSpPr>
-        <p:spPr>
-          <a:xfrm>
-            <a:off x="1732190" y="4444630"/>
-            <a:ext cx="2256300" cy="1106700"/>
-          </a:xfrm>
-          <a:prstGeom prst="rect">
-            <a:avLst/>
-          </a:prstGeom>
-          <a:noFill/>
-          <a:ln>
-            <a:noFill/>
-          </a:ln>
-        </p:spPr>
-        <p:txBody>
-          <a:bodyPr spcFirstLastPara="1" wrap="square" lIns="91425" tIns="91425" rIns="91425" bIns="91425" anchor="t" anchorCtr="0">
-            <a:noAutofit/>
-          </a:bodyPr>
-          <a:lstStyle/>
-          <a:p>
-            <a:pPr marL="0" lvl="0" indent="0" algn="l" rtl="0">
-              <a:spcBef>
-                <a:spcPts val="0"/>
-              </a:spcBef>
-              <a:spcAft>
-                <a:spcPts val="0"/>
-              </a:spcAft>
-              <a:buNone/>
-            </a:pPr>
-            <a:r>
-              <a:rPr lang="en">
-                <a:solidFill>
-                  <a:srgbClr val="274E13"/>
-                </a:solidFill>
-              </a:rPr>
-              <a:t>What outcome are you predicting/estimating?</a:t>
-            </a:r>
-            <a:endParaRPr>
-              <a:solidFill>
-                <a:srgbClr val="274E13"/>
-              </a:solidFill>
-            </a:endParaRPr>
-          </a:p>
-          <a:p>
-            <a:pPr marL="0" lvl="0" indent="0" algn="l" rtl="0">
-              <a:spcBef>
-                <a:spcPts val="0"/>
-              </a:spcBef>
-              <a:spcAft>
-                <a:spcPts val="0"/>
-              </a:spcAft>
-              <a:buNone/>
-            </a:pPr>
-            <a:endParaRPr>
-              <a:solidFill>
-                <a:srgbClr val="274E13"/>
-              </a:solidFill>
-            </a:endParaRPr>
-          </a:p>
-          <a:p>
-            <a:pPr marL="0" lvl="0" indent="0" algn="l" rtl="0">
-              <a:spcBef>
-                <a:spcPts val="0"/>
-              </a:spcBef>
-              <a:spcAft>
-                <a:spcPts val="0"/>
-              </a:spcAft>
-              <a:buNone/>
-            </a:pPr>
-            <a:r>
-              <a:rPr lang="en">
-                <a:solidFill>
-                  <a:srgbClr val="B45F06"/>
-                </a:solidFill>
-              </a:rPr>
-              <a:t>For what purpose?</a:t>
-            </a:r>
-            <a:endParaRPr>
-              <a:solidFill>
-                <a:srgbClr val="274E13"/>
-              </a:solidFill>
-            </a:endParaRPr>
-          </a:p>
-        </p:txBody>
-      </p:sp>
-    </p:spTree>
-    <p:extLst>
-      <p:ext uri="{BB962C8B-B14F-4D97-AF65-F5344CB8AC3E}">
-        <p14:creationId xmlns:p14="http://schemas.microsoft.com/office/powerpoint/2010/main" val="3117936265"/>
-      </p:ext>
-    </p:extLst>
-  </p:cSld>
-  <p:clrMapOvr>
-    <a:masterClrMapping/>
-  </p:clrMapOvr>
-</p:sld>
-</file>
-
-<file path=ppt/slides/slide15.xml><?xml version="1.0" encoding="utf-8"?>
-<p:sld xmlns:a="http://schemas.openxmlformats.org/drawingml/2006/main" xmlns:r="http://schemas.openxmlformats.org/officeDocument/2006/relationships" xmlns:p="http://schemas.openxmlformats.org/presentationml/2006/main">
-  <p:cSld>
-    <p:spTree>
-      <p:nvGrpSpPr>
-        <p:cNvPr id="1" name=""/>
-        <p:cNvGrpSpPr/>
-        <p:nvPr/>
-      </p:nvGrpSpPr>
-      <p:grpSpPr>
-        <a:xfrm>
-          <a:off x="0" y="0"/>
-          <a:ext cx="0" cy="0"/>
-          <a:chOff x="0" y="0"/>
-          <a:chExt cx="0" cy="0"/>
-        </a:xfrm>
-      </p:grpSpPr>
-      <p:sp>
-        <p:nvSpPr>
-          <p:cNvPr id="2" name="Text Placeholder 1">
-            <a:extLst>
-              <a:ext uri="{FF2B5EF4-FFF2-40B4-BE49-F238E27FC236}">
-                <a16:creationId xmlns:a16="http://schemas.microsoft.com/office/drawing/2014/main" id="{16F0CF04-B42B-C044-ACCB-6C665E5B57C0}"/>
-              </a:ext>
-            </a:extLst>
-          </p:cNvPr>
-          <p:cNvSpPr>
-            <a:spLocks noGrp="1"/>
-          </p:cNvSpPr>
-          <p:nvPr>
-            <p:ph type="body" idx="1"/>
-          </p:nvPr>
-        </p:nvSpPr>
-        <p:spPr>
-          <a:xfrm>
-            <a:off x="268210" y="2360141"/>
-            <a:ext cx="11666400" cy="4182862"/>
-          </a:xfrm>
-        </p:spPr>
-        <p:txBody>
-          <a:bodyPr/>
-          <a:lstStyle/>
-          <a:p>
-            <a:pPr marL="114300" indent="0" algn="ctr">
-              <a:buNone/>
-            </a:pPr>
-            <a:r>
-              <a:rPr lang="en-US" sz="4800" dirty="0"/>
-              <a:t>What is the appropriate comparison </a:t>
-            </a:r>
-          </a:p>
-          <a:p>
-            <a:pPr marL="114300" indent="0" algn="ctr">
-              <a:buNone/>
-            </a:pPr>
-            <a:r>
-              <a:rPr lang="en-US" sz="4800" dirty="0"/>
-              <a:t>for your ML model?</a:t>
-            </a:r>
-          </a:p>
-        </p:txBody>
-      </p:sp>
-      <p:sp>
-        <p:nvSpPr>
-          <p:cNvPr id="3" name="Title 2">
-            <a:extLst>
-              <a:ext uri="{FF2B5EF4-FFF2-40B4-BE49-F238E27FC236}">
-                <a16:creationId xmlns:a16="http://schemas.microsoft.com/office/drawing/2014/main" id="{FC049B21-A440-624B-941A-2CE526530E5B}"/>
-              </a:ext>
-            </a:extLst>
-          </p:cNvPr>
-          <p:cNvSpPr>
-            <a:spLocks noGrp="1"/>
-          </p:cNvSpPr>
-          <p:nvPr>
-            <p:ph type="title"/>
-          </p:nvPr>
-        </p:nvSpPr>
-        <p:spPr/>
-        <p:txBody>
-          <a:bodyPr/>
-          <a:lstStyle/>
-          <a:p>
-            <a:r>
-              <a:rPr lang="en-US" dirty="0"/>
-              <a:t>Baselines</a:t>
-            </a:r>
-          </a:p>
-        </p:txBody>
-      </p:sp>
-    </p:spTree>
-    <p:extLst>
-      <p:ext uri="{BB962C8B-B14F-4D97-AF65-F5344CB8AC3E}">
-        <p14:creationId xmlns:p14="http://schemas.microsoft.com/office/powerpoint/2010/main" val="1335110213"/>
       </p:ext>
     </p:extLst>
   </p:cSld>
@@ -6098,75 +6221,10 @@
       </p:grpSpPr>
       <p:sp>
         <p:nvSpPr>
-          <p:cNvPr id="2" name="Text Placeholder 1">
-            <a:extLst>
-              <a:ext uri="{FF2B5EF4-FFF2-40B4-BE49-F238E27FC236}">
-                <a16:creationId xmlns:a16="http://schemas.microsoft.com/office/drawing/2014/main" id="{16F0CF04-B42B-C044-ACCB-6C665E5B57C0}"/>
-              </a:ext>
-            </a:extLst>
-          </p:cNvPr>
-          <p:cNvSpPr>
-            <a:spLocks noGrp="1"/>
-          </p:cNvSpPr>
-          <p:nvPr>
-            <p:ph type="body" idx="1"/>
-          </p:nvPr>
-        </p:nvSpPr>
-        <p:spPr/>
-        <p:txBody>
-          <a:bodyPr/>
-          <a:lstStyle/>
-          <a:p>
-            <a:r>
-              <a:rPr lang="en-US" dirty="0"/>
-              <a:t>Common Sense</a:t>
-            </a:r>
-            <a:br>
-              <a:rPr lang="en-US" dirty="0"/>
-            </a:br>
-            <a:endParaRPr lang="en-US" dirty="0"/>
-          </a:p>
-          <a:p>
-            <a:r>
-              <a:rPr lang="en-US" dirty="0"/>
-              <a:t>What they do today</a:t>
-            </a:r>
-            <a:br>
-              <a:rPr lang="en-US" dirty="0"/>
-            </a:br>
-            <a:endParaRPr lang="en-US" dirty="0"/>
-          </a:p>
-          <a:p>
-            <a:r>
-              <a:rPr lang="en-US" dirty="0"/>
-              <a:t>What they could do today easily (without any or very simple ML involved)</a:t>
-            </a:r>
-            <a:br>
-              <a:rPr lang="en-US" dirty="0"/>
-            </a:br>
-            <a:endParaRPr lang="en-US" dirty="0"/>
-          </a:p>
-          <a:p>
-            <a:r>
-              <a:rPr lang="en-US" dirty="0"/>
-              <a:t>Prior/Base Rate</a:t>
-            </a:r>
-          </a:p>
-          <a:p>
-            <a:pPr lvl="1"/>
-            <a:r>
-              <a:rPr lang="en-US" dirty="0"/>
-              <a:t>What expected value would you get if you just choose at random (based on the data distribution)?</a:t>
-            </a:r>
-          </a:p>
-        </p:txBody>
-      </p:sp>
-      <p:sp>
-        <p:nvSpPr>
           <p:cNvPr id="3" name="Title 2">
             <a:extLst>
               <a:ext uri="{FF2B5EF4-FFF2-40B4-BE49-F238E27FC236}">
-                <a16:creationId xmlns:a16="http://schemas.microsoft.com/office/drawing/2014/main" id="{FC049B21-A440-624B-941A-2CE526530E5B}"/>
+                <a16:creationId xmlns:a16="http://schemas.microsoft.com/office/drawing/2014/main" id="{D3765B02-360A-1F41-913A-E71E561203CC}"/>
               </a:ext>
             </a:extLst>
           </p:cNvPr>
@@ -6184,15 +6242,431 @@
           <a:p>
             <a:r>
               <a:rPr lang="en-US" dirty="0"/>
-              <a:t>Baseline Options</a:t>
-            </a:r>
+              <a:t>Analytical Formulation Examples</a:t>
+            </a:r>
+          </a:p>
+        </p:txBody>
+      </p:sp>
+      <p:sp>
+        <p:nvSpPr>
+          <p:cNvPr id="4" name="Google Shape;173;p42">
+            <a:extLst>
+              <a:ext uri="{FF2B5EF4-FFF2-40B4-BE49-F238E27FC236}">
+                <a16:creationId xmlns:a16="http://schemas.microsoft.com/office/drawing/2014/main" id="{11008A05-00C0-7C4B-9E7A-F5D9E79C776A}"/>
+              </a:ext>
+            </a:extLst>
+          </p:cNvPr>
+          <p:cNvSpPr/>
+          <p:nvPr/>
+        </p:nvSpPr>
+        <p:spPr>
+          <a:xfrm>
+            <a:off x="1688840" y="2398130"/>
+            <a:ext cx="2343000" cy="3153300"/>
+          </a:xfrm>
+          <a:prstGeom prst="rect">
+            <a:avLst/>
+          </a:prstGeom>
+          <a:solidFill>
+            <a:schemeClr val="lt2"/>
+          </a:solidFill>
+          <a:ln w="9525" cap="flat" cmpd="sng">
+            <a:solidFill>
+              <a:schemeClr val="dk2"/>
+            </a:solidFill>
+            <a:prstDash val="solid"/>
+            <a:round/>
+            <a:headEnd type="none" w="sm" len="sm"/>
+            <a:tailEnd type="none" w="sm" len="sm"/>
+          </a:ln>
+        </p:spPr>
+        <p:txBody>
+          <a:bodyPr spcFirstLastPara="1" wrap="square" lIns="91425" tIns="91425" rIns="91425" bIns="91425" anchor="ctr" anchorCtr="0">
+            <a:noAutofit/>
+          </a:bodyPr>
+          <a:lstStyle/>
+          <a:p>
+            <a:pPr marL="0" lvl="0" indent="0" algn="l" rtl="0">
+              <a:spcBef>
+                <a:spcPts val="0"/>
+              </a:spcBef>
+              <a:spcAft>
+                <a:spcPts val="0"/>
+              </a:spcAft>
+              <a:buNone/>
+            </a:pPr>
+            <a:endParaRPr/>
+          </a:p>
+        </p:txBody>
+      </p:sp>
+      <p:sp>
+        <p:nvSpPr>
+          <p:cNvPr id="5" name="Google Shape;175;p42">
+            <a:extLst>
+              <a:ext uri="{FF2B5EF4-FFF2-40B4-BE49-F238E27FC236}">
+                <a16:creationId xmlns:a16="http://schemas.microsoft.com/office/drawing/2014/main" id="{A503C09B-93C0-FB43-BCF8-DB719EF203C3}"/>
+              </a:ext>
+            </a:extLst>
+          </p:cNvPr>
+          <p:cNvSpPr txBox="1">
+            <a:spLocks noGrp="1"/>
+          </p:cNvSpPr>
+          <p:nvPr>
+            <p:ph type="body" idx="1"/>
+          </p:nvPr>
+        </p:nvSpPr>
+        <p:spPr>
+          <a:xfrm>
+            <a:off x="4220940" y="2306905"/>
+            <a:ext cx="6398400" cy="3416400"/>
+          </a:xfrm>
+          <a:prstGeom prst="rect">
+            <a:avLst/>
+          </a:prstGeom>
+        </p:spPr>
+        <p:txBody>
+          <a:bodyPr spcFirstLastPara="1" wrap="square" lIns="91425" tIns="91425" rIns="91425" bIns="91425" anchor="t" anchorCtr="0">
+            <a:noAutofit/>
+          </a:bodyPr>
+          <a:lstStyle/>
+          <a:p>
+            <a:pPr marL="0" lvl="0" indent="0" algn="l" rtl="0">
+              <a:spcBef>
+                <a:spcPts val="0"/>
+              </a:spcBef>
+              <a:spcAft>
+                <a:spcPts val="1600"/>
+              </a:spcAft>
+              <a:buNone/>
+            </a:pPr>
+            <a:r>
+              <a:rPr lang="en" sz="2600" dirty="0">
+                <a:solidFill>
+                  <a:srgbClr val="FF0000"/>
+                </a:solidFill>
+              </a:rPr>
+              <a:t>At every primary care appointment</a:t>
+            </a:r>
+            <a:r>
+              <a:rPr lang="en" sz="2600" dirty="0"/>
+              <a:t>, for </a:t>
+            </a:r>
+            <a:r>
+              <a:rPr lang="en" sz="2600" dirty="0">
+                <a:solidFill>
+                  <a:srgbClr val="0000FF"/>
+                </a:solidFill>
+              </a:rPr>
+              <a:t>all patients over the age of 25</a:t>
+            </a:r>
+            <a:r>
+              <a:rPr lang="en" sz="2600" dirty="0"/>
+              <a:t>, can we identify the </a:t>
+            </a:r>
+            <a:r>
+              <a:rPr lang="en" sz="2600" dirty="0">
+                <a:solidFill>
+                  <a:srgbClr val="FF00FF"/>
+                </a:solidFill>
+              </a:rPr>
+              <a:t>individuals at least 80% likely</a:t>
+            </a:r>
+            <a:r>
+              <a:rPr lang="en" sz="2600" dirty="0"/>
+              <a:t> </a:t>
+            </a:r>
+            <a:r>
+              <a:rPr lang="en" sz="2600" dirty="0">
+                <a:solidFill>
+                  <a:srgbClr val="38761D"/>
+                </a:solidFill>
+              </a:rPr>
+              <a:t>to develop diabetes in the next 3 years </a:t>
+            </a:r>
+            <a:r>
+              <a:rPr lang="en" sz="2600" dirty="0">
+                <a:solidFill>
+                  <a:srgbClr val="B45F06"/>
+                </a:solidFill>
+              </a:rPr>
+              <a:t>to prioritize for early screening</a:t>
+            </a:r>
+            <a:r>
+              <a:rPr lang="en" sz="2600" dirty="0"/>
+              <a:t>?</a:t>
+            </a:r>
+            <a:endParaRPr sz="2600" dirty="0"/>
+          </a:p>
+        </p:txBody>
+      </p:sp>
+      <p:sp>
+        <p:nvSpPr>
+          <p:cNvPr id="6" name="Google Shape;176;p42">
+            <a:extLst>
+              <a:ext uri="{FF2B5EF4-FFF2-40B4-BE49-F238E27FC236}">
+                <a16:creationId xmlns:a16="http://schemas.microsoft.com/office/drawing/2014/main" id="{37D6DBA9-5D69-154C-A120-4ADBF03F7CF7}"/>
+              </a:ext>
+            </a:extLst>
+          </p:cNvPr>
+          <p:cNvSpPr txBox="1"/>
+          <p:nvPr/>
+        </p:nvSpPr>
+        <p:spPr>
+          <a:xfrm>
+            <a:off x="1732190" y="2398130"/>
+            <a:ext cx="2256300" cy="597000"/>
+          </a:xfrm>
+          <a:prstGeom prst="rect">
+            <a:avLst/>
+          </a:prstGeom>
+          <a:noFill/>
+          <a:ln>
+            <a:noFill/>
+          </a:ln>
+        </p:spPr>
+        <p:txBody>
+          <a:bodyPr spcFirstLastPara="1" wrap="square" lIns="91425" tIns="91425" rIns="91425" bIns="91425" anchor="t" anchorCtr="0">
+            <a:noAutofit/>
+          </a:bodyPr>
+          <a:lstStyle/>
+          <a:p>
+            <a:pPr marL="0" lvl="0" indent="0" algn="l" rtl="0">
+              <a:spcBef>
+                <a:spcPts val="0"/>
+              </a:spcBef>
+              <a:spcAft>
+                <a:spcPts val="0"/>
+              </a:spcAft>
+              <a:buNone/>
+            </a:pPr>
+            <a:r>
+              <a:rPr lang="en">
+                <a:solidFill>
+                  <a:srgbClr val="FF0000"/>
+                </a:solidFill>
+              </a:rPr>
+              <a:t>How often is the recommendation/decision being made?</a:t>
+            </a:r>
+            <a:endParaRPr>
+              <a:solidFill>
+                <a:srgbClr val="FF0000"/>
+              </a:solidFill>
+            </a:endParaRPr>
+          </a:p>
+        </p:txBody>
+      </p:sp>
+      <p:sp>
+        <p:nvSpPr>
+          <p:cNvPr id="7" name="Google Shape;177;p42">
+            <a:extLst>
+              <a:ext uri="{FF2B5EF4-FFF2-40B4-BE49-F238E27FC236}">
+                <a16:creationId xmlns:a16="http://schemas.microsoft.com/office/drawing/2014/main" id="{6A2D549C-59C2-0340-9130-F3B04EEF3F59}"/>
+              </a:ext>
+            </a:extLst>
+          </p:cNvPr>
+          <p:cNvSpPr txBox="1"/>
+          <p:nvPr/>
+        </p:nvSpPr>
+        <p:spPr>
+          <a:xfrm>
+            <a:off x="1736040" y="3275280"/>
+            <a:ext cx="2256300" cy="597000"/>
+          </a:xfrm>
+          <a:prstGeom prst="rect">
+            <a:avLst/>
+          </a:prstGeom>
+          <a:noFill/>
+          <a:ln>
+            <a:noFill/>
+          </a:ln>
+        </p:spPr>
+        <p:txBody>
+          <a:bodyPr spcFirstLastPara="1" wrap="square" lIns="91425" tIns="91425" rIns="91425" bIns="91425" anchor="t" anchorCtr="0">
+            <a:noAutofit/>
+          </a:bodyPr>
+          <a:lstStyle/>
+          <a:p>
+            <a:pPr marL="0" lvl="0" indent="0" algn="l" rtl="0">
+              <a:spcBef>
+                <a:spcPts val="0"/>
+              </a:spcBef>
+              <a:spcAft>
+                <a:spcPts val="0"/>
+              </a:spcAft>
+              <a:buNone/>
+            </a:pPr>
+            <a:r>
+              <a:rPr lang="en">
+                <a:solidFill>
+                  <a:srgbClr val="0000FF"/>
+                </a:solidFill>
+              </a:rPr>
+              <a:t>Who/what is included in the cohort?</a:t>
+            </a:r>
+            <a:endParaRPr>
+              <a:solidFill>
+                <a:srgbClr val="0000FF"/>
+              </a:solidFill>
+            </a:endParaRPr>
+          </a:p>
+        </p:txBody>
+      </p:sp>
+      <p:sp>
+        <p:nvSpPr>
+          <p:cNvPr id="8" name="Google Shape;178;p42">
+            <a:extLst>
+              <a:ext uri="{FF2B5EF4-FFF2-40B4-BE49-F238E27FC236}">
+                <a16:creationId xmlns:a16="http://schemas.microsoft.com/office/drawing/2014/main" id="{A7B784C6-E226-7546-90BA-7A3243A70F6B}"/>
+              </a:ext>
+            </a:extLst>
+          </p:cNvPr>
+          <p:cNvSpPr txBox="1"/>
+          <p:nvPr/>
+        </p:nvSpPr>
+        <p:spPr>
+          <a:xfrm>
+            <a:off x="1736040" y="3923830"/>
+            <a:ext cx="2256300" cy="597000"/>
+          </a:xfrm>
+          <a:prstGeom prst="rect">
+            <a:avLst/>
+          </a:prstGeom>
+          <a:noFill/>
+          <a:ln>
+            <a:noFill/>
+          </a:ln>
+        </p:spPr>
+        <p:txBody>
+          <a:bodyPr spcFirstLastPara="1" wrap="square" lIns="91425" tIns="91425" rIns="91425" bIns="91425" anchor="t" anchorCtr="0">
+            <a:noAutofit/>
+          </a:bodyPr>
+          <a:lstStyle/>
+          <a:p>
+            <a:pPr marL="0" lvl="0" indent="0" algn="l" rtl="0">
+              <a:spcBef>
+                <a:spcPts val="0"/>
+              </a:spcBef>
+              <a:spcAft>
+                <a:spcPts val="0"/>
+              </a:spcAft>
+              <a:buNone/>
+            </a:pPr>
+            <a:r>
+              <a:rPr lang="en">
+                <a:solidFill>
+                  <a:srgbClr val="FF00FF"/>
+                </a:solidFill>
+              </a:rPr>
+              <a:t>What is the output?</a:t>
+            </a:r>
+            <a:endParaRPr>
+              <a:solidFill>
+                <a:srgbClr val="FF00FF"/>
+              </a:solidFill>
+            </a:endParaRPr>
+          </a:p>
+        </p:txBody>
+      </p:sp>
+      <p:sp>
+        <p:nvSpPr>
+          <p:cNvPr id="9" name="Google Shape;179;p42">
+            <a:extLst>
+              <a:ext uri="{FF2B5EF4-FFF2-40B4-BE49-F238E27FC236}">
+                <a16:creationId xmlns:a16="http://schemas.microsoft.com/office/drawing/2014/main" id="{0D4F98CB-D85C-3F48-A552-B472AA7D6F71}"/>
+              </a:ext>
+            </a:extLst>
+          </p:cNvPr>
+          <p:cNvSpPr txBox="1"/>
+          <p:nvPr/>
+        </p:nvSpPr>
+        <p:spPr>
+          <a:xfrm>
+            <a:off x="1732190" y="4444630"/>
+            <a:ext cx="2256300" cy="1106700"/>
+          </a:xfrm>
+          <a:prstGeom prst="rect">
+            <a:avLst/>
+          </a:prstGeom>
+          <a:noFill/>
+          <a:ln>
+            <a:noFill/>
+          </a:ln>
+        </p:spPr>
+        <p:txBody>
+          <a:bodyPr spcFirstLastPara="1" wrap="square" lIns="91425" tIns="91425" rIns="91425" bIns="91425" anchor="t" anchorCtr="0">
+            <a:noAutofit/>
+          </a:bodyPr>
+          <a:lstStyle/>
+          <a:p>
+            <a:pPr marL="0" lvl="0" indent="0" algn="l" rtl="0">
+              <a:spcBef>
+                <a:spcPts val="0"/>
+              </a:spcBef>
+              <a:spcAft>
+                <a:spcPts val="0"/>
+              </a:spcAft>
+              <a:buNone/>
+            </a:pPr>
+            <a:r>
+              <a:rPr lang="en">
+                <a:solidFill>
+                  <a:srgbClr val="274E13"/>
+                </a:solidFill>
+              </a:rPr>
+              <a:t>What outcome are you predicting/estimating?</a:t>
+            </a:r>
+            <a:endParaRPr>
+              <a:solidFill>
+                <a:srgbClr val="274E13"/>
+              </a:solidFill>
+            </a:endParaRPr>
+          </a:p>
+          <a:p>
+            <a:pPr marL="0" lvl="0" indent="0" algn="l" rtl="0">
+              <a:spcBef>
+                <a:spcPts val="0"/>
+              </a:spcBef>
+              <a:spcAft>
+                <a:spcPts val="0"/>
+              </a:spcAft>
+              <a:buNone/>
+            </a:pPr>
+            <a:endParaRPr>
+              <a:solidFill>
+                <a:srgbClr val="274E13"/>
+              </a:solidFill>
+            </a:endParaRPr>
+          </a:p>
+          <a:p>
+            <a:pPr marL="0" lvl="0" indent="0" algn="l" rtl="0">
+              <a:spcBef>
+                <a:spcPts val="0"/>
+              </a:spcBef>
+              <a:spcAft>
+                <a:spcPts val="0"/>
+              </a:spcAft>
+              <a:buNone/>
+            </a:pPr>
+            <a:r>
+              <a:rPr lang="en">
+                <a:solidFill>
+                  <a:srgbClr val="B45F06"/>
+                </a:solidFill>
+              </a:rPr>
+              <a:t>For what purpose?</a:t>
+            </a:r>
+            <a:endParaRPr>
+              <a:solidFill>
+                <a:srgbClr val="274E13"/>
+              </a:solidFill>
+            </a:endParaRPr>
           </a:p>
         </p:txBody>
       </p:sp>
     </p:spTree>
     <p:extLst>
       <p:ext uri="{BB962C8B-B14F-4D97-AF65-F5344CB8AC3E}">
-        <p14:creationId xmlns:p14="http://schemas.microsoft.com/office/powerpoint/2010/main" val="225707519"/>
+        <p14:creationId xmlns:p14="http://schemas.microsoft.com/office/powerpoint/2010/main" val="712266217"/>
       </p:ext>
     </p:extLst>
   </p:cSld>
@@ -6221,75 +6695,10 @@
       </p:grpSpPr>
       <p:sp>
         <p:nvSpPr>
-          <p:cNvPr id="2" name="Text Placeholder 1">
-            <a:extLst>
-              <a:ext uri="{FF2B5EF4-FFF2-40B4-BE49-F238E27FC236}">
-                <a16:creationId xmlns:a16="http://schemas.microsoft.com/office/drawing/2014/main" id="{16F0CF04-B42B-C044-ACCB-6C665E5B57C0}"/>
-              </a:ext>
-            </a:extLst>
-          </p:cNvPr>
-          <p:cNvSpPr>
-            <a:spLocks noGrp="1"/>
-          </p:cNvSpPr>
-          <p:nvPr>
-            <p:ph type="body" idx="1"/>
-          </p:nvPr>
-        </p:nvSpPr>
-        <p:spPr/>
-        <p:txBody>
-          <a:bodyPr/>
-          <a:lstStyle/>
-          <a:p>
-            <a:r>
-              <a:rPr lang="en-US" dirty="0"/>
-              <a:t>How much better than baselines does our system need to be in order to deploy?</a:t>
-            </a:r>
-            <a:br>
-              <a:rPr lang="en-US" dirty="0"/>
-            </a:br>
-            <a:endParaRPr lang="en-US" dirty="0"/>
-          </a:p>
-          <a:p>
-            <a:r>
-              <a:rPr lang="en-US" dirty="0"/>
-              <a:t>Important to compare performance against the base rate/prior, but this prior rarely represents a “common sense” baseline</a:t>
-            </a:r>
-            <a:br>
-              <a:rPr lang="en-US" dirty="0"/>
-            </a:br>
-            <a:endParaRPr lang="en-US" dirty="0"/>
-          </a:p>
-          <a:p>
-            <a:r>
-              <a:rPr lang="en-US" dirty="0"/>
-              <a:t>Good baselines should provide an ordering to sort the entities</a:t>
-            </a:r>
-          </a:p>
-          <a:p>
-            <a:pPr lvl="1"/>
-            <a:r>
-              <a:rPr lang="en-US" dirty="0"/>
-              <a:t>Heuristic rules (or shallow decision trees) might reflect current practice, but can yield a small number of unique scores with lots of ties</a:t>
-            </a:r>
-            <a:br>
-              <a:rPr lang="en-US" dirty="0"/>
-            </a:br>
-            <a:endParaRPr lang="en-US" dirty="0"/>
-          </a:p>
-          <a:p>
-            <a:r>
-              <a:rPr lang="en-US" dirty="0"/>
-              <a:t>In many real-world problems, a good baseline can be difficult to beat</a:t>
-            </a:r>
-          </a:p>
-        </p:txBody>
-      </p:sp>
-      <p:sp>
-        <p:nvSpPr>
           <p:cNvPr id="3" name="Title 2">
             <a:extLst>
               <a:ext uri="{FF2B5EF4-FFF2-40B4-BE49-F238E27FC236}">
-                <a16:creationId xmlns:a16="http://schemas.microsoft.com/office/drawing/2014/main" id="{FC049B21-A440-624B-941A-2CE526530E5B}"/>
+                <a16:creationId xmlns:a16="http://schemas.microsoft.com/office/drawing/2014/main" id="{D3765B02-360A-1F41-913A-E71E561203CC}"/>
               </a:ext>
             </a:extLst>
           </p:cNvPr>
@@ -6307,15 +6716,431 @@
           <a:p>
             <a:r>
               <a:rPr lang="en-US" dirty="0"/>
-              <a:t>Baseline Considerations</a:t>
-            </a:r>
+              <a:t>Analytical Formulation Examples</a:t>
+            </a:r>
+          </a:p>
+        </p:txBody>
+      </p:sp>
+      <p:sp>
+        <p:nvSpPr>
+          <p:cNvPr id="4" name="Google Shape;173;p42">
+            <a:extLst>
+              <a:ext uri="{FF2B5EF4-FFF2-40B4-BE49-F238E27FC236}">
+                <a16:creationId xmlns:a16="http://schemas.microsoft.com/office/drawing/2014/main" id="{11008A05-00C0-7C4B-9E7A-F5D9E79C776A}"/>
+              </a:ext>
+            </a:extLst>
+          </p:cNvPr>
+          <p:cNvSpPr/>
+          <p:nvPr/>
+        </p:nvSpPr>
+        <p:spPr>
+          <a:xfrm>
+            <a:off x="1688840" y="2398130"/>
+            <a:ext cx="2343000" cy="3153300"/>
+          </a:xfrm>
+          <a:prstGeom prst="rect">
+            <a:avLst/>
+          </a:prstGeom>
+          <a:solidFill>
+            <a:schemeClr val="lt2"/>
+          </a:solidFill>
+          <a:ln w="9525" cap="flat" cmpd="sng">
+            <a:solidFill>
+              <a:schemeClr val="dk2"/>
+            </a:solidFill>
+            <a:prstDash val="solid"/>
+            <a:round/>
+            <a:headEnd type="none" w="sm" len="sm"/>
+            <a:tailEnd type="none" w="sm" len="sm"/>
+          </a:ln>
+        </p:spPr>
+        <p:txBody>
+          <a:bodyPr spcFirstLastPara="1" wrap="square" lIns="91425" tIns="91425" rIns="91425" bIns="91425" anchor="ctr" anchorCtr="0">
+            <a:noAutofit/>
+          </a:bodyPr>
+          <a:lstStyle/>
+          <a:p>
+            <a:pPr marL="0" lvl="0" indent="0" algn="l" rtl="0">
+              <a:spcBef>
+                <a:spcPts val="0"/>
+              </a:spcBef>
+              <a:spcAft>
+                <a:spcPts val="0"/>
+              </a:spcAft>
+              <a:buNone/>
+            </a:pPr>
+            <a:endParaRPr/>
+          </a:p>
+        </p:txBody>
+      </p:sp>
+      <p:sp>
+        <p:nvSpPr>
+          <p:cNvPr id="5" name="Google Shape;175;p42">
+            <a:extLst>
+              <a:ext uri="{FF2B5EF4-FFF2-40B4-BE49-F238E27FC236}">
+                <a16:creationId xmlns:a16="http://schemas.microsoft.com/office/drawing/2014/main" id="{A503C09B-93C0-FB43-BCF8-DB719EF203C3}"/>
+              </a:ext>
+            </a:extLst>
+          </p:cNvPr>
+          <p:cNvSpPr txBox="1">
+            <a:spLocks noGrp="1"/>
+          </p:cNvSpPr>
+          <p:nvPr>
+            <p:ph type="body" idx="1"/>
+          </p:nvPr>
+        </p:nvSpPr>
+        <p:spPr>
+          <a:xfrm>
+            <a:off x="4220940" y="2306905"/>
+            <a:ext cx="6398400" cy="3416400"/>
+          </a:xfrm>
+          <a:prstGeom prst="rect">
+            <a:avLst/>
+          </a:prstGeom>
+        </p:spPr>
+        <p:txBody>
+          <a:bodyPr spcFirstLastPara="1" wrap="square" lIns="91425" tIns="91425" rIns="91425" bIns="91425" anchor="t" anchorCtr="0">
+            <a:noAutofit/>
+          </a:bodyPr>
+          <a:lstStyle/>
+          <a:p>
+            <a:pPr marL="0" lvl="0" indent="0">
+              <a:spcBef>
+                <a:spcPts val="0"/>
+              </a:spcBef>
+              <a:spcAft>
+                <a:spcPts val="1600"/>
+              </a:spcAft>
+              <a:buNone/>
+            </a:pPr>
+            <a:r>
+              <a:rPr lang="en" sz="2600" dirty="0">
+                <a:solidFill>
+                  <a:srgbClr val="FF0000"/>
+                </a:solidFill>
+              </a:rPr>
+              <a:t>Every Monday</a:t>
+            </a:r>
+            <a:r>
+              <a:rPr lang="en" sz="2600" dirty="0"/>
+              <a:t>, for </a:t>
+            </a:r>
+            <a:r>
+              <a:rPr lang="en" sz="2600" dirty="0">
+                <a:solidFill>
+                  <a:srgbClr val="0000FF"/>
+                </a:solidFill>
+              </a:rPr>
+              <a:t>current Netflix subscribers</a:t>
+            </a:r>
+            <a:r>
+              <a:rPr lang="en" sz="2600" dirty="0"/>
+              <a:t>, can we identify the </a:t>
+            </a:r>
+            <a:r>
+              <a:rPr lang="en" sz="2600" dirty="0">
+                <a:solidFill>
+                  <a:srgbClr val="FF00FF"/>
+                </a:solidFill>
+              </a:rPr>
+              <a:t>10 pieces of content</a:t>
+            </a:r>
+            <a:r>
+              <a:rPr lang="en" sz="2600" dirty="0"/>
+              <a:t> </a:t>
+            </a:r>
+            <a:r>
+              <a:rPr lang="en" sz="2600" dirty="0">
+                <a:solidFill>
+                  <a:srgbClr val="38761D"/>
+                </a:solidFill>
+              </a:rPr>
+              <a:t>with highest expected revenue </a:t>
+            </a:r>
+            <a:r>
+              <a:rPr lang="en" sz="2600" dirty="0">
+                <a:solidFill>
+                  <a:srgbClr val="B45F06"/>
+                </a:solidFill>
+              </a:rPr>
+              <a:t>to prioritize for suggested viewing in the following week</a:t>
+            </a:r>
+            <a:r>
+              <a:rPr lang="en" sz="2600" dirty="0"/>
+              <a:t>?</a:t>
+            </a:r>
+            <a:endParaRPr sz="2600" dirty="0"/>
+          </a:p>
+        </p:txBody>
+      </p:sp>
+      <p:sp>
+        <p:nvSpPr>
+          <p:cNvPr id="6" name="Google Shape;176;p42">
+            <a:extLst>
+              <a:ext uri="{FF2B5EF4-FFF2-40B4-BE49-F238E27FC236}">
+                <a16:creationId xmlns:a16="http://schemas.microsoft.com/office/drawing/2014/main" id="{37D6DBA9-5D69-154C-A120-4ADBF03F7CF7}"/>
+              </a:ext>
+            </a:extLst>
+          </p:cNvPr>
+          <p:cNvSpPr txBox="1"/>
+          <p:nvPr/>
+        </p:nvSpPr>
+        <p:spPr>
+          <a:xfrm>
+            <a:off x="1732190" y="2398130"/>
+            <a:ext cx="2256300" cy="597000"/>
+          </a:xfrm>
+          <a:prstGeom prst="rect">
+            <a:avLst/>
+          </a:prstGeom>
+          <a:noFill/>
+          <a:ln>
+            <a:noFill/>
+          </a:ln>
+        </p:spPr>
+        <p:txBody>
+          <a:bodyPr spcFirstLastPara="1" wrap="square" lIns="91425" tIns="91425" rIns="91425" bIns="91425" anchor="t" anchorCtr="0">
+            <a:noAutofit/>
+          </a:bodyPr>
+          <a:lstStyle/>
+          <a:p>
+            <a:pPr marL="0" lvl="0" indent="0" algn="l" rtl="0">
+              <a:spcBef>
+                <a:spcPts val="0"/>
+              </a:spcBef>
+              <a:spcAft>
+                <a:spcPts val="0"/>
+              </a:spcAft>
+              <a:buNone/>
+            </a:pPr>
+            <a:r>
+              <a:rPr lang="en">
+                <a:solidFill>
+                  <a:srgbClr val="FF0000"/>
+                </a:solidFill>
+              </a:rPr>
+              <a:t>How often is the recommendation/decision being made?</a:t>
+            </a:r>
+            <a:endParaRPr>
+              <a:solidFill>
+                <a:srgbClr val="FF0000"/>
+              </a:solidFill>
+            </a:endParaRPr>
+          </a:p>
+        </p:txBody>
+      </p:sp>
+      <p:sp>
+        <p:nvSpPr>
+          <p:cNvPr id="7" name="Google Shape;177;p42">
+            <a:extLst>
+              <a:ext uri="{FF2B5EF4-FFF2-40B4-BE49-F238E27FC236}">
+                <a16:creationId xmlns:a16="http://schemas.microsoft.com/office/drawing/2014/main" id="{6A2D549C-59C2-0340-9130-F3B04EEF3F59}"/>
+              </a:ext>
+            </a:extLst>
+          </p:cNvPr>
+          <p:cNvSpPr txBox="1"/>
+          <p:nvPr/>
+        </p:nvSpPr>
+        <p:spPr>
+          <a:xfrm>
+            <a:off x="1736040" y="3275280"/>
+            <a:ext cx="2256300" cy="597000"/>
+          </a:xfrm>
+          <a:prstGeom prst="rect">
+            <a:avLst/>
+          </a:prstGeom>
+          <a:noFill/>
+          <a:ln>
+            <a:noFill/>
+          </a:ln>
+        </p:spPr>
+        <p:txBody>
+          <a:bodyPr spcFirstLastPara="1" wrap="square" lIns="91425" tIns="91425" rIns="91425" bIns="91425" anchor="t" anchorCtr="0">
+            <a:noAutofit/>
+          </a:bodyPr>
+          <a:lstStyle/>
+          <a:p>
+            <a:pPr marL="0" lvl="0" indent="0" algn="l" rtl="0">
+              <a:spcBef>
+                <a:spcPts val="0"/>
+              </a:spcBef>
+              <a:spcAft>
+                <a:spcPts val="0"/>
+              </a:spcAft>
+              <a:buNone/>
+            </a:pPr>
+            <a:r>
+              <a:rPr lang="en">
+                <a:solidFill>
+                  <a:srgbClr val="0000FF"/>
+                </a:solidFill>
+              </a:rPr>
+              <a:t>Who/what is included in the cohort?</a:t>
+            </a:r>
+            <a:endParaRPr>
+              <a:solidFill>
+                <a:srgbClr val="0000FF"/>
+              </a:solidFill>
+            </a:endParaRPr>
+          </a:p>
+        </p:txBody>
+      </p:sp>
+      <p:sp>
+        <p:nvSpPr>
+          <p:cNvPr id="8" name="Google Shape;178;p42">
+            <a:extLst>
+              <a:ext uri="{FF2B5EF4-FFF2-40B4-BE49-F238E27FC236}">
+                <a16:creationId xmlns:a16="http://schemas.microsoft.com/office/drawing/2014/main" id="{A7B784C6-E226-7546-90BA-7A3243A70F6B}"/>
+              </a:ext>
+            </a:extLst>
+          </p:cNvPr>
+          <p:cNvSpPr txBox="1"/>
+          <p:nvPr/>
+        </p:nvSpPr>
+        <p:spPr>
+          <a:xfrm>
+            <a:off x="1736040" y="3923830"/>
+            <a:ext cx="2256300" cy="597000"/>
+          </a:xfrm>
+          <a:prstGeom prst="rect">
+            <a:avLst/>
+          </a:prstGeom>
+          <a:noFill/>
+          <a:ln>
+            <a:noFill/>
+          </a:ln>
+        </p:spPr>
+        <p:txBody>
+          <a:bodyPr spcFirstLastPara="1" wrap="square" lIns="91425" tIns="91425" rIns="91425" bIns="91425" anchor="t" anchorCtr="0">
+            <a:noAutofit/>
+          </a:bodyPr>
+          <a:lstStyle/>
+          <a:p>
+            <a:pPr marL="0" lvl="0" indent="0" algn="l" rtl="0">
+              <a:spcBef>
+                <a:spcPts val="0"/>
+              </a:spcBef>
+              <a:spcAft>
+                <a:spcPts val="0"/>
+              </a:spcAft>
+              <a:buNone/>
+            </a:pPr>
+            <a:r>
+              <a:rPr lang="en">
+                <a:solidFill>
+                  <a:srgbClr val="FF00FF"/>
+                </a:solidFill>
+              </a:rPr>
+              <a:t>What is the output?</a:t>
+            </a:r>
+            <a:endParaRPr>
+              <a:solidFill>
+                <a:srgbClr val="FF00FF"/>
+              </a:solidFill>
+            </a:endParaRPr>
+          </a:p>
+        </p:txBody>
+      </p:sp>
+      <p:sp>
+        <p:nvSpPr>
+          <p:cNvPr id="9" name="Google Shape;179;p42">
+            <a:extLst>
+              <a:ext uri="{FF2B5EF4-FFF2-40B4-BE49-F238E27FC236}">
+                <a16:creationId xmlns:a16="http://schemas.microsoft.com/office/drawing/2014/main" id="{0D4F98CB-D85C-3F48-A552-B472AA7D6F71}"/>
+              </a:ext>
+            </a:extLst>
+          </p:cNvPr>
+          <p:cNvSpPr txBox="1"/>
+          <p:nvPr/>
+        </p:nvSpPr>
+        <p:spPr>
+          <a:xfrm>
+            <a:off x="1732190" y="4444630"/>
+            <a:ext cx="2256300" cy="1106700"/>
+          </a:xfrm>
+          <a:prstGeom prst="rect">
+            <a:avLst/>
+          </a:prstGeom>
+          <a:noFill/>
+          <a:ln>
+            <a:noFill/>
+          </a:ln>
+        </p:spPr>
+        <p:txBody>
+          <a:bodyPr spcFirstLastPara="1" wrap="square" lIns="91425" tIns="91425" rIns="91425" bIns="91425" anchor="t" anchorCtr="0">
+            <a:noAutofit/>
+          </a:bodyPr>
+          <a:lstStyle/>
+          <a:p>
+            <a:pPr marL="0" lvl="0" indent="0" algn="l" rtl="0">
+              <a:spcBef>
+                <a:spcPts val="0"/>
+              </a:spcBef>
+              <a:spcAft>
+                <a:spcPts val="0"/>
+              </a:spcAft>
+              <a:buNone/>
+            </a:pPr>
+            <a:r>
+              <a:rPr lang="en">
+                <a:solidFill>
+                  <a:srgbClr val="274E13"/>
+                </a:solidFill>
+              </a:rPr>
+              <a:t>What outcome are you predicting/estimating?</a:t>
+            </a:r>
+            <a:endParaRPr>
+              <a:solidFill>
+                <a:srgbClr val="274E13"/>
+              </a:solidFill>
+            </a:endParaRPr>
+          </a:p>
+          <a:p>
+            <a:pPr marL="0" lvl="0" indent="0" algn="l" rtl="0">
+              <a:spcBef>
+                <a:spcPts val="0"/>
+              </a:spcBef>
+              <a:spcAft>
+                <a:spcPts val="0"/>
+              </a:spcAft>
+              <a:buNone/>
+            </a:pPr>
+            <a:endParaRPr>
+              <a:solidFill>
+                <a:srgbClr val="274E13"/>
+              </a:solidFill>
+            </a:endParaRPr>
+          </a:p>
+          <a:p>
+            <a:pPr marL="0" lvl="0" indent="0" algn="l" rtl="0">
+              <a:spcBef>
+                <a:spcPts val="0"/>
+              </a:spcBef>
+              <a:spcAft>
+                <a:spcPts val="0"/>
+              </a:spcAft>
+              <a:buNone/>
+            </a:pPr>
+            <a:r>
+              <a:rPr lang="en">
+                <a:solidFill>
+                  <a:srgbClr val="B45F06"/>
+                </a:solidFill>
+              </a:rPr>
+              <a:t>For what purpose?</a:t>
+            </a:r>
+            <a:endParaRPr>
+              <a:solidFill>
+                <a:srgbClr val="274E13"/>
+              </a:solidFill>
+            </a:endParaRPr>
           </a:p>
         </p:txBody>
       </p:sp>
     </p:spTree>
     <p:extLst>
       <p:ext uri="{BB962C8B-B14F-4D97-AF65-F5344CB8AC3E}">
-        <p14:creationId xmlns:p14="http://schemas.microsoft.com/office/powerpoint/2010/main" val="3480883044"/>
+        <p14:creationId xmlns:p14="http://schemas.microsoft.com/office/powerpoint/2010/main" val="3117936265"/>
       </p:ext>
     </p:extLst>
   </p:cSld>
@@ -6326,6 +7151,940 @@
 </file>
 
 <file path=ppt/slides/slide18.xml><?xml version="1.0" encoding="utf-8"?>
+<p:sld xmlns:a="http://schemas.openxmlformats.org/drawingml/2006/main" xmlns:r="http://schemas.openxmlformats.org/officeDocument/2006/relationships" xmlns:p="http://schemas.openxmlformats.org/presentationml/2006/main">
+  <p:cSld>
+    <p:spTree>
+      <p:nvGrpSpPr>
+        <p:cNvPr id="1" name="Shape 144"/>
+        <p:cNvGrpSpPr/>
+        <p:nvPr/>
+      </p:nvGrpSpPr>
+      <p:grpSpPr>
+        <a:xfrm>
+          <a:off x="0" y="0"/>
+          <a:ext cx="0" cy="0"/>
+          <a:chOff x="0" y="0"/>
+          <a:chExt cx="0" cy="0"/>
+        </a:xfrm>
+      </p:grpSpPr>
+      <p:sp>
+        <p:nvSpPr>
+          <p:cNvPr id="2" name="Text Placeholder 1">
+            <a:extLst>
+              <a:ext uri="{FF2B5EF4-FFF2-40B4-BE49-F238E27FC236}">
+                <a16:creationId xmlns:a16="http://schemas.microsoft.com/office/drawing/2014/main" id="{F99FE356-1ECD-E2A9-D4E2-8BCE7296DD38}"/>
+              </a:ext>
+            </a:extLst>
+          </p:cNvPr>
+          <p:cNvSpPr>
+            <a:spLocks noGrp="1"/>
+          </p:cNvSpPr>
+          <p:nvPr>
+            <p:ph type="body" idx="1"/>
+          </p:nvPr>
+        </p:nvSpPr>
+        <p:spPr/>
+        <p:txBody>
+          <a:bodyPr/>
+          <a:lstStyle/>
+          <a:p>
+            <a:endParaRPr lang="en-US"/>
+          </a:p>
+        </p:txBody>
+      </p:sp>
+      <p:sp>
+        <p:nvSpPr>
+          <p:cNvPr id="145" name="Google Shape;145;p30"/>
+          <p:cNvSpPr txBox="1">
+            <a:spLocks noGrp="1"/>
+          </p:cNvSpPr>
+          <p:nvPr>
+            <p:ph type="title"/>
+          </p:nvPr>
+        </p:nvSpPr>
+        <p:spPr>
+          <a:prstGeom prst="rect">
+            <a:avLst/>
+          </a:prstGeom>
+        </p:spPr>
+        <p:txBody>
+          <a:bodyPr spcFirstLastPara="1" wrap="square" lIns="121900" tIns="121900" rIns="121900" bIns="121900" anchor="t" anchorCtr="0">
+            <a:normAutofit fontScale="90000"/>
+          </a:bodyPr>
+          <a:lstStyle/>
+          <a:p>
+            <a:r>
+              <a:rPr lang="en"/>
+              <a:t>Analytical Formulation</a:t>
+            </a:r>
+            <a:endParaRPr/>
+          </a:p>
+        </p:txBody>
+      </p:sp>
+      <p:sp>
+        <p:nvSpPr>
+          <p:cNvPr id="146" name="Google Shape;146;p30"/>
+          <p:cNvSpPr/>
+          <p:nvPr/>
+        </p:nvSpPr>
+        <p:spPr>
+          <a:xfrm>
+            <a:off x="190320" y="1463207"/>
+            <a:ext cx="3124000" cy="4204400"/>
+          </a:xfrm>
+          <a:prstGeom prst="rect">
+            <a:avLst/>
+          </a:prstGeom>
+          <a:solidFill>
+            <a:srgbClr val="EEEEEE"/>
+          </a:solidFill>
+          <a:ln w="9525" cap="flat" cmpd="sng">
+            <a:solidFill>
+              <a:srgbClr val="595959"/>
+            </a:solidFill>
+            <a:prstDash val="solid"/>
+            <a:round/>
+            <a:headEnd type="none" w="sm" len="sm"/>
+            <a:tailEnd type="none" w="sm" len="sm"/>
+          </a:ln>
+        </p:spPr>
+        <p:txBody>
+          <a:bodyPr spcFirstLastPara="1" wrap="square" lIns="121900" tIns="121900" rIns="121900" bIns="121900" anchor="ctr" anchorCtr="0">
+            <a:noAutofit/>
+          </a:bodyPr>
+          <a:lstStyle/>
+          <a:p>
+            <a:pPr>
+              <a:buSzPts val="1400"/>
+            </a:pPr>
+            <a:endParaRPr sz="1867"/>
+          </a:p>
+        </p:txBody>
+      </p:sp>
+      <p:sp>
+        <p:nvSpPr>
+          <p:cNvPr id="147" name="Google Shape;147;p30"/>
+          <p:cNvSpPr txBox="1"/>
+          <p:nvPr/>
+        </p:nvSpPr>
+        <p:spPr>
+          <a:xfrm>
+            <a:off x="3566453" y="1341573"/>
+            <a:ext cx="8531200" cy="4555200"/>
+          </a:xfrm>
+          <a:prstGeom prst="rect">
+            <a:avLst/>
+          </a:prstGeom>
+          <a:noFill/>
+          <a:ln>
+            <a:noFill/>
+          </a:ln>
+        </p:spPr>
+        <p:txBody>
+          <a:bodyPr spcFirstLastPara="1" wrap="square" lIns="121900" tIns="121900" rIns="121900" bIns="121900" anchor="t" anchorCtr="0">
+            <a:noAutofit/>
+          </a:bodyPr>
+          <a:lstStyle/>
+          <a:p>
+            <a:pPr>
+              <a:lnSpc>
+                <a:spcPct val="115000"/>
+              </a:lnSpc>
+              <a:spcAft>
+                <a:spcPts val="2133"/>
+              </a:spcAft>
+            </a:pPr>
+            <a:r>
+              <a:rPr lang="en" sz="3467">
+                <a:solidFill>
+                  <a:srgbClr val="FF0000"/>
+                </a:solidFill>
+              </a:rPr>
+              <a:t>On the 1</a:t>
+            </a:r>
+            <a:r>
+              <a:rPr lang="en" sz="3467" baseline="30000">
+                <a:solidFill>
+                  <a:srgbClr val="FF0000"/>
+                </a:solidFill>
+              </a:rPr>
+              <a:t>st</a:t>
+            </a:r>
+            <a:r>
+              <a:rPr lang="en" sz="3467">
+                <a:solidFill>
+                  <a:srgbClr val="FF0000"/>
+                </a:solidFill>
+              </a:rPr>
+              <a:t> of every month</a:t>
+            </a:r>
+            <a:r>
+              <a:rPr lang="en" sz="3467">
+                <a:solidFill>
+                  <a:srgbClr val="595959"/>
+                </a:solidFill>
+              </a:rPr>
+              <a:t>, for </a:t>
+            </a:r>
+            <a:r>
+              <a:rPr lang="en" sz="3467">
+                <a:solidFill>
+                  <a:srgbClr val="0000FF"/>
+                </a:solidFill>
+              </a:rPr>
+              <a:t>all individuals who have interacted with MyRC sources in the last 3 years</a:t>
+            </a:r>
+            <a:r>
+              <a:rPr lang="en" sz="3467">
+                <a:solidFill>
+                  <a:srgbClr val="595959"/>
+                </a:solidFill>
+              </a:rPr>
+              <a:t>, can we identify the </a:t>
+            </a:r>
+            <a:r>
+              <a:rPr lang="en" sz="3467">
+                <a:solidFill>
+                  <a:srgbClr val="FF00FF"/>
+                </a:solidFill>
+              </a:rPr>
+              <a:t>100 (JoCo) and 30 (DoCo) individuals </a:t>
+            </a:r>
+            <a:r>
+              <a:rPr lang="en" sz="3467">
+                <a:solidFill>
+                  <a:srgbClr val="595959"/>
+                </a:solidFill>
+              </a:rPr>
+              <a:t>who are </a:t>
+            </a:r>
+            <a:r>
+              <a:rPr lang="en" sz="3467">
+                <a:solidFill>
+                  <a:srgbClr val="38761D"/>
+                </a:solidFill>
+              </a:rPr>
+              <a:t>at highest risk to die by suicide or overdose in the next 6 months </a:t>
+            </a:r>
+            <a:r>
+              <a:rPr lang="en" sz="3467">
+                <a:solidFill>
+                  <a:srgbClr val="B45F06"/>
+                </a:solidFill>
+              </a:rPr>
+              <a:t>to recommend for proactive behavioral health outreach</a:t>
+            </a:r>
+            <a:r>
+              <a:rPr lang="en" sz="3467">
+                <a:solidFill>
+                  <a:srgbClr val="595959"/>
+                </a:solidFill>
+              </a:rPr>
+              <a:t>?</a:t>
+            </a:r>
+            <a:endParaRPr sz="3467">
+              <a:solidFill>
+                <a:srgbClr val="595959"/>
+              </a:solidFill>
+            </a:endParaRPr>
+          </a:p>
+        </p:txBody>
+      </p:sp>
+      <p:sp>
+        <p:nvSpPr>
+          <p:cNvPr id="148" name="Google Shape;148;p30"/>
+          <p:cNvSpPr txBox="1"/>
+          <p:nvPr/>
+        </p:nvSpPr>
+        <p:spPr>
+          <a:xfrm>
+            <a:off x="248120" y="1463207"/>
+            <a:ext cx="3008400" cy="796000"/>
+          </a:xfrm>
+          <a:prstGeom prst="rect">
+            <a:avLst/>
+          </a:prstGeom>
+          <a:noFill/>
+          <a:ln>
+            <a:noFill/>
+          </a:ln>
+        </p:spPr>
+        <p:txBody>
+          <a:bodyPr spcFirstLastPara="1" wrap="square" lIns="121900" tIns="121900" rIns="121900" bIns="121900" anchor="t" anchorCtr="0">
+            <a:noAutofit/>
+          </a:bodyPr>
+          <a:lstStyle/>
+          <a:p>
+            <a:pPr>
+              <a:buSzPts val="1400"/>
+            </a:pPr>
+            <a:r>
+              <a:rPr lang="en" sz="1867">
+                <a:solidFill>
+                  <a:srgbClr val="FF0000"/>
+                </a:solidFill>
+              </a:rPr>
+              <a:t>When and How often is the recommendation / decision being made?</a:t>
+            </a:r>
+            <a:endParaRPr sz="1867">
+              <a:solidFill>
+                <a:srgbClr val="FF0000"/>
+              </a:solidFill>
+            </a:endParaRPr>
+          </a:p>
+        </p:txBody>
+      </p:sp>
+      <p:sp>
+        <p:nvSpPr>
+          <p:cNvPr id="149" name="Google Shape;149;p30"/>
+          <p:cNvSpPr txBox="1"/>
+          <p:nvPr/>
+        </p:nvSpPr>
+        <p:spPr>
+          <a:xfrm>
+            <a:off x="253253" y="2632740"/>
+            <a:ext cx="3008400" cy="796000"/>
+          </a:xfrm>
+          <a:prstGeom prst="rect">
+            <a:avLst/>
+          </a:prstGeom>
+          <a:noFill/>
+          <a:ln>
+            <a:noFill/>
+          </a:ln>
+        </p:spPr>
+        <p:txBody>
+          <a:bodyPr spcFirstLastPara="1" wrap="square" lIns="121900" tIns="121900" rIns="121900" bIns="121900" anchor="t" anchorCtr="0">
+            <a:noAutofit/>
+          </a:bodyPr>
+          <a:lstStyle/>
+          <a:p>
+            <a:pPr>
+              <a:buSzPts val="1400"/>
+            </a:pPr>
+            <a:r>
+              <a:rPr lang="en" sz="1867">
+                <a:solidFill>
+                  <a:srgbClr val="0000FF"/>
+                </a:solidFill>
+              </a:rPr>
+              <a:t>Who/what is included in the cohort?</a:t>
+            </a:r>
+            <a:endParaRPr sz="1867">
+              <a:solidFill>
+                <a:srgbClr val="0000FF"/>
+              </a:solidFill>
+            </a:endParaRPr>
+          </a:p>
+        </p:txBody>
+      </p:sp>
+      <p:sp>
+        <p:nvSpPr>
+          <p:cNvPr id="150" name="Google Shape;150;p30"/>
+          <p:cNvSpPr txBox="1"/>
+          <p:nvPr/>
+        </p:nvSpPr>
+        <p:spPr>
+          <a:xfrm>
+            <a:off x="253253" y="3497473"/>
+            <a:ext cx="3008400" cy="796000"/>
+          </a:xfrm>
+          <a:prstGeom prst="rect">
+            <a:avLst/>
+          </a:prstGeom>
+          <a:noFill/>
+          <a:ln>
+            <a:noFill/>
+          </a:ln>
+        </p:spPr>
+        <p:txBody>
+          <a:bodyPr spcFirstLastPara="1" wrap="square" lIns="121900" tIns="121900" rIns="121900" bIns="121900" anchor="t" anchorCtr="0">
+            <a:noAutofit/>
+          </a:bodyPr>
+          <a:lstStyle/>
+          <a:p>
+            <a:pPr>
+              <a:buSzPts val="1400"/>
+            </a:pPr>
+            <a:r>
+              <a:rPr lang="en" sz="1867">
+                <a:solidFill>
+                  <a:srgbClr val="FF00FF"/>
+                </a:solidFill>
+              </a:rPr>
+              <a:t>What is the output?</a:t>
+            </a:r>
+            <a:endParaRPr sz="1867">
+              <a:solidFill>
+                <a:srgbClr val="FF00FF"/>
+              </a:solidFill>
+            </a:endParaRPr>
+          </a:p>
+        </p:txBody>
+      </p:sp>
+      <p:sp>
+        <p:nvSpPr>
+          <p:cNvPr id="151" name="Google Shape;151;p30"/>
+          <p:cNvSpPr txBox="1"/>
+          <p:nvPr/>
+        </p:nvSpPr>
+        <p:spPr>
+          <a:xfrm>
+            <a:off x="248120" y="4191873"/>
+            <a:ext cx="3008400" cy="1475600"/>
+          </a:xfrm>
+          <a:prstGeom prst="rect">
+            <a:avLst/>
+          </a:prstGeom>
+          <a:noFill/>
+          <a:ln>
+            <a:noFill/>
+          </a:ln>
+        </p:spPr>
+        <p:txBody>
+          <a:bodyPr spcFirstLastPara="1" wrap="square" lIns="121900" tIns="121900" rIns="121900" bIns="121900" anchor="t" anchorCtr="0">
+            <a:noAutofit/>
+          </a:bodyPr>
+          <a:lstStyle/>
+          <a:p>
+            <a:pPr>
+              <a:buSzPts val="1400"/>
+            </a:pPr>
+            <a:r>
+              <a:rPr lang="en" sz="1867">
+                <a:solidFill>
+                  <a:srgbClr val="274E13"/>
+                </a:solidFill>
+              </a:rPr>
+              <a:t>What outcome are you predicting/estimating?</a:t>
+            </a:r>
+            <a:endParaRPr sz="1867">
+              <a:solidFill>
+                <a:srgbClr val="274E13"/>
+              </a:solidFill>
+            </a:endParaRPr>
+          </a:p>
+          <a:p>
+            <a:pPr>
+              <a:buSzPts val="1400"/>
+            </a:pPr>
+            <a:endParaRPr sz="1867">
+              <a:solidFill>
+                <a:srgbClr val="274E13"/>
+              </a:solidFill>
+            </a:endParaRPr>
+          </a:p>
+          <a:p>
+            <a:pPr>
+              <a:buSzPts val="1400"/>
+            </a:pPr>
+            <a:r>
+              <a:rPr lang="en" sz="1867">
+                <a:solidFill>
+                  <a:srgbClr val="B45F06"/>
+                </a:solidFill>
+              </a:rPr>
+              <a:t>For what purpose?</a:t>
+            </a:r>
+            <a:endParaRPr sz="1867">
+              <a:solidFill>
+                <a:srgbClr val="274E13"/>
+              </a:solidFill>
+            </a:endParaRPr>
+          </a:p>
+        </p:txBody>
+      </p:sp>
+    </p:spTree>
+  </p:cSld>
+  <p:clrMapOvr>
+    <a:masterClrMapping/>
+  </p:clrMapOvr>
+</p:sld>
+</file>
+
+<file path=ppt/slides/slide19.xml><?xml version="1.0" encoding="utf-8"?>
+<p:sld xmlns:a="http://schemas.openxmlformats.org/drawingml/2006/main" xmlns:r="http://schemas.openxmlformats.org/officeDocument/2006/relationships" xmlns:p="http://schemas.openxmlformats.org/presentationml/2006/main">
+  <p:cSld>
+    <p:spTree>
+      <p:nvGrpSpPr>
+        <p:cNvPr id="1" name="Shape 202"/>
+        <p:cNvGrpSpPr/>
+        <p:nvPr/>
+      </p:nvGrpSpPr>
+      <p:grpSpPr>
+        <a:xfrm>
+          <a:off x="0" y="0"/>
+          <a:ext cx="0" cy="0"/>
+          <a:chOff x="0" y="0"/>
+          <a:chExt cx="0" cy="0"/>
+        </a:xfrm>
+      </p:grpSpPr>
+      <p:sp>
+        <p:nvSpPr>
+          <p:cNvPr id="2" name="Text Placeholder 1">
+            <a:extLst>
+              <a:ext uri="{FF2B5EF4-FFF2-40B4-BE49-F238E27FC236}">
+                <a16:creationId xmlns:a16="http://schemas.microsoft.com/office/drawing/2014/main" id="{10E49ADA-B971-3A74-683D-F7E6AB709A58}"/>
+              </a:ext>
+            </a:extLst>
+          </p:cNvPr>
+          <p:cNvSpPr>
+            <a:spLocks noGrp="1"/>
+          </p:cNvSpPr>
+          <p:nvPr>
+            <p:ph type="body" idx="1"/>
+          </p:nvPr>
+        </p:nvSpPr>
+        <p:spPr/>
+        <p:txBody>
+          <a:bodyPr/>
+          <a:lstStyle/>
+          <a:p>
+            <a:endParaRPr lang="en-US"/>
+          </a:p>
+        </p:txBody>
+      </p:sp>
+      <p:sp>
+        <p:nvSpPr>
+          <p:cNvPr id="203" name="Google Shape;203;p38"/>
+          <p:cNvSpPr txBox="1">
+            <a:spLocks noGrp="1"/>
+          </p:cNvSpPr>
+          <p:nvPr>
+            <p:ph type="title"/>
+          </p:nvPr>
+        </p:nvSpPr>
+        <p:spPr>
+          <a:prstGeom prst="rect">
+            <a:avLst/>
+          </a:prstGeom>
+        </p:spPr>
+        <p:txBody>
+          <a:bodyPr spcFirstLastPara="1" wrap="square" lIns="121900" tIns="121900" rIns="121900" bIns="121900" anchor="t" anchorCtr="0">
+            <a:normAutofit fontScale="90000"/>
+          </a:bodyPr>
+          <a:lstStyle/>
+          <a:p>
+            <a:r>
+              <a:rPr lang="en"/>
+              <a:t>Analytical Formulation</a:t>
+            </a:r>
+            <a:endParaRPr/>
+          </a:p>
+        </p:txBody>
+      </p:sp>
+      <p:sp>
+        <p:nvSpPr>
+          <p:cNvPr id="204" name="Google Shape;204;p38"/>
+          <p:cNvSpPr/>
+          <p:nvPr/>
+        </p:nvSpPr>
+        <p:spPr>
+          <a:xfrm>
+            <a:off x="190320" y="1463207"/>
+            <a:ext cx="3124000" cy="4204400"/>
+          </a:xfrm>
+          <a:prstGeom prst="rect">
+            <a:avLst/>
+          </a:prstGeom>
+          <a:solidFill>
+            <a:srgbClr val="EEEEEE"/>
+          </a:solidFill>
+          <a:ln w="9525" cap="flat" cmpd="sng">
+            <a:solidFill>
+              <a:srgbClr val="595959"/>
+            </a:solidFill>
+            <a:prstDash val="solid"/>
+            <a:round/>
+            <a:headEnd type="none" w="sm" len="sm"/>
+            <a:tailEnd type="none" w="sm" len="sm"/>
+          </a:ln>
+        </p:spPr>
+        <p:txBody>
+          <a:bodyPr spcFirstLastPara="1" wrap="square" lIns="121900" tIns="121900" rIns="121900" bIns="121900" anchor="ctr" anchorCtr="0">
+            <a:noAutofit/>
+          </a:bodyPr>
+          <a:lstStyle/>
+          <a:p>
+            <a:pPr>
+              <a:buSzPts val="1400"/>
+            </a:pPr>
+            <a:endParaRPr sz="1867"/>
+          </a:p>
+        </p:txBody>
+      </p:sp>
+      <p:sp>
+        <p:nvSpPr>
+          <p:cNvPr id="205" name="Google Shape;205;p38"/>
+          <p:cNvSpPr txBox="1"/>
+          <p:nvPr/>
+        </p:nvSpPr>
+        <p:spPr>
+          <a:xfrm>
+            <a:off x="3566453" y="1341573"/>
+            <a:ext cx="8531200" cy="4555200"/>
+          </a:xfrm>
+          <a:prstGeom prst="rect">
+            <a:avLst/>
+          </a:prstGeom>
+          <a:noFill/>
+          <a:ln>
+            <a:noFill/>
+          </a:ln>
+        </p:spPr>
+        <p:txBody>
+          <a:bodyPr spcFirstLastPara="1" wrap="square" lIns="121900" tIns="121900" rIns="121900" bIns="121900" anchor="t" anchorCtr="0">
+            <a:noAutofit/>
+          </a:bodyPr>
+          <a:lstStyle/>
+          <a:p>
+            <a:pPr>
+              <a:lnSpc>
+                <a:spcPct val="115000"/>
+              </a:lnSpc>
+              <a:spcAft>
+                <a:spcPts val="2133"/>
+              </a:spcAft>
+            </a:pPr>
+            <a:r>
+              <a:rPr lang="en" sz="3467" dirty="0">
+                <a:solidFill>
+                  <a:srgbClr val="FF0000"/>
+                </a:solidFill>
+              </a:rPr>
+              <a:t>Every year, when new aerial data arrives</a:t>
+            </a:r>
+            <a:r>
+              <a:rPr lang="en" sz="3467" dirty="0">
+                <a:solidFill>
+                  <a:srgbClr val="595959"/>
+                </a:solidFill>
+              </a:rPr>
+              <a:t>, for </a:t>
+            </a:r>
+            <a:r>
+              <a:rPr lang="en" sz="3467" dirty="0">
+                <a:solidFill>
+                  <a:srgbClr val="0000FF"/>
+                </a:solidFill>
+              </a:rPr>
+              <a:t>all </a:t>
+            </a:r>
+            <a:r>
+              <a:rPr lang="en" sz="3467" dirty="0" err="1">
+                <a:solidFill>
+                  <a:srgbClr val="0000FF"/>
+                </a:solidFill>
+              </a:rPr>
+              <a:t>blocklots</a:t>
+            </a:r>
+            <a:r>
+              <a:rPr lang="en" sz="3467" dirty="0">
+                <a:solidFill>
+                  <a:srgbClr val="0000FF"/>
+                </a:solidFill>
+              </a:rPr>
+              <a:t> in Baltimore City</a:t>
+            </a:r>
+            <a:r>
+              <a:rPr lang="en" sz="3467" dirty="0">
+                <a:solidFill>
+                  <a:srgbClr val="595959"/>
+                </a:solidFill>
+              </a:rPr>
+              <a:t>, can we identify </a:t>
+            </a:r>
+            <a:r>
+              <a:rPr lang="en" sz="3467" dirty="0">
+                <a:solidFill>
+                  <a:srgbClr val="FF00FF"/>
+                </a:solidFill>
+              </a:rPr>
+              <a:t>1,000 </a:t>
+            </a:r>
+            <a:r>
+              <a:rPr lang="en" sz="3467" dirty="0" err="1">
+                <a:solidFill>
+                  <a:srgbClr val="FF00FF"/>
+                </a:solidFill>
+              </a:rPr>
+              <a:t>blocklots</a:t>
+            </a:r>
+            <a:r>
+              <a:rPr lang="en" sz="3467" dirty="0">
+                <a:solidFill>
+                  <a:srgbClr val="FF00FF"/>
+                </a:solidFill>
+              </a:rPr>
+              <a:t> </a:t>
+            </a:r>
+            <a:r>
+              <a:rPr lang="en" sz="3467" dirty="0">
+                <a:solidFill>
+                  <a:srgbClr val="595959"/>
+                </a:solidFill>
+              </a:rPr>
+              <a:t>with a </a:t>
+            </a:r>
+            <a:r>
+              <a:rPr lang="en" sz="3467" dirty="0">
+                <a:solidFill>
+                  <a:srgbClr val="38761D"/>
+                </a:solidFill>
+              </a:rPr>
+              <a:t>“high” level of roof damage </a:t>
+            </a:r>
+            <a:r>
+              <a:rPr lang="en" sz="3467" dirty="0">
+                <a:solidFill>
+                  <a:srgbClr val="B45F06"/>
+                </a:solidFill>
+              </a:rPr>
+              <a:t>to prioritize for demo or stabilization inspection in the next year</a:t>
+            </a:r>
+            <a:r>
+              <a:rPr lang="en" sz="3467" dirty="0">
+                <a:solidFill>
+                  <a:srgbClr val="595959"/>
+                </a:solidFill>
+              </a:rPr>
+              <a:t>?</a:t>
+            </a:r>
+            <a:endParaRPr sz="3467" dirty="0">
+              <a:solidFill>
+                <a:srgbClr val="595959"/>
+              </a:solidFill>
+            </a:endParaRPr>
+          </a:p>
+        </p:txBody>
+      </p:sp>
+      <p:sp>
+        <p:nvSpPr>
+          <p:cNvPr id="206" name="Google Shape;206;p38"/>
+          <p:cNvSpPr txBox="1"/>
+          <p:nvPr/>
+        </p:nvSpPr>
+        <p:spPr>
+          <a:xfrm>
+            <a:off x="248120" y="1463207"/>
+            <a:ext cx="3008400" cy="796000"/>
+          </a:xfrm>
+          <a:prstGeom prst="rect">
+            <a:avLst/>
+          </a:prstGeom>
+          <a:noFill/>
+          <a:ln>
+            <a:noFill/>
+          </a:ln>
+        </p:spPr>
+        <p:txBody>
+          <a:bodyPr spcFirstLastPara="1" wrap="square" lIns="121900" tIns="121900" rIns="121900" bIns="121900" anchor="t" anchorCtr="0">
+            <a:noAutofit/>
+          </a:bodyPr>
+          <a:lstStyle/>
+          <a:p>
+            <a:pPr>
+              <a:buSzPts val="1400"/>
+            </a:pPr>
+            <a:r>
+              <a:rPr lang="en" sz="1867">
+                <a:solidFill>
+                  <a:srgbClr val="FF0000"/>
+                </a:solidFill>
+              </a:rPr>
+              <a:t>When and How often is the recommendation / decision being made?</a:t>
+            </a:r>
+            <a:endParaRPr sz="1867">
+              <a:solidFill>
+                <a:srgbClr val="FF0000"/>
+              </a:solidFill>
+            </a:endParaRPr>
+          </a:p>
+        </p:txBody>
+      </p:sp>
+      <p:sp>
+        <p:nvSpPr>
+          <p:cNvPr id="207" name="Google Shape;207;p38"/>
+          <p:cNvSpPr txBox="1"/>
+          <p:nvPr/>
+        </p:nvSpPr>
+        <p:spPr>
+          <a:xfrm>
+            <a:off x="253253" y="2632740"/>
+            <a:ext cx="3008400" cy="796000"/>
+          </a:xfrm>
+          <a:prstGeom prst="rect">
+            <a:avLst/>
+          </a:prstGeom>
+          <a:noFill/>
+          <a:ln>
+            <a:noFill/>
+          </a:ln>
+        </p:spPr>
+        <p:txBody>
+          <a:bodyPr spcFirstLastPara="1" wrap="square" lIns="121900" tIns="121900" rIns="121900" bIns="121900" anchor="t" anchorCtr="0">
+            <a:noAutofit/>
+          </a:bodyPr>
+          <a:lstStyle/>
+          <a:p>
+            <a:pPr>
+              <a:buSzPts val="1400"/>
+            </a:pPr>
+            <a:br>
+              <a:rPr lang="en" sz="1867">
+                <a:solidFill>
+                  <a:srgbClr val="0000FF"/>
+                </a:solidFill>
+              </a:rPr>
+            </a:br>
+            <a:r>
+              <a:rPr lang="en" sz="1867">
+                <a:solidFill>
+                  <a:srgbClr val="0000FF"/>
+                </a:solidFill>
+              </a:rPr>
+              <a:t>Who/what is included in the cohort?</a:t>
+            </a:r>
+            <a:endParaRPr sz="1867">
+              <a:solidFill>
+                <a:srgbClr val="0000FF"/>
+              </a:solidFill>
+            </a:endParaRPr>
+          </a:p>
+        </p:txBody>
+      </p:sp>
+      <p:sp>
+        <p:nvSpPr>
+          <p:cNvPr id="208" name="Google Shape;208;p38"/>
+          <p:cNvSpPr txBox="1"/>
+          <p:nvPr/>
+        </p:nvSpPr>
+        <p:spPr>
+          <a:xfrm>
+            <a:off x="253253" y="3497473"/>
+            <a:ext cx="3008400" cy="796000"/>
+          </a:xfrm>
+          <a:prstGeom prst="rect">
+            <a:avLst/>
+          </a:prstGeom>
+          <a:noFill/>
+          <a:ln>
+            <a:noFill/>
+          </a:ln>
+        </p:spPr>
+        <p:txBody>
+          <a:bodyPr spcFirstLastPara="1" wrap="square" lIns="121900" tIns="121900" rIns="121900" bIns="121900" anchor="t" anchorCtr="0">
+            <a:noAutofit/>
+          </a:bodyPr>
+          <a:lstStyle/>
+          <a:p>
+            <a:pPr>
+              <a:buSzPts val="1400"/>
+            </a:pPr>
+            <a:br>
+              <a:rPr lang="en" sz="1867">
+                <a:solidFill>
+                  <a:srgbClr val="FF00FF"/>
+                </a:solidFill>
+              </a:rPr>
+            </a:br>
+            <a:r>
+              <a:rPr lang="en" sz="1867">
+                <a:solidFill>
+                  <a:srgbClr val="FF00FF"/>
+                </a:solidFill>
+              </a:rPr>
+              <a:t>What is the output?</a:t>
+            </a:r>
+            <a:endParaRPr sz="1867">
+              <a:solidFill>
+                <a:srgbClr val="FF00FF"/>
+              </a:solidFill>
+            </a:endParaRPr>
+          </a:p>
+        </p:txBody>
+      </p:sp>
+      <p:sp>
+        <p:nvSpPr>
+          <p:cNvPr id="209" name="Google Shape;209;p38"/>
+          <p:cNvSpPr txBox="1"/>
+          <p:nvPr/>
+        </p:nvSpPr>
+        <p:spPr>
+          <a:xfrm>
+            <a:off x="248120" y="4191873"/>
+            <a:ext cx="3008400" cy="1475600"/>
+          </a:xfrm>
+          <a:prstGeom prst="rect">
+            <a:avLst/>
+          </a:prstGeom>
+          <a:noFill/>
+          <a:ln>
+            <a:noFill/>
+          </a:ln>
+        </p:spPr>
+        <p:txBody>
+          <a:bodyPr spcFirstLastPara="1" wrap="square" lIns="121900" tIns="121900" rIns="121900" bIns="121900" anchor="t" anchorCtr="0">
+            <a:noAutofit/>
+          </a:bodyPr>
+          <a:lstStyle/>
+          <a:p>
+            <a:pPr>
+              <a:buSzPts val="1400"/>
+            </a:pPr>
+            <a:r>
+              <a:rPr lang="en" sz="1867">
+                <a:solidFill>
+                  <a:srgbClr val="274E13"/>
+                </a:solidFill>
+              </a:rPr>
+              <a:t>What outcome are you predicting/estimating?</a:t>
+            </a:r>
+            <a:endParaRPr sz="1867">
+              <a:solidFill>
+                <a:srgbClr val="274E13"/>
+              </a:solidFill>
+            </a:endParaRPr>
+          </a:p>
+          <a:p>
+            <a:pPr>
+              <a:buSzPts val="1400"/>
+            </a:pPr>
+            <a:endParaRPr sz="1867">
+              <a:solidFill>
+                <a:srgbClr val="274E13"/>
+              </a:solidFill>
+            </a:endParaRPr>
+          </a:p>
+          <a:p>
+            <a:pPr>
+              <a:buSzPts val="1400"/>
+            </a:pPr>
+            <a:r>
+              <a:rPr lang="en" sz="1867">
+                <a:solidFill>
+                  <a:srgbClr val="B45F06"/>
+                </a:solidFill>
+              </a:rPr>
+              <a:t>For what purpose?</a:t>
+            </a:r>
+            <a:endParaRPr sz="1867">
+              <a:solidFill>
+                <a:srgbClr val="274E13"/>
+              </a:solidFill>
+            </a:endParaRPr>
+          </a:p>
+        </p:txBody>
+      </p:sp>
+    </p:spTree>
+  </p:cSld>
+  <p:clrMapOvr>
+    <a:masterClrMapping/>
+  </p:clrMapOvr>
+</p:sld>
+</file>
+
+<file path=ppt/slides/slide2.xml><?xml version="1.0" encoding="utf-8"?>
 <p:sld xmlns:a="http://schemas.openxmlformats.org/drawingml/2006/main" xmlns:r="http://schemas.openxmlformats.org/officeDocument/2006/relationships" xmlns:p="http://schemas.openxmlformats.org/presentationml/2006/main">
   <p:cSld>
     <p:spTree>
@@ -6344,10 +8103,150 @@
       </p:grpSpPr>
       <p:sp>
         <p:nvSpPr>
+          <p:cNvPr id="2" name="Content Placeholder 1"/>
+          <p:cNvSpPr>
+            <a:spLocks noGrp="1"/>
+          </p:cNvSpPr>
+          <p:nvPr>
+            <p:ph type="body" idx="1"/>
+          </p:nvPr>
+        </p:nvSpPr>
+        <p:spPr/>
+        <p:txBody>
+          <a:bodyPr/>
+          <a:lstStyle/>
+          <a:p>
+            <a:r>
+              <a:rPr lang="en-US" dirty="0"/>
+              <a:t>Coming up next week:</a:t>
+            </a:r>
+          </a:p>
+          <a:p>
+            <a:pPr lvl="1"/>
+            <a:r>
+              <a:rPr lang="en-US" dirty="0"/>
+              <a:t>Weekly review (before class on Tuesday)</a:t>
+            </a:r>
+          </a:p>
+          <a:p>
+            <a:pPr lvl="1"/>
+            <a:r>
+              <a:rPr lang="en-US" dirty="0"/>
+              <a:t>Review slides on </a:t>
+            </a:r>
+            <a:r>
+              <a:rPr lang="en-US" dirty="0" err="1"/>
+              <a:t>github</a:t>
+            </a:r>
+            <a:r>
+              <a:rPr lang="en-US" dirty="0"/>
+              <a:t> for ML Pipelines (for Tuesday)</a:t>
+            </a:r>
+            <a:br>
+              <a:rPr lang="en-US" dirty="0"/>
+            </a:br>
+            <a:endParaRPr lang="en-US" dirty="0"/>
+          </a:p>
+          <a:p>
+            <a:r>
+              <a:rPr lang="en-US" dirty="0"/>
+              <a:t>Group </a:t>
+            </a:r>
+            <a:r>
+              <a:rPr lang="en-US" b="1" dirty="0">
+                <a:solidFill>
+                  <a:srgbClr val="C00000"/>
+                </a:solidFill>
+              </a:rPr>
+              <a:t>project proposal</a:t>
+            </a:r>
+            <a:r>
+              <a:rPr lang="en-US" dirty="0"/>
+              <a:t> due next Friday</a:t>
+            </a:r>
+          </a:p>
+          <a:p>
+            <a:pPr lvl="1"/>
+            <a:r>
+              <a:rPr lang="en-US" dirty="0"/>
+              <a:t>Time for group work on Thursday</a:t>
+            </a:r>
+          </a:p>
+          <a:p>
+            <a:pPr marL="114300" indent="0">
+              <a:buNone/>
+            </a:pPr>
+            <a:endParaRPr lang="en-US" dirty="0"/>
+          </a:p>
+        </p:txBody>
+      </p:sp>
+      <p:sp>
+        <p:nvSpPr>
+          <p:cNvPr id="3" name="Title 2"/>
+          <p:cNvSpPr>
+            <a:spLocks noGrp="1"/>
+          </p:cNvSpPr>
+          <p:nvPr>
+            <p:ph type="title"/>
+          </p:nvPr>
+        </p:nvSpPr>
+        <p:spPr>
+          <a:xfrm>
+            <a:off x="0" y="325028"/>
+            <a:ext cx="12192000" cy="1143000"/>
+          </a:xfrm>
+        </p:spPr>
+        <p:txBody>
+          <a:bodyPr/>
+          <a:lstStyle/>
+          <a:p>
+            <a:r>
+              <a:rPr lang="en-US" dirty="0">
+                <a:solidFill>
+                  <a:schemeClr val="bg1"/>
+                </a:solidFill>
+              </a:rPr>
+              <a:t>Things to remember</a:t>
+            </a:r>
+          </a:p>
+        </p:txBody>
+      </p:sp>
+    </p:spTree>
+    <p:extLst>
+      <p:ext uri="{BB962C8B-B14F-4D97-AF65-F5344CB8AC3E}">
+        <p14:creationId xmlns:p14="http://schemas.microsoft.com/office/powerpoint/2010/main" val="3930579869"/>
+      </p:ext>
+    </p:extLst>
+  </p:cSld>
+  <p:clrMapOvr>
+    <a:masterClrMapping/>
+  </p:clrMapOvr>
+</p:sld>
+</file>
+
+<file path=ppt/slides/slide20.xml><?xml version="1.0" encoding="utf-8"?>
+<p:sld xmlns:a="http://schemas.openxmlformats.org/drawingml/2006/main" xmlns:r="http://schemas.openxmlformats.org/officeDocument/2006/relationships" xmlns:p="http://schemas.openxmlformats.org/presentationml/2006/main">
+  <p:cSld>
+    <p:spTree>
+      <p:nvGrpSpPr>
+        <p:cNvPr id="1" name="Shape 232"/>
+        <p:cNvGrpSpPr/>
+        <p:nvPr/>
+      </p:nvGrpSpPr>
+      <p:grpSpPr>
+        <a:xfrm>
+          <a:off x="0" y="0"/>
+          <a:ext cx="0" cy="0"/>
+          <a:chOff x="0" y="0"/>
+          <a:chExt cx="0" cy="0"/>
+        </a:xfrm>
+      </p:grpSpPr>
+      <p:sp>
+        <p:nvSpPr>
           <p:cNvPr id="2" name="Text Placeholder 1">
             <a:extLst>
               <a:ext uri="{FF2B5EF4-FFF2-40B4-BE49-F238E27FC236}">
-                <a16:creationId xmlns:a16="http://schemas.microsoft.com/office/drawing/2014/main" id="{853D6B69-44D2-D449-B9CE-63D5E2BFE8A0}"/>
+                <a16:creationId xmlns:a16="http://schemas.microsoft.com/office/drawing/2014/main" id="{32D41A7C-7A01-06C2-224D-BE64B19B9E95}"/>
               </a:ext>
             </a:extLst>
           </p:cNvPr>
@@ -6358,26 +8257,470 @@
             <p:ph type="body" idx="1"/>
           </p:nvPr>
         </p:nvSpPr>
+        <p:spPr/>
+        <p:txBody>
+          <a:bodyPr/>
+          <a:lstStyle/>
+          <a:p>
+            <a:endParaRPr lang="en-US"/>
+          </a:p>
+        </p:txBody>
+      </p:sp>
+      <p:sp>
+        <p:nvSpPr>
+          <p:cNvPr id="233" name="Google Shape;233;p42"/>
+          <p:cNvSpPr txBox="1">
+            <a:spLocks noGrp="1"/>
+          </p:cNvSpPr>
+          <p:nvPr>
+            <p:ph type="title"/>
+          </p:nvPr>
+        </p:nvSpPr>
+        <p:spPr>
+          <a:prstGeom prst="rect">
+            <a:avLst/>
+          </a:prstGeom>
+        </p:spPr>
+        <p:txBody>
+          <a:bodyPr spcFirstLastPara="1" wrap="square" lIns="121900" tIns="121900" rIns="121900" bIns="121900" anchor="t" anchorCtr="0">
+            <a:normAutofit fontScale="90000"/>
+          </a:bodyPr>
+          <a:lstStyle/>
+          <a:p>
+            <a:r>
+              <a:rPr lang="en"/>
+              <a:t>Analytical Formulation</a:t>
+            </a:r>
+            <a:endParaRPr/>
+          </a:p>
+        </p:txBody>
+      </p:sp>
+      <p:sp>
+        <p:nvSpPr>
+          <p:cNvPr id="234" name="Google Shape;234;p42"/>
+          <p:cNvSpPr/>
+          <p:nvPr/>
+        </p:nvSpPr>
         <p:spPr>
           <a:xfrm>
-            <a:off x="268210" y="1600078"/>
-            <a:ext cx="11666400" cy="4954500"/>
+            <a:off x="190320" y="1463207"/>
+            <a:ext cx="3124000" cy="4204400"/>
           </a:xfrm>
+          <a:prstGeom prst="rect">
+            <a:avLst/>
+          </a:prstGeom>
+          <a:solidFill>
+            <a:srgbClr val="EEEEEE"/>
+          </a:solidFill>
+          <a:ln w="9525" cap="flat" cmpd="sng">
+            <a:solidFill>
+              <a:srgbClr val="595959"/>
+            </a:solidFill>
+            <a:prstDash val="solid"/>
+            <a:round/>
+            <a:headEnd type="none" w="sm" len="sm"/>
+            <a:tailEnd type="none" w="sm" len="sm"/>
+          </a:ln>
         </p:spPr>
         <p:txBody>
-          <a:bodyPr/>
-          <a:lstStyle/>
-          <a:p>
-            <a:endParaRPr lang="en-US"/>
-          </a:p>
-        </p:txBody>
-      </p:sp>
-      <p:sp>
-        <p:nvSpPr>
-          <p:cNvPr id="3" name="Title 2">
+          <a:bodyPr spcFirstLastPara="1" wrap="square" lIns="121900" tIns="121900" rIns="121900" bIns="121900" anchor="ctr" anchorCtr="0">
+            <a:noAutofit/>
+          </a:bodyPr>
+          <a:lstStyle/>
+          <a:p>
+            <a:pPr>
+              <a:buSzPts val="1400"/>
+            </a:pPr>
+            <a:endParaRPr sz="1867"/>
+          </a:p>
+        </p:txBody>
+      </p:sp>
+      <p:sp>
+        <p:nvSpPr>
+          <p:cNvPr id="235" name="Google Shape;235;p42"/>
+          <p:cNvSpPr txBox="1"/>
+          <p:nvPr/>
+        </p:nvSpPr>
+        <p:spPr>
+          <a:xfrm>
+            <a:off x="3566453" y="1341573"/>
+            <a:ext cx="8531200" cy="4555200"/>
+          </a:xfrm>
+          <a:prstGeom prst="rect">
+            <a:avLst/>
+          </a:prstGeom>
+          <a:noFill/>
+          <a:ln>
+            <a:noFill/>
+          </a:ln>
+        </p:spPr>
+        <p:txBody>
+          <a:bodyPr spcFirstLastPara="1" wrap="square" lIns="121900" tIns="121900" rIns="121900" bIns="121900" anchor="t" anchorCtr="0">
+            <a:noAutofit/>
+          </a:bodyPr>
+          <a:lstStyle/>
+          <a:p>
+            <a:pPr>
+              <a:buClr>
+                <a:schemeClr val="dk1"/>
+              </a:buClr>
+              <a:buSzPts val="1100"/>
+            </a:pPr>
+            <a:r>
+              <a:rPr lang="en" sz="3467" dirty="0">
+                <a:solidFill>
+                  <a:srgbClr val="FF0000"/>
+                </a:solidFill>
+              </a:rPr>
+              <a:t>Every day</a:t>
+            </a:r>
+            <a:r>
+              <a:rPr lang="en" sz="3467" dirty="0">
+                <a:solidFill>
+                  <a:schemeClr val="dk1"/>
+                </a:solidFill>
+              </a:rPr>
+              <a:t>, for</a:t>
+            </a:r>
+            <a:r>
+              <a:rPr lang="en" sz="3467" dirty="0">
+                <a:solidFill>
+                  <a:srgbClr val="0000FF"/>
+                </a:solidFill>
+              </a:rPr>
+              <a:t> all first time defendants with </a:t>
+            </a:r>
+            <a:r>
+              <a:rPr lang="en" sz="3467" dirty="0">
+                <a:solidFill>
+                  <a:srgbClr val="0000FF"/>
+                </a:solidFill>
+                <a:highlight>
+                  <a:srgbClr val="FFFFFF"/>
+                </a:highlight>
+              </a:rPr>
+              <a:t>low-level, nonviolent ordinance violation cases</a:t>
+            </a:r>
+            <a:r>
+              <a:rPr lang="en" sz="3467" dirty="0">
+                <a:solidFill>
+                  <a:schemeClr val="dk1"/>
+                </a:solidFill>
+              </a:rPr>
+              <a:t>, can we identify the </a:t>
+            </a:r>
+            <a:r>
+              <a:rPr lang="en" sz="3467" dirty="0">
+                <a:solidFill>
+                  <a:srgbClr val="FF00FF"/>
+                </a:solidFill>
+              </a:rPr>
+              <a:t>top 5% of people at highest risk </a:t>
+            </a:r>
+            <a:r>
+              <a:rPr lang="en" sz="3467" dirty="0">
+                <a:solidFill>
+                  <a:schemeClr val="dk1"/>
+                </a:solidFill>
+              </a:rPr>
+              <a:t>of</a:t>
+            </a:r>
+            <a:r>
+              <a:rPr lang="en" sz="3467" dirty="0">
+                <a:solidFill>
+                  <a:srgbClr val="38761D"/>
+                </a:solidFill>
+              </a:rPr>
+              <a:t> not completing their probation terms</a:t>
+            </a:r>
+            <a:r>
+              <a:rPr lang="en" sz="3467" dirty="0">
+                <a:solidFill>
+                  <a:srgbClr val="FF00FF"/>
+                </a:solidFill>
+              </a:rPr>
+              <a:t> </a:t>
+            </a:r>
+            <a:r>
+              <a:rPr lang="en" sz="3467" dirty="0">
+                <a:solidFill>
+                  <a:srgbClr val="B45F06"/>
+                </a:solidFill>
+              </a:rPr>
+              <a:t>to restructure their terms in order to support better outcomes and prevent new cases.</a:t>
+            </a:r>
+            <a:endParaRPr sz="3467" dirty="0">
+              <a:solidFill>
+                <a:srgbClr val="B45F06"/>
+              </a:solidFill>
+            </a:endParaRPr>
+          </a:p>
+          <a:p>
+            <a:pPr>
+              <a:lnSpc>
+                <a:spcPct val="115000"/>
+              </a:lnSpc>
+              <a:spcAft>
+                <a:spcPts val="2133"/>
+              </a:spcAft>
+            </a:pPr>
+            <a:endParaRPr sz="3467" dirty="0">
+              <a:solidFill>
+                <a:srgbClr val="595959"/>
+              </a:solidFill>
+            </a:endParaRPr>
+          </a:p>
+        </p:txBody>
+      </p:sp>
+      <p:sp>
+        <p:nvSpPr>
+          <p:cNvPr id="236" name="Google Shape;236;p42"/>
+          <p:cNvSpPr txBox="1"/>
+          <p:nvPr/>
+        </p:nvSpPr>
+        <p:spPr>
+          <a:xfrm>
+            <a:off x="248120" y="1463207"/>
+            <a:ext cx="3008400" cy="796000"/>
+          </a:xfrm>
+          <a:prstGeom prst="rect">
+            <a:avLst/>
+          </a:prstGeom>
+          <a:noFill/>
+          <a:ln>
+            <a:noFill/>
+          </a:ln>
+        </p:spPr>
+        <p:txBody>
+          <a:bodyPr spcFirstLastPara="1" wrap="square" lIns="121900" tIns="121900" rIns="121900" bIns="121900" anchor="t" anchorCtr="0">
+            <a:noAutofit/>
+          </a:bodyPr>
+          <a:lstStyle/>
+          <a:p>
+            <a:pPr>
+              <a:buSzPts val="1400"/>
+            </a:pPr>
+            <a:r>
+              <a:rPr lang="en" sz="1867">
+                <a:solidFill>
+                  <a:srgbClr val="FF0000"/>
+                </a:solidFill>
+              </a:rPr>
+              <a:t>When and How often is the recommendation / decision being made?</a:t>
+            </a:r>
+            <a:endParaRPr sz="1867">
+              <a:solidFill>
+                <a:srgbClr val="FF0000"/>
+              </a:solidFill>
+            </a:endParaRPr>
+          </a:p>
+        </p:txBody>
+      </p:sp>
+      <p:sp>
+        <p:nvSpPr>
+          <p:cNvPr id="237" name="Google Shape;237;p42"/>
+          <p:cNvSpPr txBox="1"/>
+          <p:nvPr/>
+        </p:nvSpPr>
+        <p:spPr>
+          <a:xfrm>
+            <a:off x="253253" y="2632740"/>
+            <a:ext cx="3008400" cy="796000"/>
+          </a:xfrm>
+          <a:prstGeom prst="rect">
+            <a:avLst/>
+          </a:prstGeom>
+          <a:noFill/>
+          <a:ln>
+            <a:noFill/>
+          </a:ln>
+        </p:spPr>
+        <p:txBody>
+          <a:bodyPr spcFirstLastPara="1" wrap="square" lIns="121900" tIns="121900" rIns="121900" bIns="121900" anchor="t" anchorCtr="0">
+            <a:noAutofit/>
+          </a:bodyPr>
+          <a:lstStyle/>
+          <a:p>
+            <a:pPr>
+              <a:buSzPts val="1400"/>
+            </a:pPr>
+            <a:br>
+              <a:rPr lang="en" sz="1867">
+                <a:solidFill>
+                  <a:srgbClr val="0000FF"/>
+                </a:solidFill>
+              </a:rPr>
+            </a:br>
+            <a:r>
+              <a:rPr lang="en" sz="1867">
+                <a:solidFill>
+                  <a:srgbClr val="0000FF"/>
+                </a:solidFill>
+              </a:rPr>
+              <a:t>Who/what is included in the cohort?</a:t>
+            </a:r>
+            <a:endParaRPr sz="1867">
+              <a:solidFill>
+                <a:srgbClr val="0000FF"/>
+              </a:solidFill>
+            </a:endParaRPr>
+          </a:p>
+        </p:txBody>
+      </p:sp>
+      <p:sp>
+        <p:nvSpPr>
+          <p:cNvPr id="238" name="Google Shape;238;p42"/>
+          <p:cNvSpPr txBox="1"/>
+          <p:nvPr/>
+        </p:nvSpPr>
+        <p:spPr>
+          <a:xfrm>
+            <a:off x="253253" y="3497473"/>
+            <a:ext cx="3008400" cy="796000"/>
+          </a:xfrm>
+          <a:prstGeom prst="rect">
+            <a:avLst/>
+          </a:prstGeom>
+          <a:noFill/>
+          <a:ln>
+            <a:noFill/>
+          </a:ln>
+        </p:spPr>
+        <p:txBody>
+          <a:bodyPr spcFirstLastPara="1" wrap="square" lIns="121900" tIns="121900" rIns="121900" bIns="121900" anchor="t" anchorCtr="0">
+            <a:noAutofit/>
+          </a:bodyPr>
+          <a:lstStyle/>
+          <a:p>
+            <a:pPr>
+              <a:buSzPts val="1400"/>
+            </a:pPr>
+            <a:br>
+              <a:rPr lang="en" sz="1867">
+                <a:solidFill>
+                  <a:srgbClr val="FF00FF"/>
+                </a:solidFill>
+              </a:rPr>
+            </a:br>
+            <a:r>
+              <a:rPr lang="en" sz="1867">
+                <a:solidFill>
+                  <a:srgbClr val="FF00FF"/>
+                </a:solidFill>
+              </a:rPr>
+              <a:t>What is the output?</a:t>
+            </a:r>
+            <a:endParaRPr sz="1867">
+              <a:solidFill>
+                <a:srgbClr val="FF00FF"/>
+              </a:solidFill>
+            </a:endParaRPr>
+          </a:p>
+        </p:txBody>
+      </p:sp>
+      <p:sp>
+        <p:nvSpPr>
+          <p:cNvPr id="239" name="Google Shape;239;p42"/>
+          <p:cNvSpPr txBox="1"/>
+          <p:nvPr/>
+        </p:nvSpPr>
+        <p:spPr>
+          <a:xfrm>
+            <a:off x="248120" y="4191873"/>
+            <a:ext cx="3008400" cy="1475600"/>
+          </a:xfrm>
+          <a:prstGeom prst="rect">
+            <a:avLst/>
+          </a:prstGeom>
+          <a:noFill/>
+          <a:ln>
+            <a:noFill/>
+          </a:ln>
+        </p:spPr>
+        <p:txBody>
+          <a:bodyPr spcFirstLastPara="1" wrap="square" lIns="121900" tIns="121900" rIns="121900" bIns="121900" anchor="t" anchorCtr="0">
+            <a:noAutofit/>
+          </a:bodyPr>
+          <a:lstStyle/>
+          <a:p>
+            <a:pPr>
+              <a:buSzPts val="1400"/>
+            </a:pPr>
+            <a:r>
+              <a:rPr lang="en" sz="1867">
+                <a:solidFill>
+                  <a:srgbClr val="274E13"/>
+                </a:solidFill>
+              </a:rPr>
+              <a:t>What outcome are you predicting/estimating?</a:t>
+            </a:r>
+            <a:endParaRPr sz="1867">
+              <a:solidFill>
+                <a:srgbClr val="274E13"/>
+              </a:solidFill>
+            </a:endParaRPr>
+          </a:p>
+          <a:p>
+            <a:pPr>
+              <a:buSzPts val="1400"/>
+            </a:pPr>
+            <a:endParaRPr sz="1867">
+              <a:solidFill>
+                <a:srgbClr val="274E13"/>
+              </a:solidFill>
+            </a:endParaRPr>
+          </a:p>
+          <a:p>
+            <a:pPr>
+              <a:buSzPts val="1400"/>
+            </a:pPr>
+            <a:r>
+              <a:rPr lang="en" sz="1867">
+                <a:solidFill>
+                  <a:srgbClr val="B45F06"/>
+                </a:solidFill>
+              </a:rPr>
+              <a:t>For what purpose?</a:t>
+            </a:r>
+            <a:endParaRPr sz="1867">
+              <a:solidFill>
+                <a:srgbClr val="274E13"/>
+              </a:solidFill>
+            </a:endParaRPr>
+          </a:p>
+        </p:txBody>
+      </p:sp>
+    </p:spTree>
+  </p:cSld>
+  <p:clrMapOvr>
+    <a:masterClrMapping/>
+  </p:clrMapOvr>
+</p:sld>
+</file>
+
+<file path=ppt/slides/slide21.xml><?xml version="1.0" encoding="utf-8"?>
+<p:sld xmlns:a="http://schemas.openxmlformats.org/drawingml/2006/main" xmlns:r="http://schemas.openxmlformats.org/officeDocument/2006/relationships" xmlns:p="http://schemas.openxmlformats.org/presentationml/2006/main">
+  <p:cSld>
+    <p:spTree>
+      <p:nvGrpSpPr>
+        <p:cNvPr id="1" name="Shape 262"/>
+        <p:cNvGrpSpPr/>
+        <p:nvPr/>
+      </p:nvGrpSpPr>
+      <p:grpSpPr>
+        <a:xfrm>
+          <a:off x="0" y="0"/>
+          <a:ext cx="0" cy="0"/>
+          <a:chOff x="0" y="0"/>
+          <a:chExt cx="0" cy="0"/>
+        </a:xfrm>
+      </p:grpSpPr>
+      <p:sp>
+        <p:nvSpPr>
+          <p:cNvPr id="2" name="Text Placeholder 1">
             <a:extLst>
               <a:ext uri="{FF2B5EF4-FFF2-40B4-BE49-F238E27FC236}">
-                <a16:creationId xmlns:a16="http://schemas.microsoft.com/office/drawing/2014/main" id="{D3765B02-360A-1F41-913A-E71E561203CC}"/>
+                <a16:creationId xmlns:a16="http://schemas.microsoft.com/office/drawing/2014/main" id="{BB1BBD25-1C37-5157-CF0F-11E6D2EA892C}"/>
               </a:ext>
             </a:extLst>
           </p:cNvPr>
@@ -6385,25 +8728,880 @@
             <a:spLocks noGrp="1"/>
           </p:cNvSpPr>
           <p:nvPr>
+            <p:ph type="body" idx="1"/>
+          </p:nvPr>
+        </p:nvSpPr>
+        <p:spPr/>
+        <p:txBody>
+          <a:bodyPr/>
+          <a:lstStyle/>
+          <a:p>
+            <a:endParaRPr lang="en-US"/>
+          </a:p>
+        </p:txBody>
+      </p:sp>
+      <p:sp>
+        <p:nvSpPr>
+          <p:cNvPr id="263" name="Google Shape;263;p46"/>
+          <p:cNvSpPr txBox="1">
+            <a:spLocks noGrp="1"/>
+          </p:cNvSpPr>
+          <p:nvPr>
             <p:ph type="title"/>
           </p:nvPr>
         </p:nvSpPr>
+        <p:spPr>
+          <a:prstGeom prst="rect">
+            <a:avLst/>
+          </a:prstGeom>
+        </p:spPr>
+        <p:txBody>
+          <a:bodyPr spcFirstLastPara="1" wrap="square" lIns="121900" tIns="121900" rIns="121900" bIns="121900" anchor="t" anchorCtr="0">
+            <a:normAutofit fontScale="90000"/>
+          </a:bodyPr>
+          <a:lstStyle/>
+          <a:p>
+            <a:r>
+              <a:rPr lang="en"/>
+              <a:t>Analytical Formulation</a:t>
+            </a:r>
+            <a:endParaRPr/>
+          </a:p>
+        </p:txBody>
+      </p:sp>
+      <p:sp>
+        <p:nvSpPr>
+          <p:cNvPr id="265" name="Google Shape;265;p46"/>
+          <p:cNvSpPr txBox="1"/>
+          <p:nvPr/>
+        </p:nvSpPr>
+        <p:spPr>
+          <a:xfrm>
+            <a:off x="3629033" y="1463200"/>
+            <a:ext cx="8147200" cy="4588395"/>
+          </a:xfrm>
+          <a:prstGeom prst="rect">
+            <a:avLst/>
+          </a:prstGeom>
+          <a:noFill/>
+          <a:ln>
+            <a:noFill/>
+          </a:ln>
+        </p:spPr>
+        <p:txBody>
+          <a:bodyPr spcFirstLastPara="1" wrap="square" lIns="121900" tIns="121900" rIns="121900" bIns="121900" anchor="t" anchorCtr="0">
+            <a:spAutoFit/>
+          </a:bodyPr>
+          <a:lstStyle/>
+          <a:p>
+            <a:pPr>
+              <a:lnSpc>
+                <a:spcPct val="115000"/>
+              </a:lnSpc>
+            </a:pPr>
+            <a:r>
+              <a:rPr lang="en" sz="3067" dirty="0">
+                <a:solidFill>
+                  <a:srgbClr val="FF0000"/>
+                </a:solidFill>
+                <a:latin typeface="Calibri"/>
+                <a:ea typeface="Calibri"/>
+                <a:cs typeface="Calibri"/>
+                <a:sym typeface="Calibri"/>
+              </a:rPr>
+              <a:t>Every time ACDHS gets eviction filing data (weekly),</a:t>
+            </a:r>
+            <a:r>
+              <a:rPr lang="en" sz="3067" dirty="0">
+                <a:solidFill>
+                  <a:srgbClr val="0000FF"/>
+                </a:solidFill>
+                <a:latin typeface="Calibri"/>
+                <a:ea typeface="Calibri"/>
+                <a:cs typeface="Calibri"/>
+                <a:sym typeface="Calibri"/>
+              </a:rPr>
+              <a:t> for all individuals who have interacted with ACDHS in the 12 months who are not currently homeless and have had an eviction filing in the last 4 months</a:t>
+            </a:r>
+            <a:r>
+              <a:rPr lang="en" sz="3067" dirty="0">
+                <a:latin typeface="Calibri"/>
+                <a:ea typeface="Calibri"/>
+                <a:cs typeface="Calibri"/>
+                <a:sym typeface="Calibri"/>
+              </a:rPr>
+              <a:t>, can we identify the </a:t>
+            </a:r>
+            <a:r>
+              <a:rPr lang="en" sz="3067" dirty="0">
+                <a:solidFill>
+                  <a:srgbClr val="FF00FF"/>
+                </a:solidFill>
+                <a:latin typeface="Calibri"/>
+                <a:ea typeface="Calibri"/>
+                <a:cs typeface="Calibri"/>
+                <a:sym typeface="Calibri"/>
+              </a:rPr>
+              <a:t>50 individuals at highest risk</a:t>
+            </a:r>
+            <a:r>
+              <a:rPr lang="en" sz="3067" dirty="0">
+                <a:latin typeface="Calibri"/>
+                <a:ea typeface="Calibri"/>
+                <a:cs typeface="Calibri"/>
+                <a:sym typeface="Calibri"/>
+              </a:rPr>
+              <a:t> </a:t>
+            </a:r>
+            <a:r>
+              <a:rPr lang="en" sz="3067" dirty="0">
+                <a:solidFill>
+                  <a:srgbClr val="38761D"/>
+                </a:solidFill>
+                <a:latin typeface="Calibri"/>
+                <a:ea typeface="Calibri"/>
+                <a:cs typeface="Calibri"/>
+                <a:sym typeface="Calibri"/>
+              </a:rPr>
+              <a:t>of entering into homelessness in the next 12 months </a:t>
+            </a:r>
+            <a:r>
+              <a:rPr lang="en" sz="3067" dirty="0">
+                <a:solidFill>
+                  <a:srgbClr val="B45F06"/>
+                </a:solidFill>
+                <a:latin typeface="Calibri"/>
+                <a:ea typeface="Calibri"/>
+                <a:cs typeface="Calibri"/>
+                <a:sym typeface="Calibri"/>
+              </a:rPr>
+              <a:t>to prioritize for distribution of rental assistance?</a:t>
+            </a:r>
+            <a:endParaRPr sz="3467" dirty="0">
+              <a:solidFill>
+                <a:srgbClr val="B45F06"/>
+              </a:solidFill>
+              <a:latin typeface="Calibri"/>
+              <a:ea typeface="Calibri"/>
+              <a:cs typeface="Calibri"/>
+              <a:sym typeface="Calibri"/>
+            </a:endParaRPr>
+          </a:p>
+        </p:txBody>
+      </p:sp>
+      <p:sp>
+        <p:nvSpPr>
+          <p:cNvPr id="266" name="Google Shape;266;p46"/>
+          <p:cNvSpPr/>
+          <p:nvPr/>
+        </p:nvSpPr>
+        <p:spPr>
+          <a:xfrm>
+            <a:off x="190320" y="1463207"/>
+            <a:ext cx="3124000" cy="4204400"/>
+          </a:xfrm>
+          <a:prstGeom prst="rect">
+            <a:avLst/>
+          </a:prstGeom>
+          <a:solidFill>
+            <a:srgbClr val="EEEEEE"/>
+          </a:solidFill>
+          <a:ln w="9525" cap="flat" cmpd="sng">
+            <a:solidFill>
+              <a:srgbClr val="595959"/>
+            </a:solidFill>
+            <a:prstDash val="solid"/>
+            <a:round/>
+            <a:headEnd type="none" w="sm" len="sm"/>
+            <a:tailEnd type="none" w="sm" len="sm"/>
+          </a:ln>
+        </p:spPr>
+        <p:txBody>
+          <a:bodyPr spcFirstLastPara="1" wrap="square" lIns="121900" tIns="121900" rIns="121900" bIns="121900" anchor="ctr" anchorCtr="0">
+            <a:noAutofit/>
+          </a:bodyPr>
+          <a:lstStyle/>
+          <a:p>
+            <a:pPr>
+              <a:buSzPts val="1400"/>
+            </a:pPr>
+            <a:endParaRPr sz="1867"/>
+          </a:p>
+        </p:txBody>
+      </p:sp>
+      <p:sp>
+        <p:nvSpPr>
+          <p:cNvPr id="267" name="Google Shape;267;p46"/>
+          <p:cNvSpPr txBox="1"/>
+          <p:nvPr/>
+        </p:nvSpPr>
+        <p:spPr>
+          <a:xfrm>
+            <a:off x="248120" y="1463207"/>
+            <a:ext cx="3008400" cy="796000"/>
+          </a:xfrm>
+          <a:prstGeom prst="rect">
+            <a:avLst/>
+          </a:prstGeom>
+          <a:noFill/>
+          <a:ln>
+            <a:noFill/>
+          </a:ln>
+        </p:spPr>
+        <p:txBody>
+          <a:bodyPr spcFirstLastPara="1" wrap="square" lIns="121900" tIns="121900" rIns="121900" bIns="121900" anchor="t" anchorCtr="0">
+            <a:noAutofit/>
+          </a:bodyPr>
+          <a:lstStyle/>
+          <a:p>
+            <a:pPr>
+              <a:buSzPts val="1400"/>
+            </a:pPr>
+            <a:r>
+              <a:rPr lang="en" sz="1867">
+                <a:solidFill>
+                  <a:srgbClr val="FF0000"/>
+                </a:solidFill>
+              </a:rPr>
+              <a:t>When and How often is the recommendation / decision being made?</a:t>
+            </a:r>
+            <a:endParaRPr sz="1867">
+              <a:solidFill>
+                <a:srgbClr val="FF0000"/>
+              </a:solidFill>
+            </a:endParaRPr>
+          </a:p>
+        </p:txBody>
+      </p:sp>
+      <p:sp>
+        <p:nvSpPr>
+          <p:cNvPr id="268" name="Google Shape;268;p46"/>
+          <p:cNvSpPr txBox="1"/>
+          <p:nvPr/>
+        </p:nvSpPr>
+        <p:spPr>
+          <a:xfrm>
+            <a:off x="253253" y="2632740"/>
+            <a:ext cx="3008400" cy="796000"/>
+          </a:xfrm>
+          <a:prstGeom prst="rect">
+            <a:avLst/>
+          </a:prstGeom>
+          <a:noFill/>
+          <a:ln>
+            <a:noFill/>
+          </a:ln>
+        </p:spPr>
+        <p:txBody>
+          <a:bodyPr spcFirstLastPara="1" wrap="square" lIns="121900" tIns="121900" rIns="121900" bIns="121900" anchor="t" anchorCtr="0">
+            <a:noAutofit/>
+          </a:bodyPr>
+          <a:lstStyle/>
+          <a:p>
+            <a:pPr>
+              <a:buSzPts val="1400"/>
+            </a:pPr>
+            <a:br>
+              <a:rPr lang="en" sz="1867">
+                <a:solidFill>
+                  <a:srgbClr val="0000FF"/>
+                </a:solidFill>
+              </a:rPr>
+            </a:br>
+            <a:r>
+              <a:rPr lang="en" sz="1867">
+                <a:solidFill>
+                  <a:srgbClr val="0000FF"/>
+                </a:solidFill>
+              </a:rPr>
+              <a:t>Who/what is included in the cohort?</a:t>
+            </a:r>
+            <a:endParaRPr sz="1867">
+              <a:solidFill>
+                <a:srgbClr val="0000FF"/>
+              </a:solidFill>
+            </a:endParaRPr>
+          </a:p>
+        </p:txBody>
+      </p:sp>
+      <p:sp>
+        <p:nvSpPr>
+          <p:cNvPr id="269" name="Google Shape;269;p46"/>
+          <p:cNvSpPr txBox="1"/>
+          <p:nvPr/>
+        </p:nvSpPr>
+        <p:spPr>
+          <a:xfrm>
+            <a:off x="253253" y="3497473"/>
+            <a:ext cx="3008400" cy="796000"/>
+          </a:xfrm>
+          <a:prstGeom prst="rect">
+            <a:avLst/>
+          </a:prstGeom>
+          <a:noFill/>
+          <a:ln>
+            <a:noFill/>
+          </a:ln>
+        </p:spPr>
+        <p:txBody>
+          <a:bodyPr spcFirstLastPara="1" wrap="square" lIns="121900" tIns="121900" rIns="121900" bIns="121900" anchor="t" anchorCtr="0">
+            <a:noAutofit/>
+          </a:bodyPr>
+          <a:lstStyle/>
+          <a:p>
+            <a:pPr>
+              <a:buSzPts val="1400"/>
+            </a:pPr>
+            <a:br>
+              <a:rPr lang="en" sz="1867">
+                <a:solidFill>
+                  <a:srgbClr val="FF00FF"/>
+                </a:solidFill>
+              </a:rPr>
+            </a:br>
+            <a:r>
+              <a:rPr lang="en" sz="1867">
+                <a:solidFill>
+                  <a:srgbClr val="FF00FF"/>
+                </a:solidFill>
+              </a:rPr>
+              <a:t>What is the output?</a:t>
+            </a:r>
+            <a:endParaRPr sz="1867">
+              <a:solidFill>
+                <a:srgbClr val="FF00FF"/>
+              </a:solidFill>
+            </a:endParaRPr>
+          </a:p>
+        </p:txBody>
+      </p:sp>
+      <p:sp>
+        <p:nvSpPr>
+          <p:cNvPr id="270" name="Google Shape;270;p46"/>
+          <p:cNvSpPr txBox="1"/>
+          <p:nvPr/>
+        </p:nvSpPr>
+        <p:spPr>
+          <a:xfrm>
+            <a:off x="248120" y="4191873"/>
+            <a:ext cx="3008400" cy="1475600"/>
+          </a:xfrm>
+          <a:prstGeom prst="rect">
+            <a:avLst/>
+          </a:prstGeom>
+          <a:noFill/>
+          <a:ln>
+            <a:noFill/>
+          </a:ln>
+        </p:spPr>
+        <p:txBody>
+          <a:bodyPr spcFirstLastPara="1" wrap="square" lIns="121900" tIns="121900" rIns="121900" bIns="121900" anchor="t" anchorCtr="0">
+            <a:noAutofit/>
+          </a:bodyPr>
+          <a:lstStyle/>
+          <a:p>
+            <a:pPr>
+              <a:buSzPts val="1400"/>
+            </a:pPr>
+            <a:r>
+              <a:rPr lang="en" sz="1867">
+                <a:solidFill>
+                  <a:srgbClr val="274E13"/>
+                </a:solidFill>
+              </a:rPr>
+              <a:t>What outcome are you predicting/estimating?</a:t>
+            </a:r>
+            <a:endParaRPr sz="1867">
+              <a:solidFill>
+                <a:srgbClr val="274E13"/>
+              </a:solidFill>
+            </a:endParaRPr>
+          </a:p>
+          <a:p>
+            <a:pPr>
+              <a:buSzPts val="1400"/>
+            </a:pPr>
+            <a:endParaRPr sz="1867">
+              <a:solidFill>
+                <a:srgbClr val="274E13"/>
+              </a:solidFill>
+            </a:endParaRPr>
+          </a:p>
+          <a:p>
+            <a:pPr>
+              <a:buSzPts val="1400"/>
+            </a:pPr>
+            <a:r>
+              <a:rPr lang="en" sz="1867">
+                <a:solidFill>
+                  <a:srgbClr val="B45F06"/>
+                </a:solidFill>
+              </a:rPr>
+              <a:t>For what purpose?</a:t>
+            </a:r>
+            <a:endParaRPr sz="1867">
+              <a:solidFill>
+                <a:srgbClr val="274E13"/>
+              </a:solidFill>
+            </a:endParaRPr>
+          </a:p>
+        </p:txBody>
+      </p:sp>
+    </p:spTree>
+  </p:cSld>
+  <p:clrMapOvr>
+    <a:masterClrMapping/>
+  </p:clrMapOvr>
+</p:sld>
+</file>
+
+<file path=ppt/slides/slide22.xml><?xml version="1.0" encoding="utf-8"?>
+<p:sld xmlns:a="http://schemas.openxmlformats.org/drawingml/2006/main" xmlns:r="http://schemas.openxmlformats.org/officeDocument/2006/relationships" xmlns:p="http://schemas.openxmlformats.org/presentationml/2006/main">
+  <p:cSld>
+    <p:spTree>
+      <p:nvGrpSpPr>
+        <p:cNvPr id="1" name="Shape 303"/>
+        <p:cNvGrpSpPr/>
+        <p:nvPr/>
+      </p:nvGrpSpPr>
+      <p:grpSpPr>
+        <a:xfrm>
+          <a:off x="0" y="0"/>
+          <a:ext cx="0" cy="0"/>
+          <a:chOff x="0" y="0"/>
+          <a:chExt cx="0" cy="0"/>
+        </a:xfrm>
+      </p:grpSpPr>
+      <p:sp>
+        <p:nvSpPr>
+          <p:cNvPr id="2" name="Text Placeholder 1">
+            <a:extLst>
+              <a:ext uri="{FF2B5EF4-FFF2-40B4-BE49-F238E27FC236}">
+                <a16:creationId xmlns:a16="http://schemas.microsoft.com/office/drawing/2014/main" id="{BF4B70A5-25A8-AD7E-2AC5-FBE8362F24E4}"/>
+              </a:ext>
+            </a:extLst>
+          </p:cNvPr>
+          <p:cNvSpPr>
+            <a:spLocks noGrp="1"/>
+          </p:cNvSpPr>
+          <p:nvPr>
+            <p:ph type="body" idx="1"/>
+          </p:nvPr>
+        </p:nvSpPr>
         <p:spPr/>
         <p:txBody>
           <a:bodyPr/>
           <a:lstStyle/>
           <a:p>
-            <a:r>
-              <a:rPr lang="en-US" dirty="0"/>
-              <a:t>Baseline Examples</a:t>
-            </a:r>
+            <a:endParaRPr lang="en-US"/>
+          </a:p>
+        </p:txBody>
+      </p:sp>
+      <p:sp>
+        <p:nvSpPr>
+          <p:cNvPr id="304" name="Google Shape;304;p51"/>
+          <p:cNvSpPr txBox="1">
+            <a:spLocks noGrp="1"/>
+          </p:cNvSpPr>
+          <p:nvPr>
+            <p:ph type="title"/>
+          </p:nvPr>
+        </p:nvSpPr>
+        <p:spPr>
+          <a:prstGeom prst="rect">
+            <a:avLst/>
+          </a:prstGeom>
+        </p:spPr>
+        <p:txBody>
+          <a:bodyPr spcFirstLastPara="1" wrap="square" lIns="121900" tIns="121900" rIns="121900" bIns="121900" anchor="t" anchorCtr="0">
+            <a:normAutofit fontScale="90000"/>
+          </a:bodyPr>
+          <a:lstStyle/>
+          <a:p>
+            <a:r>
+              <a:rPr lang="en"/>
+              <a:t>Analytical Formulation - Top level</a:t>
+            </a:r>
+            <a:endParaRPr/>
+          </a:p>
+        </p:txBody>
+      </p:sp>
+      <p:sp>
+        <p:nvSpPr>
+          <p:cNvPr id="305" name="Google Shape;305;p51"/>
+          <p:cNvSpPr/>
+          <p:nvPr/>
+        </p:nvSpPr>
+        <p:spPr>
+          <a:xfrm>
+            <a:off x="190320" y="1463207"/>
+            <a:ext cx="3124000" cy="4204400"/>
+          </a:xfrm>
+          <a:prstGeom prst="rect">
+            <a:avLst/>
+          </a:prstGeom>
+          <a:solidFill>
+            <a:srgbClr val="EEEEEE"/>
+          </a:solidFill>
+          <a:ln w="9525" cap="flat" cmpd="sng">
+            <a:solidFill>
+              <a:srgbClr val="595959"/>
+            </a:solidFill>
+            <a:prstDash val="solid"/>
+            <a:round/>
+            <a:headEnd type="none" w="sm" len="sm"/>
+            <a:tailEnd type="none" w="sm" len="sm"/>
+          </a:ln>
+        </p:spPr>
+        <p:txBody>
+          <a:bodyPr spcFirstLastPara="1" wrap="square" lIns="121900" tIns="121900" rIns="121900" bIns="121900" anchor="ctr" anchorCtr="0">
+            <a:noAutofit/>
+          </a:bodyPr>
+          <a:lstStyle/>
+          <a:p>
+            <a:pPr>
+              <a:buSzPts val="1400"/>
+            </a:pPr>
+            <a:endParaRPr sz="1867"/>
+          </a:p>
+        </p:txBody>
+      </p:sp>
+      <p:grpSp>
+        <p:nvGrpSpPr>
+          <p:cNvPr id="307" name="Google Shape;307;p51"/>
+          <p:cNvGrpSpPr/>
+          <p:nvPr/>
+        </p:nvGrpSpPr>
+        <p:grpSpPr>
+          <a:xfrm>
+            <a:off x="248120" y="1463207"/>
+            <a:ext cx="3013533" cy="4056967"/>
+            <a:chOff x="186090" y="1097405"/>
+            <a:chExt cx="2260150" cy="3042725"/>
+          </a:xfrm>
+        </p:grpSpPr>
+        <p:sp>
+          <p:nvSpPr>
+            <p:cNvPr id="308" name="Google Shape;308;p51"/>
+            <p:cNvSpPr txBox="1"/>
+            <p:nvPr/>
+          </p:nvSpPr>
+          <p:spPr>
+            <a:xfrm>
+              <a:off x="186090" y="1097405"/>
+              <a:ext cx="2256300" cy="597000"/>
+            </a:xfrm>
+            <a:prstGeom prst="rect">
+              <a:avLst/>
+            </a:prstGeom>
+            <a:noFill/>
+            <a:ln>
+              <a:noFill/>
+            </a:ln>
+          </p:spPr>
+          <p:txBody>
+            <a:bodyPr spcFirstLastPara="1" wrap="square" lIns="121900" tIns="121900" rIns="121900" bIns="121900" anchor="t" anchorCtr="0">
+              <a:noAutofit/>
+            </a:bodyPr>
+            <a:lstStyle/>
+            <a:p>
+              <a:pPr>
+                <a:buSzPts val="1400"/>
+              </a:pPr>
+              <a:r>
+                <a:rPr lang="en" sz="1867">
+                  <a:solidFill>
+                    <a:srgbClr val="FF0000"/>
+                  </a:solidFill>
+                </a:rPr>
+                <a:t>When and How often is the recommendation / decision being made?</a:t>
+              </a:r>
+              <a:endParaRPr sz="1867">
+                <a:solidFill>
+                  <a:srgbClr val="FF0000"/>
+                </a:solidFill>
+              </a:endParaRPr>
+            </a:p>
+          </p:txBody>
+        </p:sp>
+        <p:sp>
+          <p:nvSpPr>
+            <p:cNvPr id="309" name="Google Shape;309;p51"/>
+            <p:cNvSpPr txBox="1"/>
+            <p:nvPr/>
+          </p:nvSpPr>
+          <p:spPr>
+            <a:xfrm>
+              <a:off x="189940" y="1974555"/>
+              <a:ext cx="2256300" cy="597000"/>
+            </a:xfrm>
+            <a:prstGeom prst="rect">
+              <a:avLst/>
+            </a:prstGeom>
+            <a:noFill/>
+            <a:ln>
+              <a:noFill/>
+            </a:ln>
+          </p:spPr>
+          <p:txBody>
+            <a:bodyPr spcFirstLastPara="1" wrap="square" lIns="121900" tIns="121900" rIns="121900" bIns="121900" anchor="t" anchorCtr="0">
+              <a:noAutofit/>
+            </a:bodyPr>
+            <a:lstStyle/>
+            <a:p>
+              <a:pPr>
+                <a:buSzPts val="1400"/>
+              </a:pPr>
+              <a:r>
+                <a:rPr lang="en" sz="1867">
+                  <a:solidFill>
+                    <a:srgbClr val="0000FF"/>
+                  </a:solidFill>
+                </a:rPr>
+                <a:t>Who/what is included in the cohort?</a:t>
+              </a:r>
+              <a:endParaRPr sz="1867">
+                <a:solidFill>
+                  <a:srgbClr val="0000FF"/>
+                </a:solidFill>
+              </a:endParaRPr>
+            </a:p>
+          </p:txBody>
+        </p:sp>
+        <p:sp>
+          <p:nvSpPr>
+            <p:cNvPr id="310" name="Google Shape;310;p51"/>
+            <p:cNvSpPr txBox="1"/>
+            <p:nvPr/>
+          </p:nvSpPr>
+          <p:spPr>
+            <a:xfrm>
+              <a:off x="189940" y="2623105"/>
+              <a:ext cx="2256300" cy="597000"/>
+            </a:xfrm>
+            <a:prstGeom prst="rect">
+              <a:avLst/>
+            </a:prstGeom>
+            <a:noFill/>
+            <a:ln>
+              <a:noFill/>
+            </a:ln>
+          </p:spPr>
+          <p:txBody>
+            <a:bodyPr spcFirstLastPara="1" wrap="square" lIns="121900" tIns="121900" rIns="121900" bIns="121900" anchor="t" anchorCtr="0">
+              <a:noAutofit/>
+            </a:bodyPr>
+            <a:lstStyle/>
+            <a:p>
+              <a:pPr>
+                <a:buSzPts val="1400"/>
+              </a:pPr>
+              <a:r>
+                <a:rPr lang="en" sz="1867">
+                  <a:solidFill>
+                    <a:srgbClr val="FF00FF"/>
+                  </a:solidFill>
+                </a:rPr>
+                <a:t>What is the output?</a:t>
+              </a:r>
+              <a:endParaRPr sz="1867">
+                <a:solidFill>
+                  <a:srgbClr val="FF00FF"/>
+                </a:solidFill>
+              </a:endParaRPr>
+            </a:p>
+          </p:txBody>
+        </p:sp>
+        <p:sp>
+          <p:nvSpPr>
+            <p:cNvPr id="311" name="Google Shape;311;p51"/>
+            <p:cNvSpPr txBox="1"/>
+            <p:nvPr/>
+          </p:nvSpPr>
+          <p:spPr>
+            <a:xfrm>
+              <a:off x="189940" y="3033430"/>
+              <a:ext cx="2256300" cy="1106700"/>
+            </a:xfrm>
+            <a:prstGeom prst="rect">
+              <a:avLst/>
+            </a:prstGeom>
+            <a:noFill/>
+            <a:ln>
+              <a:noFill/>
+            </a:ln>
+          </p:spPr>
+          <p:txBody>
+            <a:bodyPr spcFirstLastPara="1" wrap="square" lIns="121900" tIns="121900" rIns="121900" bIns="121900" anchor="t" anchorCtr="0">
+              <a:noAutofit/>
+            </a:bodyPr>
+            <a:lstStyle/>
+            <a:p>
+              <a:pPr>
+                <a:buSzPts val="1400"/>
+              </a:pPr>
+              <a:r>
+                <a:rPr lang="en" sz="1867">
+                  <a:solidFill>
+                    <a:srgbClr val="274E13"/>
+                  </a:solidFill>
+                </a:rPr>
+                <a:t>What outcome are you predicting/estimating?</a:t>
+              </a:r>
+              <a:endParaRPr sz="1867">
+                <a:solidFill>
+                  <a:srgbClr val="274E13"/>
+                </a:solidFill>
+              </a:endParaRPr>
+            </a:p>
+            <a:p>
+              <a:pPr>
+                <a:buSzPts val="1400"/>
+              </a:pPr>
+              <a:endParaRPr sz="1867">
+                <a:solidFill>
+                  <a:srgbClr val="274E13"/>
+                </a:solidFill>
+              </a:endParaRPr>
+            </a:p>
+            <a:p>
+              <a:pPr>
+                <a:buSzPts val="1400"/>
+              </a:pPr>
+              <a:r>
+                <a:rPr lang="en" sz="1867">
+                  <a:solidFill>
+                    <a:srgbClr val="B45F06"/>
+                  </a:solidFill>
+                </a:rPr>
+                <a:t>For what purpose?</a:t>
+              </a:r>
+              <a:endParaRPr sz="1867">
+                <a:solidFill>
+                  <a:srgbClr val="274E13"/>
+                </a:solidFill>
+              </a:endParaRPr>
+            </a:p>
+          </p:txBody>
+        </p:sp>
+      </p:grpSp>
+      <p:sp>
+        <p:nvSpPr>
+          <p:cNvPr id="3" name="TextBox 2">
+            <a:extLst>
+              <a:ext uri="{FF2B5EF4-FFF2-40B4-BE49-F238E27FC236}">
+                <a16:creationId xmlns:a16="http://schemas.microsoft.com/office/drawing/2014/main" id="{7F6412C4-6B24-B1FD-241B-D181D0069C5F}"/>
+              </a:ext>
+            </a:extLst>
+          </p:cNvPr>
+          <p:cNvSpPr txBox="1"/>
+          <p:nvPr/>
+        </p:nvSpPr>
+        <p:spPr>
+          <a:xfrm>
+            <a:off x="3706585" y="1499423"/>
+            <a:ext cx="8126187" cy="4360874"/>
+          </a:xfrm>
+          <a:prstGeom prst="rect">
+            <a:avLst/>
+          </a:prstGeom>
+          <a:noFill/>
+        </p:spPr>
+        <p:txBody>
+          <a:bodyPr wrap="square">
+            <a:spAutoFit/>
+          </a:bodyPr>
+          <a:lstStyle/>
+          <a:p>
+            <a:r>
+              <a:rPr lang="en-US" sz="2667" dirty="0">
+                <a:solidFill>
+                  <a:srgbClr val="FF0000"/>
+                </a:solidFill>
+                <a:latin typeface="Arial" panose="020B0604020202020204" pitchFamily="34" charset="0"/>
+              </a:rPr>
+              <a:t>For every time the doctor finishes taking notes during a patient visit</a:t>
+            </a:r>
+            <a:r>
+              <a:rPr lang="en-US" sz="2667" dirty="0">
+                <a:latin typeface="Arial" panose="020B0604020202020204" pitchFamily="34" charset="0"/>
+              </a:rPr>
+              <a:t>, for </a:t>
+            </a:r>
+            <a:r>
+              <a:rPr lang="en-US" sz="2667" dirty="0">
+                <a:solidFill>
+                  <a:srgbClr val="0000FF"/>
+                </a:solidFill>
+                <a:latin typeface="Arial" panose="020B0604020202020204" pitchFamily="34" charset="0"/>
+              </a:rPr>
+              <a:t>all adult patients who come through the ED, </a:t>
+            </a:r>
+            <a:r>
+              <a:rPr lang="en-US" sz="2667" dirty="0">
+                <a:latin typeface="Arial" panose="020B0604020202020204" pitchFamily="34" charset="0"/>
+              </a:rPr>
+              <a:t>can we identify</a:t>
+            </a:r>
+            <a:r>
+              <a:rPr lang="en-US" sz="2667" dirty="0">
+                <a:solidFill>
+                  <a:srgbClr val="FF00FF"/>
+                </a:solidFill>
+                <a:latin typeface="Arial" panose="020B0604020202020204" pitchFamily="34" charset="0"/>
+              </a:rPr>
+              <a:t> up to 10 possible ICD-10 categories* </a:t>
+            </a:r>
+            <a:r>
+              <a:rPr lang="en-US" sz="2667" dirty="0">
+                <a:latin typeface="Arial" panose="020B0604020202020204" pitchFamily="34" charset="0"/>
+              </a:rPr>
+              <a:t>that </a:t>
+            </a:r>
+            <a:r>
+              <a:rPr lang="en-US" sz="2667" dirty="0">
+                <a:solidFill>
+                  <a:srgbClr val="38761D"/>
+                </a:solidFill>
+                <a:latin typeface="Arial" panose="020B0604020202020204" pitchFamily="34" charset="0"/>
+              </a:rPr>
+              <a:t>correspond to the patient’s condition </a:t>
+            </a:r>
+            <a:r>
+              <a:rPr lang="en-US" sz="2667" dirty="0">
+                <a:solidFill>
+                  <a:srgbClr val="B45F06"/>
+                </a:solidFill>
+                <a:latin typeface="Arial" panose="020B0604020202020204" pitchFamily="34" charset="0"/>
+              </a:rPr>
+              <a:t>to provide appropriate and timely interventions</a:t>
+            </a:r>
+            <a:endParaRPr lang="en-US" sz="2667" dirty="0"/>
+          </a:p>
+          <a:p>
+            <a:br>
+              <a:rPr lang="en-US" sz="2667" dirty="0"/>
+            </a:br>
+            <a:r>
+              <a:rPr lang="en-US" sz="2667" dirty="0">
+                <a:latin typeface="Arial" panose="020B0604020202020204" pitchFamily="34" charset="0"/>
+              </a:rPr>
+              <a:t>*Categories are the first three characters of the ICD-10 code.</a:t>
+            </a:r>
+            <a:endParaRPr lang="en-US" sz="2667" dirty="0"/>
+          </a:p>
+          <a:p>
+            <a:br>
+              <a:rPr lang="en-US" sz="1867" dirty="0"/>
+            </a:br>
+            <a:endParaRPr lang="en-US" sz="1867" dirty="0"/>
           </a:p>
         </p:txBody>
       </p:sp>
     </p:spTree>
     <p:extLst>
       <p:ext uri="{BB962C8B-B14F-4D97-AF65-F5344CB8AC3E}">
-        <p14:creationId xmlns:p14="http://schemas.microsoft.com/office/powerpoint/2010/main" val="4120948450"/>
+        <p14:creationId xmlns:p14="http://schemas.microsoft.com/office/powerpoint/2010/main" val="708487978"/>
       </p:ext>
     </p:extLst>
   </p:cSld>
@@ -6413,7 +9611,7 @@
 </p:sld>
 </file>
 
-<file path=ppt/slides/slide19.xml><?xml version="1.0" encoding="utf-8"?>
+<file path=ppt/slides/slide23.xml><?xml version="1.0" encoding="utf-8"?>
 <p:sld xmlns:a="http://schemas.openxmlformats.org/drawingml/2006/main" xmlns:r="http://schemas.openxmlformats.org/officeDocument/2006/relationships" xmlns:p="http://schemas.openxmlformats.org/presentationml/2006/main">
   <p:cSld>
     <p:spTree>
@@ -6432,6 +9630,769 @@
       </p:grpSpPr>
       <p:sp>
         <p:nvSpPr>
+          <p:cNvPr id="2" name="Text Placeholder 1">
+            <a:extLst>
+              <a:ext uri="{FF2B5EF4-FFF2-40B4-BE49-F238E27FC236}">
+                <a16:creationId xmlns:a16="http://schemas.microsoft.com/office/drawing/2014/main" id="{16F0CF04-B42B-C044-ACCB-6C665E5B57C0}"/>
+              </a:ext>
+            </a:extLst>
+          </p:cNvPr>
+          <p:cNvSpPr>
+            <a:spLocks noGrp="1"/>
+          </p:cNvSpPr>
+          <p:nvPr>
+            <p:ph type="body" idx="1"/>
+          </p:nvPr>
+        </p:nvSpPr>
+        <p:spPr>
+          <a:xfrm>
+            <a:off x="268210" y="2360141"/>
+            <a:ext cx="11666400" cy="4182862"/>
+          </a:xfrm>
+        </p:spPr>
+        <p:txBody>
+          <a:bodyPr/>
+          <a:lstStyle/>
+          <a:p>
+            <a:pPr marL="114300" indent="0" algn="ctr">
+              <a:buNone/>
+            </a:pPr>
+            <a:r>
+              <a:rPr lang="en-US" sz="4800" dirty="0"/>
+              <a:t>What is the appropriate comparison </a:t>
+            </a:r>
+          </a:p>
+          <a:p>
+            <a:pPr marL="114300" indent="0" algn="ctr">
+              <a:buNone/>
+            </a:pPr>
+            <a:r>
+              <a:rPr lang="en-US" sz="4800" dirty="0"/>
+              <a:t>for your ML model?</a:t>
+            </a:r>
+          </a:p>
+        </p:txBody>
+      </p:sp>
+      <p:sp>
+        <p:nvSpPr>
+          <p:cNvPr id="3" name="Title 2">
+            <a:extLst>
+              <a:ext uri="{FF2B5EF4-FFF2-40B4-BE49-F238E27FC236}">
+                <a16:creationId xmlns:a16="http://schemas.microsoft.com/office/drawing/2014/main" id="{FC049B21-A440-624B-941A-2CE526530E5B}"/>
+              </a:ext>
+            </a:extLst>
+          </p:cNvPr>
+          <p:cNvSpPr>
+            <a:spLocks noGrp="1"/>
+          </p:cNvSpPr>
+          <p:nvPr>
+            <p:ph type="title"/>
+          </p:nvPr>
+        </p:nvSpPr>
+        <p:spPr/>
+        <p:txBody>
+          <a:bodyPr/>
+          <a:lstStyle/>
+          <a:p>
+            <a:r>
+              <a:rPr lang="en-US" dirty="0"/>
+              <a:t>Baselines</a:t>
+            </a:r>
+          </a:p>
+        </p:txBody>
+      </p:sp>
+    </p:spTree>
+    <p:extLst>
+      <p:ext uri="{BB962C8B-B14F-4D97-AF65-F5344CB8AC3E}">
+        <p14:creationId xmlns:p14="http://schemas.microsoft.com/office/powerpoint/2010/main" val="1335110213"/>
+      </p:ext>
+    </p:extLst>
+  </p:cSld>
+  <p:clrMapOvr>
+    <a:masterClrMapping/>
+  </p:clrMapOvr>
+</p:sld>
+</file>
+
+<file path=ppt/slides/slide24.xml><?xml version="1.0" encoding="utf-8"?>
+<p:sld xmlns:a="http://schemas.openxmlformats.org/drawingml/2006/main" xmlns:r="http://schemas.openxmlformats.org/officeDocument/2006/relationships" xmlns:p="http://schemas.openxmlformats.org/presentationml/2006/main">
+  <p:cSld>
+    <p:spTree>
+      <p:nvGrpSpPr>
+        <p:cNvPr id="1" name=""/>
+        <p:cNvGrpSpPr/>
+        <p:nvPr/>
+      </p:nvGrpSpPr>
+      <p:grpSpPr>
+        <a:xfrm>
+          <a:off x="0" y="0"/>
+          <a:ext cx="0" cy="0"/>
+          <a:chOff x="0" y="0"/>
+          <a:chExt cx="0" cy="0"/>
+        </a:xfrm>
+      </p:grpSpPr>
+      <p:sp>
+        <p:nvSpPr>
+          <p:cNvPr id="2" name="Text Placeholder 1">
+            <a:extLst>
+              <a:ext uri="{FF2B5EF4-FFF2-40B4-BE49-F238E27FC236}">
+                <a16:creationId xmlns:a16="http://schemas.microsoft.com/office/drawing/2014/main" id="{16F0CF04-B42B-C044-ACCB-6C665E5B57C0}"/>
+              </a:ext>
+            </a:extLst>
+          </p:cNvPr>
+          <p:cNvSpPr>
+            <a:spLocks noGrp="1"/>
+          </p:cNvSpPr>
+          <p:nvPr>
+            <p:ph type="body" idx="1"/>
+          </p:nvPr>
+        </p:nvSpPr>
+        <p:spPr/>
+        <p:txBody>
+          <a:bodyPr/>
+          <a:lstStyle/>
+          <a:p>
+            <a:r>
+              <a:rPr lang="en-US" dirty="0"/>
+              <a:t>Common Sense</a:t>
+            </a:r>
+            <a:br>
+              <a:rPr lang="en-US" dirty="0"/>
+            </a:br>
+            <a:endParaRPr lang="en-US" dirty="0"/>
+          </a:p>
+          <a:p>
+            <a:r>
+              <a:rPr lang="en-US" dirty="0"/>
+              <a:t>What they do today</a:t>
+            </a:r>
+            <a:br>
+              <a:rPr lang="en-US" dirty="0"/>
+            </a:br>
+            <a:endParaRPr lang="en-US" dirty="0"/>
+          </a:p>
+          <a:p>
+            <a:r>
+              <a:rPr lang="en-US" dirty="0"/>
+              <a:t>What they could do today easily (without any or very simple ML involved)</a:t>
+            </a:r>
+            <a:br>
+              <a:rPr lang="en-US" dirty="0"/>
+            </a:br>
+            <a:endParaRPr lang="en-US" dirty="0"/>
+          </a:p>
+          <a:p>
+            <a:r>
+              <a:rPr lang="en-US" dirty="0"/>
+              <a:t>Prior/Base Rate</a:t>
+            </a:r>
+          </a:p>
+          <a:p>
+            <a:pPr lvl="1"/>
+            <a:r>
+              <a:rPr lang="en-US" dirty="0"/>
+              <a:t>What expected value would you get if you just choose at random (based on the data distribution)?</a:t>
+            </a:r>
+          </a:p>
+        </p:txBody>
+      </p:sp>
+      <p:sp>
+        <p:nvSpPr>
+          <p:cNvPr id="3" name="Title 2">
+            <a:extLst>
+              <a:ext uri="{FF2B5EF4-FFF2-40B4-BE49-F238E27FC236}">
+                <a16:creationId xmlns:a16="http://schemas.microsoft.com/office/drawing/2014/main" id="{FC049B21-A440-624B-941A-2CE526530E5B}"/>
+              </a:ext>
+            </a:extLst>
+          </p:cNvPr>
+          <p:cNvSpPr>
+            <a:spLocks noGrp="1"/>
+          </p:cNvSpPr>
+          <p:nvPr>
+            <p:ph type="title"/>
+          </p:nvPr>
+        </p:nvSpPr>
+        <p:spPr/>
+        <p:txBody>
+          <a:bodyPr/>
+          <a:lstStyle/>
+          <a:p>
+            <a:r>
+              <a:rPr lang="en-US" dirty="0"/>
+              <a:t>Baseline Options</a:t>
+            </a:r>
+          </a:p>
+        </p:txBody>
+      </p:sp>
+    </p:spTree>
+    <p:extLst>
+      <p:ext uri="{BB962C8B-B14F-4D97-AF65-F5344CB8AC3E}">
+        <p14:creationId xmlns:p14="http://schemas.microsoft.com/office/powerpoint/2010/main" val="225707519"/>
+      </p:ext>
+    </p:extLst>
+  </p:cSld>
+  <p:clrMapOvr>
+    <a:masterClrMapping/>
+  </p:clrMapOvr>
+</p:sld>
+</file>
+
+<file path=ppt/slides/slide25.xml><?xml version="1.0" encoding="utf-8"?>
+<p:sld xmlns:a="http://schemas.openxmlformats.org/drawingml/2006/main" xmlns:r="http://schemas.openxmlformats.org/officeDocument/2006/relationships" xmlns:p="http://schemas.openxmlformats.org/presentationml/2006/main">
+  <p:cSld>
+    <p:spTree>
+      <p:nvGrpSpPr>
+        <p:cNvPr id="1" name=""/>
+        <p:cNvGrpSpPr/>
+        <p:nvPr/>
+      </p:nvGrpSpPr>
+      <p:grpSpPr>
+        <a:xfrm>
+          <a:off x="0" y="0"/>
+          <a:ext cx="0" cy="0"/>
+          <a:chOff x="0" y="0"/>
+          <a:chExt cx="0" cy="0"/>
+        </a:xfrm>
+      </p:grpSpPr>
+      <p:sp>
+        <p:nvSpPr>
+          <p:cNvPr id="3" name="Title 2">
+            <a:extLst>
+              <a:ext uri="{FF2B5EF4-FFF2-40B4-BE49-F238E27FC236}">
+                <a16:creationId xmlns:a16="http://schemas.microsoft.com/office/drawing/2014/main" id="{F7B27DC9-378A-B50B-7138-EED9A5CC7668}"/>
+              </a:ext>
+            </a:extLst>
+          </p:cNvPr>
+          <p:cNvSpPr>
+            <a:spLocks noGrp="1"/>
+          </p:cNvSpPr>
+          <p:nvPr>
+            <p:ph type="title"/>
+          </p:nvPr>
+        </p:nvSpPr>
+        <p:spPr>
+          <a:xfrm>
+            <a:off x="151106" y="20548"/>
+            <a:ext cx="11360700" cy="763500"/>
+          </a:xfrm>
+        </p:spPr>
+        <p:txBody>
+          <a:bodyPr/>
+          <a:lstStyle/>
+          <a:p>
+            <a:r>
+              <a:rPr lang="en-US" dirty="0"/>
+              <a:t>For the Netflix example, what would be a reasonable baseline method that doesn't require using any ML?</a:t>
+            </a:r>
+          </a:p>
+        </p:txBody>
+      </p:sp>
+      <p:sp>
+        <p:nvSpPr>
+          <p:cNvPr id="4" name="Text Placeholder 3">
+            <a:extLst>
+              <a:ext uri="{FF2B5EF4-FFF2-40B4-BE49-F238E27FC236}">
+                <a16:creationId xmlns:a16="http://schemas.microsoft.com/office/drawing/2014/main" id="{94D6D19F-3E25-E279-F9A2-3CE77C5E7B1B}"/>
+              </a:ext>
+            </a:extLst>
+          </p:cNvPr>
+          <p:cNvSpPr txBox="1">
+            <a:spLocks noGrp="1"/>
+          </p:cNvSpPr>
+          <p:nvPr>
+            <p:ph type="body" idx="1"/>
+          </p:nvPr>
+        </p:nvSpPr>
+        <p:spPr>
+          <a:xfrm>
+            <a:off x="3683335" y="2031714"/>
+            <a:ext cx="4825330" cy="2794571"/>
+          </a:xfrm>
+          <a:prstGeom prst="rect">
+            <a:avLst/>
+          </a:prstGeom>
+          <a:noFill/>
+        </p:spPr>
+        <p:txBody>
+          <a:bodyPr wrap="none" rtlCol="0">
+            <a:spAutoFit/>
+          </a:bodyPr>
+          <a:lstStyle/>
+          <a:p>
+            <a:pPr marL="114300" indent="0" algn="ctr">
+              <a:buNone/>
+            </a:pPr>
+            <a:r>
+              <a:rPr lang="en-US" sz="4800" dirty="0" err="1"/>
+              <a:t>sli.do</a:t>
+            </a:r>
+            <a:r>
+              <a:rPr lang="en-US" sz="4800" dirty="0"/>
+              <a:t>      #94889</a:t>
+            </a:r>
+          </a:p>
+          <a:p>
+            <a:pPr algn="ctr"/>
+            <a:endParaRPr lang="en-US" sz="4800" dirty="0"/>
+          </a:p>
+          <a:p>
+            <a:pPr marL="114300" indent="0" algn="ctr">
+              <a:buNone/>
+            </a:pPr>
+            <a:r>
+              <a:rPr lang="en-US" sz="4800" dirty="0" err="1"/>
+              <a:t>sli.do</a:t>
+            </a:r>
+            <a:r>
+              <a:rPr lang="en-US" sz="4800" dirty="0"/>
+              <a:t>/94889</a:t>
+            </a:r>
+          </a:p>
+        </p:txBody>
+      </p:sp>
+    </p:spTree>
+    <p:extLst>
+      <p:ext uri="{BB962C8B-B14F-4D97-AF65-F5344CB8AC3E}">
+        <p14:creationId xmlns:p14="http://schemas.microsoft.com/office/powerpoint/2010/main" val="4141853174"/>
+      </p:ext>
+    </p:extLst>
+  </p:cSld>
+  <p:clrMapOvr>
+    <a:masterClrMapping/>
+  </p:clrMapOvr>
+</p:sld>
+</file>
+
+<file path=ppt/slides/slide26.xml><?xml version="1.0" encoding="utf-8"?>
+<p:sld xmlns:a="http://schemas.openxmlformats.org/drawingml/2006/main" xmlns:r="http://schemas.openxmlformats.org/officeDocument/2006/relationships" xmlns:p="http://schemas.openxmlformats.org/presentationml/2006/main">
+  <p:cSld>
+    <p:spTree>
+      <p:nvGrpSpPr>
+        <p:cNvPr id="1" name=""/>
+        <p:cNvGrpSpPr/>
+        <p:nvPr/>
+      </p:nvGrpSpPr>
+      <p:grpSpPr>
+        <a:xfrm>
+          <a:off x="0" y="0"/>
+          <a:ext cx="0" cy="0"/>
+          <a:chOff x="0" y="0"/>
+          <a:chExt cx="0" cy="0"/>
+        </a:xfrm>
+      </p:grpSpPr>
+      <p:sp>
+        <p:nvSpPr>
+          <p:cNvPr id="2" name="Text Placeholder 1">
+            <a:extLst>
+              <a:ext uri="{FF2B5EF4-FFF2-40B4-BE49-F238E27FC236}">
+                <a16:creationId xmlns:a16="http://schemas.microsoft.com/office/drawing/2014/main" id="{16F0CF04-B42B-C044-ACCB-6C665E5B57C0}"/>
+              </a:ext>
+            </a:extLst>
+          </p:cNvPr>
+          <p:cNvSpPr>
+            <a:spLocks noGrp="1"/>
+          </p:cNvSpPr>
+          <p:nvPr>
+            <p:ph type="body" idx="1"/>
+          </p:nvPr>
+        </p:nvSpPr>
+        <p:spPr/>
+        <p:txBody>
+          <a:bodyPr/>
+          <a:lstStyle/>
+          <a:p>
+            <a:r>
+              <a:rPr lang="en-US" dirty="0"/>
+              <a:t>How much better than baselines does our system need to be in order to deploy?</a:t>
+            </a:r>
+            <a:br>
+              <a:rPr lang="en-US" dirty="0"/>
+            </a:br>
+            <a:endParaRPr lang="en-US" dirty="0"/>
+          </a:p>
+          <a:p>
+            <a:r>
+              <a:rPr lang="en-US" dirty="0"/>
+              <a:t>Important to compare performance against the base rate/prior, but this prior rarely represents a “common sense” baseline</a:t>
+            </a:r>
+            <a:br>
+              <a:rPr lang="en-US" dirty="0"/>
+            </a:br>
+            <a:endParaRPr lang="en-US" dirty="0"/>
+          </a:p>
+          <a:p>
+            <a:r>
+              <a:rPr lang="en-US" dirty="0"/>
+              <a:t>Good baselines should provide an ordering to sort the entities</a:t>
+            </a:r>
+          </a:p>
+          <a:p>
+            <a:pPr lvl="1"/>
+            <a:r>
+              <a:rPr lang="en-US" dirty="0"/>
+              <a:t>Heuristic rules (or shallow decision trees) might reflect current practice, but can yield a small number of unique scores with lots of ties</a:t>
+            </a:r>
+            <a:br>
+              <a:rPr lang="en-US" dirty="0"/>
+            </a:br>
+            <a:endParaRPr lang="en-US" dirty="0"/>
+          </a:p>
+          <a:p>
+            <a:r>
+              <a:rPr lang="en-US" dirty="0"/>
+              <a:t>In many real-world problems, a good baseline can be difficult to beat</a:t>
+            </a:r>
+          </a:p>
+        </p:txBody>
+      </p:sp>
+      <p:sp>
+        <p:nvSpPr>
+          <p:cNvPr id="3" name="Title 2">
+            <a:extLst>
+              <a:ext uri="{FF2B5EF4-FFF2-40B4-BE49-F238E27FC236}">
+                <a16:creationId xmlns:a16="http://schemas.microsoft.com/office/drawing/2014/main" id="{FC049B21-A440-624B-941A-2CE526530E5B}"/>
+              </a:ext>
+            </a:extLst>
+          </p:cNvPr>
+          <p:cNvSpPr>
+            <a:spLocks noGrp="1"/>
+          </p:cNvSpPr>
+          <p:nvPr>
+            <p:ph type="title"/>
+          </p:nvPr>
+        </p:nvSpPr>
+        <p:spPr/>
+        <p:txBody>
+          <a:bodyPr/>
+          <a:lstStyle/>
+          <a:p>
+            <a:r>
+              <a:rPr lang="en-US" dirty="0"/>
+              <a:t>Baseline Considerations</a:t>
+            </a:r>
+          </a:p>
+        </p:txBody>
+      </p:sp>
+    </p:spTree>
+    <p:extLst>
+      <p:ext uri="{BB962C8B-B14F-4D97-AF65-F5344CB8AC3E}">
+        <p14:creationId xmlns:p14="http://schemas.microsoft.com/office/powerpoint/2010/main" val="3480883044"/>
+      </p:ext>
+    </p:extLst>
+  </p:cSld>
+  <p:clrMapOvr>
+    <a:masterClrMapping/>
+  </p:clrMapOvr>
+</p:sld>
+</file>
+
+<file path=ppt/slides/slide27.xml><?xml version="1.0" encoding="utf-8"?>
+<p:sld xmlns:a="http://schemas.openxmlformats.org/drawingml/2006/main" xmlns:r="http://schemas.openxmlformats.org/officeDocument/2006/relationships" xmlns:p="http://schemas.openxmlformats.org/presentationml/2006/main">
+  <p:cSld>
+    <p:spTree>
+      <p:nvGrpSpPr>
+        <p:cNvPr id="1" name=""/>
+        <p:cNvGrpSpPr/>
+        <p:nvPr/>
+      </p:nvGrpSpPr>
+      <p:grpSpPr>
+        <a:xfrm>
+          <a:off x="0" y="0"/>
+          <a:ext cx="0" cy="0"/>
+          <a:chOff x="0" y="0"/>
+          <a:chExt cx="0" cy="0"/>
+        </a:xfrm>
+      </p:grpSpPr>
+      <p:sp>
+        <p:nvSpPr>
+          <p:cNvPr id="2" name="Text Placeholder 1">
+            <a:extLst>
+              <a:ext uri="{FF2B5EF4-FFF2-40B4-BE49-F238E27FC236}">
+                <a16:creationId xmlns:a16="http://schemas.microsoft.com/office/drawing/2014/main" id="{853D6B69-44D2-D449-B9CE-63D5E2BFE8A0}"/>
+              </a:ext>
+            </a:extLst>
+          </p:cNvPr>
+          <p:cNvSpPr>
+            <a:spLocks noGrp="1"/>
+          </p:cNvSpPr>
+          <p:nvPr>
+            <p:ph type="body" idx="1"/>
+          </p:nvPr>
+        </p:nvSpPr>
+        <p:spPr>
+          <a:xfrm>
+            <a:off x="268210" y="1600078"/>
+            <a:ext cx="11666400" cy="4954500"/>
+          </a:xfrm>
+        </p:spPr>
+        <p:txBody>
+          <a:bodyPr/>
+          <a:lstStyle/>
+          <a:p>
+            <a:endParaRPr lang="en-US"/>
+          </a:p>
+        </p:txBody>
+      </p:sp>
+      <p:sp>
+        <p:nvSpPr>
+          <p:cNvPr id="3" name="Title 2">
+            <a:extLst>
+              <a:ext uri="{FF2B5EF4-FFF2-40B4-BE49-F238E27FC236}">
+                <a16:creationId xmlns:a16="http://schemas.microsoft.com/office/drawing/2014/main" id="{D3765B02-360A-1F41-913A-E71E561203CC}"/>
+              </a:ext>
+            </a:extLst>
+          </p:cNvPr>
+          <p:cNvSpPr>
+            <a:spLocks noGrp="1"/>
+          </p:cNvSpPr>
+          <p:nvPr>
+            <p:ph type="title"/>
+          </p:nvPr>
+        </p:nvSpPr>
+        <p:spPr/>
+        <p:txBody>
+          <a:bodyPr/>
+          <a:lstStyle/>
+          <a:p>
+            <a:r>
+              <a:rPr lang="en-US" dirty="0"/>
+              <a:t>Baseline Examples</a:t>
+            </a:r>
+          </a:p>
+        </p:txBody>
+      </p:sp>
+    </p:spTree>
+    <p:extLst>
+      <p:ext uri="{BB962C8B-B14F-4D97-AF65-F5344CB8AC3E}">
+        <p14:creationId xmlns:p14="http://schemas.microsoft.com/office/powerpoint/2010/main" val="4120948450"/>
+      </p:ext>
+    </p:extLst>
+  </p:cSld>
+  <p:clrMapOvr>
+    <a:masterClrMapping/>
+  </p:clrMapOvr>
+</p:sld>
+</file>
+
+<file path=ppt/slides/slide28.xml><?xml version="1.0" encoding="utf-8"?>
+<p:sld xmlns:a="http://schemas.openxmlformats.org/drawingml/2006/main" xmlns:r="http://schemas.openxmlformats.org/officeDocument/2006/relationships" xmlns:p="http://schemas.openxmlformats.org/presentationml/2006/main">
+  <p:cSld>
+    <p:spTree>
+      <p:nvGrpSpPr>
+        <p:cNvPr id="1" name=""/>
+        <p:cNvGrpSpPr/>
+        <p:nvPr/>
+      </p:nvGrpSpPr>
+      <p:grpSpPr>
+        <a:xfrm>
+          <a:off x="0" y="0"/>
+          <a:ext cx="0" cy="0"/>
+          <a:chOff x="0" y="0"/>
+          <a:chExt cx="0" cy="0"/>
+        </a:xfrm>
+      </p:grpSpPr>
+      <p:sp>
+        <p:nvSpPr>
+          <p:cNvPr id="2" name="Content Placeholder 1"/>
+          <p:cNvSpPr>
+            <a:spLocks noGrp="1"/>
+          </p:cNvSpPr>
+          <p:nvPr>
+            <p:ph type="body" idx="1"/>
+          </p:nvPr>
+        </p:nvSpPr>
+        <p:spPr/>
+        <p:txBody>
+          <a:bodyPr/>
+          <a:lstStyle/>
+          <a:p>
+            <a:r>
+              <a:rPr lang="en-US" dirty="0"/>
+              <a:t>Coming up next week:</a:t>
+            </a:r>
+          </a:p>
+          <a:p>
+            <a:pPr lvl="1"/>
+            <a:r>
+              <a:rPr lang="en-US" dirty="0"/>
+              <a:t>Weekly review (before class on Tuesday)</a:t>
+            </a:r>
+          </a:p>
+          <a:p>
+            <a:pPr lvl="1"/>
+            <a:r>
+              <a:rPr lang="en-US" dirty="0"/>
+              <a:t>Review slides on </a:t>
+            </a:r>
+            <a:r>
+              <a:rPr lang="en-US" dirty="0" err="1"/>
+              <a:t>github</a:t>
+            </a:r>
+            <a:r>
+              <a:rPr lang="en-US" dirty="0"/>
+              <a:t> for ML Pipelines (for Tuesday)</a:t>
+            </a:r>
+            <a:br>
+              <a:rPr lang="en-US" dirty="0"/>
+            </a:br>
+            <a:endParaRPr lang="en-US" dirty="0"/>
+          </a:p>
+          <a:p>
+            <a:r>
+              <a:rPr lang="en-US" dirty="0"/>
+              <a:t>Group </a:t>
+            </a:r>
+            <a:r>
+              <a:rPr lang="en-US" b="1" dirty="0">
+                <a:solidFill>
+                  <a:srgbClr val="C00000"/>
+                </a:solidFill>
+              </a:rPr>
+              <a:t>project proposal</a:t>
+            </a:r>
+            <a:r>
+              <a:rPr lang="en-US" dirty="0"/>
+              <a:t> due next Friday</a:t>
+            </a:r>
+          </a:p>
+          <a:p>
+            <a:pPr lvl="1"/>
+            <a:r>
+              <a:rPr lang="en-US" dirty="0"/>
+              <a:t>Time for group work on Thursday</a:t>
+            </a:r>
+          </a:p>
+          <a:p>
+            <a:pPr marL="114300" indent="0">
+              <a:buNone/>
+            </a:pPr>
+            <a:endParaRPr lang="en-US" dirty="0"/>
+          </a:p>
+        </p:txBody>
+      </p:sp>
+      <p:sp>
+        <p:nvSpPr>
+          <p:cNvPr id="3" name="Title 2"/>
+          <p:cNvSpPr>
+            <a:spLocks noGrp="1"/>
+          </p:cNvSpPr>
+          <p:nvPr>
+            <p:ph type="title"/>
+          </p:nvPr>
+        </p:nvSpPr>
+        <p:spPr>
+          <a:xfrm>
+            <a:off x="0" y="325028"/>
+            <a:ext cx="12192000" cy="1143000"/>
+          </a:xfrm>
+        </p:spPr>
+        <p:txBody>
+          <a:bodyPr/>
+          <a:lstStyle/>
+          <a:p>
+            <a:r>
+              <a:rPr lang="en-US" dirty="0">
+                <a:solidFill>
+                  <a:schemeClr val="bg1"/>
+                </a:solidFill>
+              </a:rPr>
+              <a:t>Things to remember</a:t>
+            </a:r>
+          </a:p>
+        </p:txBody>
+      </p:sp>
+    </p:spTree>
+    <p:extLst>
+      <p:ext uri="{BB962C8B-B14F-4D97-AF65-F5344CB8AC3E}">
+        <p14:creationId xmlns:p14="http://schemas.microsoft.com/office/powerpoint/2010/main" val="3046097705"/>
+      </p:ext>
+    </p:extLst>
+  </p:cSld>
+  <p:clrMapOvr>
+    <a:masterClrMapping/>
+  </p:clrMapOvr>
+</p:sld>
+</file>
+
+<file path=ppt/slides/slide3.xml><?xml version="1.0" encoding="utf-8"?>
+<p:sld xmlns:a="http://schemas.openxmlformats.org/drawingml/2006/main" xmlns:r="http://schemas.openxmlformats.org/officeDocument/2006/relationships" xmlns:p="http://schemas.openxmlformats.org/presentationml/2006/main">
+  <p:cSld>
+    <p:spTree>
+      <p:nvGrpSpPr>
+        <p:cNvPr id="1" name=""/>
+        <p:cNvGrpSpPr/>
+        <p:nvPr/>
+      </p:nvGrpSpPr>
+      <p:grpSpPr>
+        <a:xfrm>
+          <a:off x="0" y="0"/>
+          <a:ext cx="0" cy="0"/>
+          <a:chOff x="0" y="0"/>
+          <a:chExt cx="0" cy="0"/>
+        </a:xfrm>
+      </p:grpSpPr>
+      <p:sp>
+        <p:nvSpPr>
+          <p:cNvPr id="2" name="Text Placeholder 1">
+            <a:extLst>
+              <a:ext uri="{FF2B5EF4-FFF2-40B4-BE49-F238E27FC236}">
+                <a16:creationId xmlns:a16="http://schemas.microsoft.com/office/drawing/2014/main" id="{4F90177E-EDBA-BC41-B606-574933A1A307}"/>
+              </a:ext>
+            </a:extLst>
+          </p:cNvPr>
+          <p:cNvSpPr>
+            <a:spLocks noGrp="1"/>
+          </p:cNvSpPr>
+          <p:nvPr>
+            <p:ph type="body" idx="1"/>
+          </p:nvPr>
+        </p:nvSpPr>
+        <p:spPr/>
+        <p:txBody>
+          <a:bodyPr/>
+          <a:lstStyle/>
+          <a:p>
+            <a:r>
+              <a:rPr lang="en-US" dirty="0"/>
+              <a:t>Scoping defines the goals and approach at a high level, the </a:t>
+            </a:r>
+            <a:r>
+              <a:rPr lang="en-US" b="1" dirty="0">
+                <a:solidFill>
+                  <a:srgbClr val="C00000"/>
+                </a:solidFill>
+              </a:rPr>
+              <a:t>analytical formulation </a:t>
+            </a:r>
+            <a:r>
+              <a:rPr lang="en-US" dirty="0"/>
+              <a:t>maps this scope to an ML problem and analytical approach</a:t>
+            </a:r>
+            <a:br>
+              <a:rPr lang="en-US" dirty="0"/>
+            </a:br>
+            <a:endParaRPr lang="en-US" dirty="0"/>
+          </a:p>
+          <a:p>
+            <a:r>
+              <a:rPr lang="en-US" dirty="0"/>
+              <a:t>Should be as detailed and specific as possible, obvious how to code it up</a:t>
+            </a:r>
+            <a:br>
+              <a:rPr lang="en-US" dirty="0"/>
+            </a:br>
+            <a:endParaRPr lang="en-US" dirty="0"/>
+          </a:p>
+          <a:p>
+            <a:r>
+              <a:rPr lang="en-US" dirty="0"/>
+              <a:t>The analytical formulation should be guided by –– and map back to –– how the system you’re building will actually be deployed and used</a:t>
+            </a:r>
+          </a:p>
+        </p:txBody>
+      </p:sp>
+      <p:sp>
+        <p:nvSpPr>
           <p:cNvPr id="3" name="Title 2">
             <a:extLst>
               <a:ext uri="{FF2B5EF4-FFF2-40B4-BE49-F238E27FC236}">
@@ -6451,10 +10412,68 @@
           <a:bodyPr/>
           <a:lstStyle/>
           <a:p>
+            <a:r>
+              <a:rPr lang="en-US" dirty="0"/>
+              <a:t>Turning the project goals/scope into an ML problem</a:t>
+            </a:r>
+          </a:p>
+        </p:txBody>
+      </p:sp>
+    </p:spTree>
+    <p:extLst>
+      <p:ext uri="{BB962C8B-B14F-4D97-AF65-F5344CB8AC3E}">
+        <p14:creationId xmlns:p14="http://schemas.microsoft.com/office/powerpoint/2010/main" val="3562142687"/>
+      </p:ext>
+    </p:extLst>
+  </p:cSld>
+  <p:clrMapOvr>
+    <a:masterClrMapping/>
+  </p:clrMapOvr>
+</p:sld>
+</file>
+
+<file path=ppt/slides/slide4.xml><?xml version="1.0" encoding="utf-8"?>
+<p:sld xmlns:a="http://schemas.openxmlformats.org/drawingml/2006/main" xmlns:r="http://schemas.openxmlformats.org/officeDocument/2006/relationships" xmlns:p="http://schemas.openxmlformats.org/presentationml/2006/main">
+  <p:cSld>
+    <p:spTree>
+      <p:nvGrpSpPr>
+        <p:cNvPr id="1" name=""/>
+        <p:cNvGrpSpPr/>
+        <p:nvPr/>
+      </p:nvGrpSpPr>
+      <p:grpSpPr>
+        <a:xfrm>
+          <a:off x="0" y="0"/>
+          <a:ext cx="0" cy="0"/>
+          <a:chOff x="0" y="0"/>
+          <a:chExt cx="0" cy="0"/>
+        </a:xfrm>
+      </p:grpSpPr>
+      <p:sp>
+        <p:nvSpPr>
+          <p:cNvPr id="3" name="Title 2">
+            <a:extLst>
+              <a:ext uri="{FF2B5EF4-FFF2-40B4-BE49-F238E27FC236}">
+                <a16:creationId xmlns:a16="http://schemas.microsoft.com/office/drawing/2014/main" id="{FC4F2F47-A164-2C41-A1CD-CFD1AFCBE708}"/>
+              </a:ext>
+            </a:extLst>
+          </p:cNvPr>
+          <p:cNvSpPr>
+            <a:spLocks noGrp="1"/>
+          </p:cNvSpPr>
+          <p:nvPr>
+            <p:ph type="title"/>
+          </p:nvPr>
+        </p:nvSpPr>
+        <p:spPr/>
+        <p:txBody>
+          <a:bodyPr/>
+          <a:lstStyle/>
+          <a:p>
             <a:pPr algn="ctr"/>
             <a:r>
               <a:rPr lang="en-US" dirty="0"/>
-              <a:t>BREAKOUT SESSION</a:t>
+              <a:t>CASE STUDY</a:t>
             </a:r>
           </a:p>
         </p:txBody>
@@ -6489,608 +10508,10 @@
           </a:prstGeom>
         </p:spPr>
       </p:pic>
-      <p:sp>
-        <p:nvSpPr>
-          <p:cNvPr id="7" name="Rectangle 6">
-            <a:extLst>
-              <a:ext uri="{FF2B5EF4-FFF2-40B4-BE49-F238E27FC236}">
-                <a16:creationId xmlns:a16="http://schemas.microsoft.com/office/drawing/2014/main" id="{E588B97A-4F87-8F48-962D-730E499FD613}"/>
-              </a:ext>
-            </a:extLst>
-          </p:cNvPr>
-          <p:cNvSpPr/>
-          <p:nvPr/>
-        </p:nvSpPr>
-        <p:spPr>
-          <a:xfrm>
-            <a:off x="3182382" y="5437543"/>
-            <a:ext cx="5827236" cy="646331"/>
-          </a:xfrm>
-          <a:prstGeom prst="rect">
-            <a:avLst/>
-          </a:prstGeom>
-        </p:spPr>
-        <p:txBody>
-          <a:bodyPr wrap="none">
-            <a:spAutoFit/>
-          </a:bodyPr>
-          <a:lstStyle/>
-          <a:p>
-            <a:r>
-              <a:rPr lang="en-US" sz="3600" dirty="0">
-                <a:solidFill>
-                  <a:srgbClr val="0070C0"/>
-                </a:solidFill>
-                <a:hlinkClick r:id="rId3">
-                  <a:extLst>
-                    <a:ext uri="{A12FA001-AC4F-418D-AE19-62706E023703}">
-                      <ahyp:hlinkClr xmlns:ahyp="http://schemas.microsoft.com/office/drawing/2018/hyperlinkcolor" val="tx"/>
-                    </a:ext>
-                  </a:extLst>
-                </a:hlinkClick>
-              </a:rPr>
-              <a:t>http://bit.ly/mlpp-health-bias</a:t>
-            </a:r>
-            <a:endParaRPr lang="en-US" sz="3600" dirty="0">
-              <a:solidFill>
-                <a:srgbClr val="0070C0"/>
-              </a:solidFill>
-            </a:endParaRPr>
-          </a:p>
-        </p:txBody>
-      </p:sp>
     </p:spTree>
     <p:extLst>
       <p:ext uri="{BB962C8B-B14F-4D97-AF65-F5344CB8AC3E}">
-        <p14:creationId xmlns:p14="http://schemas.microsoft.com/office/powerpoint/2010/main" val="526766492"/>
-      </p:ext>
-    </p:extLst>
-  </p:cSld>
-  <p:clrMapOvr>
-    <a:masterClrMapping/>
-  </p:clrMapOvr>
-</p:sld>
-</file>
-
-<file path=ppt/slides/slide2.xml><?xml version="1.0" encoding="utf-8"?>
-<p:sld xmlns:a="http://schemas.openxmlformats.org/drawingml/2006/main" xmlns:r="http://schemas.openxmlformats.org/officeDocument/2006/relationships" xmlns:p="http://schemas.openxmlformats.org/presentationml/2006/main">
-  <p:cSld>
-    <p:spTree>
-      <p:nvGrpSpPr>
-        <p:cNvPr id="1" name=""/>
-        <p:cNvGrpSpPr/>
-        <p:nvPr/>
-      </p:nvGrpSpPr>
-      <p:grpSpPr>
-        <a:xfrm>
-          <a:off x="0" y="0"/>
-          <a:ext cx="0" cy="0"/>
-          <a:chOff x="0" y="0"/>
-          <a:chExt cx="0" cy="0"/>
-        </a:xfrm>
-      </p:grpSpPr>
-      <p:sp>
-        <p:nvSpPr>
-          <p:cNvPr id="2" name="Content Placeholder 1"/>
-          <p:cNvSpPr>
-            <a:spLocks noGrp="1"/>
-          </p:cNvSpPr>
-          <p:nvPr>
-            <p:ph type="body" idx="1"/>
-          </p:nvPr>
-        </p:nvSpPr>
-        <p:spPr/>
-        <p:txBody>
-          <a:bodyPr/>
-          <a:lstStyle/>
-          <a:p>
-            <a:r>
-              <a:rPr lang="en-US" dirty="0"/>
-              <a:t>Coming up next week:</a:t>
-            </a:r>
-          </a:p>
-          <a:p>
-            <a:pPr lvl="1"/>
-            <a:r>
-              <a:rPr lang="en-US" dirty="0"/>
-              <a:t>Weekly review (before class on Tuesday)</a:t>
-            </a:r>
-          </a:p>
-          <a:p>
-            <a:pPr lvl="1"/>
-            <a:r>
-              <a:rPr lang="en-US" dirty="0"/>
-              <a:t>Review slides on </a:t>
-            </a:r>
-            <a:r>
-              <a:rPr lang="en-US" dirty="0" err="1"/>
-              <a:t>github</a:t>
-            </a:r>
-            <a:r>
-              <a:rPr lang="en-US" dirty="0"/>
-              <a:t> for ML Pipelines (for Tuesday)</a:t>
-            </a:r>
-            <a:br>
-              <a:rPr lang="en-US" dirty="0"/>
-            </a:br>
-            <a:endParaRPr lang="en-US" dirty="0"/>
-          </a:p>
-          <a:p>
-            <a:r>
-              <a:rPr lang="en-US" dirty="0"/>
-              <a:t>Group </a:t>
-            </a:r>
-            <a:r>
-              <a:rPr lang="en-US" b="1" dirty="0">
-                <a:solidFill>
-                  <a:srgbClr val="C00000"/>
-                </a:solidFill>
-              </a:rPr>
-              <a:t>project proposal</a:t>
-            </a:r>
-            <a:r>
-              <a:rPr lang="en-US" dirty="0"/>
-              <a:t> due next Friday</a:t>
-            </a:r>
-          </a:p>
-          <a:p>
-            <a:pPr lvl="1"/>
-            <a:r>
-              <a:rPr lang="en-US" dirty="0"/>
-              <a:t>Time for group work on Thursday</a:t>
-            </a:r>
-          </a:p>
-          <a:p>
-            <a:pPr marL="114300" indent="0">
-              <a:buNone/>
-            </a:pPr>
-            <a:endParaRPr lang="en-US" dirty="0"/>
-          </a:p>
-        </p:txBody>
-      </p:sp>
-      <p:sp>
-        <p:nvSpPr>
-          <p:cNvPr id="3" name="Title 2"/>
-          <p:cNvSpPr>
-            <a:spLocks noGrp="1"/>
-          </p:cNvSpPr>
-          <p:nvPr>
-            <p:ph type="title"/>
-          </p:nvPr>
-        </p:nvSpPr>
-        <p:spPr>
-          <a:xfrm>
-            <a:off x="0" y="325028"/>
-            <a:ext cx="12192000" cy="1143000"/>
-          </a:xfrm>
-        </p:spPr>
-        <p:txBody>
-          <a:bodyPr/>
-          <a:lstStyle/>
-          <a:p>
-            <a:r>
-              <a:rPr lang="en-US" dirty="0">
-                <a:solidFill>
-                  <a:schemeClr val="bg1"/>
-                </a:solidFill>
-              </a:rPr>
-              <a:t>Things to remember</a:t>
-            </a:r>
-          </a:p>
-        </p:txBody>
-      </p:sp>
-    </p:spTree>
-    <p:extLst>
-      <p:ext uri="{BB962C8B-B14F-4D97-AF65-F5344CB8AC3E}">
-        <p14:creationId xmlns:p14="http://schemas.microsoft.com/office/powerpoint/2010/main" val="3930579869"/>
-      </p:ext>
-    </p:extLst>
-  </p:cSld>
-  <p:clrMapOvr>
-    <a:masterClrMapping/>
-  </p:clrMapOvr>
-</p:sld>
-</file>
-
-<file path=ppt/slides/slide20.xml><?xml version="1.0" encoding="utf-8"?>
-<p:sld xmlns:a="http://schemas.openxmlformats.org/drawingml/2006/main" xmlns:r="http://schemas.openxmlformats.org/officeDocument/2006/relationships" xmlns:p="http://schemas.openxmlformats.org/presentationml/2006/main">
-  <p:cSld>
-    <p:spTree>
-      <p:nvGrpSpPr>
-        <p:cNvPr id="1" name=""/>
-        <p:cNvGrpSpPr/>
-        <p:nvPr/>
-      </p:nvGrpSpPr>
-      <p:grpSpPr>
-        <a:xfrm>
-          <a:off x="0" y="0"/>
-          <a:ext cx="0" cy="0"/>
-          <a:chOff x="0" y="0"/>
-          <a:chExt cx="0" cy="0"/>
-        </a:xfrm>
-      </p:grpSpPr>
-      <p:pic>
-        <p:nvPicPr>
-          <p:cNvPr id="3" name="Picture 2">
-            <a:extLst>
-              <a:ext uri="{FF2B5EF4-FFF2-40B4-BE49-F238E27FC236}">
-                <a16:creationId xmlns:a16="http://schemas.microsoft.com/office/drawing/2014/main" id="{ED0694BE-69CC-A440-B73A-B5DFD765D8F5}"/>
-              </a:ext>
-            </a:extLst>
-          </p:cNvPr>
-          <p:cNvPicPr>
-            <a:picLocks noChangeAspect="1"/>
-          </p:cNvPicPr>
-          <p:nvPr/>
-        </p:nvPicPr>
-        <p:blipFill>
-          <a:blip r:embed="rId2"/>
-          <a:stretch>
-            <a:fillRect/>
-          </a:stretch>
-        </p:blipFill>
-        <p:spPr>
-          <a:xfrm>
-            <a:off x="1902673" y="0"/>
-            <a:ext cx="8386653" cy="6858000"/>
-          </a:xfrm>
-          <a:prstGeom prst="rect">
-            <a:avLst/>
-          </a:prstGeom>
-        </p:spPr>
-      </p:pic>
-    </p:spTree>
-    <p:extLst>
-      <p:ext uri="{BB962C8B-B14F-4D97-AF65-F5344CB8AC3E}">
-        <p14:creationId xmlns:p14="http://schemas.microsoft.com/office/powerpoint/2010/main" val="3679215505"/>
-      </p:ext>
-    </p:extLst>
-  </p:cSld>
-  <p:clrMapOvr>
-    <a:masterClrMapping/>
-  </p:clrMapOvr>
-</p:sld>
-</file>
-
-<file path=ppt/slides/slide21.xml><?xml version="1.0" encoding="utf-8"?>
-<p:sld xmlns:a="http://schemas.openxmlformats.org/drawingml/2006/main" xmlns:r="http://schemas.openxmlformats.org/officeDocument/2006/relationships" xmlns:p="http://schemas.openxmlformats.org/presentationml/2006/main">
-  <p:cSld>
-    <p:spTree>
-      <p:nvGrpSpPr>
-        <p:cNvPr id="1" name=""/>
-        <p:cNvGrpSpPr/>
-        <p:nvPr/>
-      </p:nvGrpSpPr>
-      <p:grpSpPr>
-        <a:xfrm>
-          <a:off x="0" y="0"/>
-          <a:ext cx="0" cy="0"/>
-          <a:chOff x="0" y="0"/>
-          <a:chExt cx="0" cy="0"/>
-        </a:xfrm>
-      </p:grpSpPr>
-      <p:sp>
-        <p:nvSpPr>
-          <p:cNvPr id="2" name="Content Placeholder 1"/>
-          <p:cNvSpPr>
-            <a:spLocks noGrp="1"/>
-          </p:cNvSpPr>
-          <p:nvPr>
-            <p:ph type="body" idx="1"/>
-          </p:nvPr>
-        </p:nvSpPr>
-        <p:spPr/>
-        <p:txBody>
-          <a:bodyPr/>
-          <a:lstStyle/>
-          <a:p>
-            <a:r>
-              <a:rPr lang="en-US" dirty="0"/>
-              <a:t>Coming up next week:</a:t>
-            </a:r>
-          </a:p>
-          <a:p>
-            <a:pPr lvl="1"/>
-            <a:r>
-              <a:rPr lang="en-US" dirty="0"/>
-              <a:t>Weekly review (before class on Tuesday)</a:t>
-            </a:r>
-          </a:p>
-          <a:p>
-            <a:pPr lvl="1"/>
-            <a:r>
-              <a:rPr lang="en-US" dirty="0"/>
-              <a:t>Review slides on </a:t>
-            </a:r>
-            <a:r>
-              <a:rPr lang="en-US" dirty="0" err="1"/>
-              <a:t>github</a:t>
-            </a:r>
-            <a:r>
-              <a:rPr lang="en-US" dirty="0"/>
-              <a:t> for ML Pipelines (for Tuesday)</a:t>
-            </a:r>
-            <a:br>
-              <a:rPr lang="en-US" dirty="0"/>
-            </a:br>
-            <a:endParaRPr lang="en-US" dirty="0"/>
-          </a:p>
-          <a:p>
-            <a:r>
-              <a:rPr lang="en-US" dirty="0"/>
-              <a:t>Group </a:t>
-            </a:r>
-            <a:r>
-              <a:rPr lang="en-US" b="1" dirty="0">
-                <a:solidFill>
-                  <a:srgbClr val="C00000"/>
-                </a:solidFill>
-              </a:rPr>
-              <a:t>project proposal</a:t>
-            </a:r>
-            <a:r>
-              <a:rPr lang="en-US" dirty="0"/>
-              <a:t> due next Friday</a:t>
-            </a:r>
-          </a:p>
-          <a:p>
-            <a:pPr lvl="1"/>
-            <a:r>
-              <a:rPr lang="en-US" dirty="0"/>
-              <a:t>Time for group work on Thursday</a:t>
-            </a:r>
-          </a:p>
-          <a:p>
-            <a:pPr marL="114300" indent="0">
-              <a:buNone/>
-            </a:pPr>
-            <a:endParaRPr lang="en-US" dirty="0"/>
-          </a:p>
-        </p:txBody>
-      </p:sp>
-      <p:sp>
-        <p:nvSpPr>
-          <p:cNvPr id="3" name="Title 2"/>
-          <p:cNvSpPr>
-            <a:spLocks noGrp="1"/>
-          </p:cNvSpPr>
-          <p:nvPr>
-            <p:ph type="title"/>
-          </p:nvPr>
-        </p:nvSpPr>
-        <p:spPr>
-          <a:xfrm>
-            <a:off x="0" y="325028"/>
-            <a:ext cx="12192000" cy="1143000"/>
-          </a:xfrm>
-        </p:spPr>
-        <p:txBody>
-          <a:bodyPr/>
-          <a:lstStyle/>
-          <a:p>
-            <a:r>
-              <a:rPr lang="en-US" dirty="0">
-                <a:solidFill>
-                  <a:schemeClr val="bg1"/>
-                </a:solidFill>
-              </a:rPr>
-              <a:t>Things to remember</a:t>
-            </a:r>
-          </a:p>
-        </p:txBody>
-      </p:sp>
-    </p:spTree>
-    <p:extLst>
-      <p:ext uri="{BB962C8B-B14F-4D97-AF65-F5344CB8AC3E}">
-        <p14:creationId xmlns:p14="http://schemas.microsoft.com/office/powerpoint/2010/main" val="3046097705"/>
-      </p:ext>
-    </p:extLst>
-  </p:cSld>
-  <p:clrMapOvr>
-    <a:masterClrMapping/>
-  </p:clrMapOvr>
-</p:sld>
-</file>
-
-<file path=ppt/slides/slide3.xml><?xml version="1.0" encoding="utf-8"?>
-<p:sld xmlns:a="http://schemas.openxmlformats.org/drawingml/2006/main" xmlns:r="http://schemas.openxmlformats.org/officeDocument/2006/relationships" xmlns:p="http://schemas.openxmlformats.org/presentationml/2006/main">
-  <p:cSld>
-    <p:spTree>
-      <p:nvGrpSpPr>
-        <p:cNvPr id="1" name=""/>
-        <p:cNvGrpSpPr/>
-        <p:nvPr/>
-      </p:nvGrpSpPr>
-      <p:grpSpPr>
-        <a:xfrm>
-          <a:off x="0" y="0"/>
-          <a:ext cx="0" cy="0"/>
-          <a:chOff x="0" y="0"/>
-          <a:chExt cx="0" cy="0"/>
-        </a:xfrm>
-      </p:grpSpPr>
-      <p:sp>
-        <p:nvSpPr>
-          <p:cNvPr id="2" name="Text Placeholder 1">
-            <a:extLst>
-              <a:ext uri="{FF2B5EF4-FFF2-40B4-BE49-F238E27FC236}">
-                <a16:creationId xmlns:a16="http://schemas.microsoft.com/office/drawing/2014/main" id="{4F90177E-EDBA-BC41-B606-574933A1A307}"/>
-              </a:ext>
-            </a:extLst>
-          </p:cNvPr>
-          <p:cNvSpPr>
-            <a:spLocks noGrp="1"/>
-          </p:cNvSpPr>
-          <p:nvPr>
-            <p:ph type="body" idx="1"/>
-          </p:nvPr>
-        </p:nvSpPr>
-        <p:spPr/>
-        <p:txBody>
-          <a:bodyPr/>
-          <a:lstStyle/>
-          <a:p>
-            <a:r>
-              <a:rPr lang="en-US" dirty="0"/>
-              <a:t>Scoping defines the goals and approach at a high level, the </a:t>
-            </a:r>
-            <a:r>
-              <a:rPr lang="en-US" b="1" dirty="0">
-                <a:solidFill>
-                  <a:srgbClr val="C00000"/>
-                </a:solidFill>
-              </a:rPr>
-              <a:t>analytical formulation </a:t>
-            </a:r>
-            <a:r>
-              <a:rPr lang="en-US" dirty="0"/>
-              <a:t>maps this scope to an ML problem and analytical approach</a:t>
-            </a:r>
-            <a:br>
-              <a:rPr lang="en-US" dirty="0"/>
-            </a:br>
-            <a:endParaRPr lang="en-US" dirty="0"/>
-          </a:p>
-          <a:p>
-            <a:r>
-              <a:rPr lang="en-US" dirty="0"/>
-              <a:t>Should be as detailed and specific as possible, obvious how to code it up</a:t>
-            </a:r>
-            <a:br>
-              <a:rPr lang="en-US" dirty="0"/>
-            </a:br>
-            <a:endParaRPr lang="en-US" dirty="0"/>
-          </a:p>
-          <a:p>
-            <a:r>
-              <a:rPr lang="en-US" dirty="0"/>
-              <a:t>The analytical formulation should be guided by –– and map back to –– how the system you’re building will actually be deployed and used</a:t>
-            </a:r>
-          </a:p>
-        </p:txBody>
-      </p:sp>
-      <p:sp>
-        <p:nvSpPr>
-          <p:cNvPr id="3" name="Title 2">
-            <a:extLst>
-              <a:ext uri="{FF2B5EF4-FFF2-40B4-BE49-F238E27FC236}">
-                <a16:creationId xmlns:a16="http://schemas.microsoft.com/office/drawing/2014/main" id="{FC4F2F47-A164-2C41-A1CD-CFD1AFCBE708}"/>
-              </a:ext>
-            </a:extLst>
-          </p:cNvPr>
-          <p:cNvSpPr>
-            <a:spLocks noGrp="1"/>
-          </p:cNvSpPr>
-          <p:nvPr>
-            <p:ph type="title"/>
-          </p:nvPr>
-        </p:nvSpPr>
-        <p:spPr/>
-        <p:txBody>
-          <a:bodyPr/>
-          <a:lstStyle/>
-          <a:p>
-            <a:r>
-              <a:rPr lang="en-US" dirty="0"/>
-              <a:t>Turning the project goals/scope into an ML problem</a:t>
-            </a:r>
-          </a:p>
-        </p:txBody>
-      </p:sp>
-    </p:spTree>
-    <p:extLst>
-      <p:ext uri="{BB962C8B-B14F-4D97-AF65-F5344CB8AC3E}">
-        <p14:creationId xmlns:p14="http://schemas.microsoft.com/office/powerpoint/2010/main" val="3562142687"/>
-      </p:ext>
-    </p:extLst>
-  </p:cSld>
-  <p:clrMapOvr>
-    <a:masterClrMapping/>
-  </p:clrMapOvr>
-</p:sld>
-</file>
-
-<file path=ppt/slides/slide4.xml><?xml version="1.0" encoding="utf-8"?>
-<p:sld xmlns:a="http://schemas.openxmlformats.org/drawingml/2006/main" xmlns:r="http://schemas.openxmlformats.org/officeDocument/2006/relationships" xmlns:p="http://schemas.openxmlformats.org/presentationml/2006/main">
-  <p:cSld>
-    <p:spTree>
-      <p:nvGrpSpPr>
-        <p:cNvPr id="1" name=""/>
-        <p:cNvGrpSpPr/>
-        <p:nvPr/>
-      </p:nvGrpSpPr>
-      <p:grpSpPr>
-        <a:xfrm>
-          <a:off x="0" y="0"/>
-          <a:ext cx="0" cy="0"/>
-          <a:chOff x="0" y="0"/>
-          <a:chExt cx="0" cy="0"/>
-        </a:xfrm>
-      </p:grpSpPr>
-      <p:sp>
-        <p:nvSpPr>
-          <p:cNvPr id="2" name="Text Placeholder 1">
-            <a:extLst>
-              <a:ext uri="{FF2B5EF4-FFF2-40B4-BE49-F238E27FC236}">
-                <a16:creationId xmlns:a16="http://schemas.microsoft.com/office/drawing/2014/main" id="{4F90177E-EDBA-BC41-B606-574933A1A307}"/>
-              </a:ext>
-            </a:extLst>
-          </p:cNvPr>
-          <p:cNvSpPr>
-            <a:spLocks noGrp="1"/>
-          </p:cNvSpPr>
-          <p:nvPr>
-            <p:ph type="body" idx="1"/>
-          </p:nvPr>
-        </p:nvSpPr>
-        <p:spPr/>
-        <p:txBody>
-          <a:bodyPr/>
-          <a:lstStyle/>
-          <a:p>
-            <a:r>
-              <a:rPr lang="en-US" dirty="0"/>
-              <a:t>What type of analysis are you doing?</a:t>
-            </a:r>
-            <a:br>
-              <a:rPr lang="en-US" dirty="0"/>
-            </a:br>
-            <a:endParaRPr lang="en-US" dirty="0"/>
-          </a:p>
-        </p:txBody>
-      </p:sp>
-      <p:sp>
-        <p:nvSpPr>
-          <p:cNvPr id="3" name="Title 2">
-            <a:extLst>
-              <a:ext uri="{FF2B5EF4-FFF2-40B4-BE49-F238E27FC236}">
-                <a16:creationId xmlns:a16="http://schemas.microsoft.com/office/drawing/2014/main" id="{FC4F2F47-A164-2C41-A1CD-CFD1AFCBE708}"/>
-              </a:ext>
-            </a:extLst>
-          </p:cNvPr>
-          <p:cNvSpPr>
-            <a:spLocks noGrp="1"/>
-          </p:cNvSpPr>
-          <p:nvPr>
-            <p:ph type="title"/>
-          </p:nvPr>
-        </p:nvSpPr>
-        <p:spPr/>
-        <p:txBody>
-          <a:bodyPr/>
-          <a:lstStyle/>
-          <a:p>
-            <a:r>
-              <a:rPr lang="en-US" dirty="0"/>
-              <a:t>Decisions we need to make</a:t>
-            </a:r>
-          </a:p>
-        </p:txBody>
-      </p:sp>
-    </p:spTree>
-    <p:extLst>
-      <p:ext uri="{BB962C8B-B14F-4D97-AF65-F5344CB8AC3E}">
-        <p14:creationId xmlns:p14="http://schemas.microsoft.com/office/powerpoint/2010/main" val="3163189124"/>
+        <p14:creationId xmlns:p14="http://schemas.microsoft.com/office/powerpoint/2010/main" val="2007043753"/>
       </p:ext>
     </p:extLst>
   </p:cSld>
@@ -7122,7 +10543,7 @@
           <p:cNvPr id="2" name="Text Placeholder 1">
             <a:extLst>
               <a:ext uri="{FF2B5EF4-FFF2-40B4-BE49-F238E27FC236}">
-                <a16:creationId xmlns:a16="http://schemas.microsoft.com/office/drawing/2014/main" id="{1BF58D61-D951-4047-914F-96A26849E50A}"/>
+                <a16:creationId xmlns:a16="http://schemas.microsoft.com/office/drawing/2014/main" id="{CA2F7B32-9E66-8E5C-C019-A4D231FCAECB}"/>
               </a:ext>
             </a:extLst>
           </p:cNvPr>
@@ -7140,37 +10561,7 @@
           <a:p>
             <a:r>
               <a:rPr lang="en-US" dirty="0"/>
-              <a:t>Description</a:t>
-            </a:r>
-          </a:p>
-          <a:p>
-            <a:r>
-              <a:rPr lang="en-US" dirty="0"/>
-              <a:t>Classification</a:t>
-            </a:r>
-          </a:p>
-          <a:p>
-            <a:r>
-              <a:rPr lang="en-US" dirty="0"/>
-              <a:t>Detection</a:t>
-            </a:r>
-          </a:p>
-          <a:p>
-            <a:r>
-              <a:rPr lang="en-US" dirty="0"/>
-              <a:t>Prediction</a:t>
-            </a:r>
-          </a:p>
-          <a:p>
-            <a:r>
-              <a:rPr lang="en-US" dirty="0"/>
-              <a:t>Optimization</a:t>
-            </a:r>
-          </a:p>
-          <a:p>
-            <a:r>
-              <a:rPr lang="en-US" dirty="0"/>
-              <a:t>Causal Inference</a:t>
+              <a:t>In the Obermeyer et al. reading, what formulation decision is the focus of the paper?</a:t>
             </a:r>
           </a:p>
         </p:txBody>
@@ -7180,7 +10571,7 @@
           <p:cNvPr id="3" name="Title 2">
             <a:extLst>
               <a:ext uri="{FF2B5EF4-FFF2-40B4-BE49-F238E27FC236}">
-                <a16:creationId xmlns:a16="http://schemas.microsoft.com/office/drawing/2014/main" id="{18E00A3A-9C26-1B42-A62C-4DB46B741290}"/>
+                <a16:creationId xmlns:a16="http://schemas.microsoft.com/office/drawing/2014/main" id="{000EB0DE-95C0-EFAB-3EBC-E7036AE92059}"/>
               </a:ext>
             </a:extLst>
           </p:cNvPr>
@@ -7198,7 +10589,79 @@
           <a:p>
             <a:r>
               <a:rPr lang="en-US" dirty="0"/>
-              <a:t>Decisions we need to make: analytical approach</a:t>
+              <a:t>Formulation Decisions</a:t>
+            </a:r>
+          </a:p>
+        </p:txBody>
+      </p:sp>
+      <p:sp>
+        <p:nvSpPr>
+          <p:cNvPr id="4" name="TextBox 3">
+            <a:extLst>
+              <a:ext uri="{FF2B5EF4-FFF2-40B4-BE49-F238E27FC236}">
+                <a16:creationId xmlns:a16="http://schemas.microsoft.com/office/drawing/2014/main" id="{143541AF-EF0F-D7E7-CE20-EC98E6076CBB}"/>
+              </a:ext>
+            </a:extLst>
+          </p:cNvPr>
+          <p:cNvSpPr txBox="1"/>
+          <p:nvPr/>
+        </p:nvSpPr>
+        <p:spPr>
+          <a:xfrm>
+            <a:off x="2908511" y="2907586"/>
+            <a:ext cx="5841664" cy="2308324"/>
+          </a:xfrm>
+          <a:prstGeom prst="rect">
+            <a:avLst/>
+          </a:prstGeom>
+          <a:noFill/>
+        </p:spPr>
+        <p:txBody>
+          <a:bodyPr wrap="none" rtlCol="0">
+            <a:spAutoFit/>
+          </a:bodyPr>
+          <a:lstStyle/>
+          <a:p>
+            <a:r>
+              <a:rPr lang="en-US" sz="4800" dirty="0" err="1">
+                <a:solidFill>
+                  <a:schemeClr val="dk2"/>
+                </a:solidFill>
+              </a:rPr>
+              <a:t>Sli.do</a:t>
+            </a:r>
+            <a:r>
+              <a:rPr lang="en-US" sz="4800" dirty="0">
+                <a:solidFill>
+                  <a:schemeClr val="dk2"/>
+                </a:solidFill>
+              </a:rPr>
+              <a:t>            #94889</a:t>
+            </a:r>
+          </a:p>
+          <a:p>
+            <a:endParaRPr lang="en-US" sz="4800" dirty="0">
+              <a:solidFill>
+                <a:schemeClr val="dk2"/>
+              </a:solidFill>
+            </a:endParaRPr>
+          </a:p>
+          <a:p>
+            <a:r>
+              <a:rPr lang="en-US" sz="4800" dirty="0" err="1">
+                <a:solidFill>
+                  <a:schemeClr val="dk2"/>
+                </a:solidFill>
+              </a:rPr>
+              <a:t>sli.do</a:t>
+            </a:r>
+            <a:r>
+              <a:rPr lang="en-US" sz="4800" dirty="0">
+                <a:solidFill>
+                  <a:schemeClr val="dk2"/>
+                </a:solidFill>
+              </a:rPr>
+              <a:t>/94889</a:t>
             </a:r>
           </a:p>
         </p:txBody>
@@ -7206,7 +10669,7 @@
     </p:spTree>
     <p:extLst>
       <p:ext uri="{BB962C8B-B14F-4D97-AF65-F5344CB8AC3E}">
-        <p14:creationId xmlns:p14="http://schemas.microsoft.com/office/powerpoint/2010/main" val="625908078"/>
+        <p14:creationId xmlns:p14="http://schemas.microsoft.com/office/powerpoint/2010/main" val="401324692"/>
       </p:ext>
     </p:extLst>
   </p:cSld>
@@ -7235,54 +10698,10 @@
       </p:grpSpPr>
       <p:sp>
         <p:nvSpPr>
-          <p:cNvPr id="2" name="Text Placeholder 1">
-            <a:extLst>
-              <a:ext uri="{FF2B5EF4-FFF2-40B4-BE49-F238E27FC236}">
-                <a16:creationId xmlns:a16="http://schemas.microsoft.com/office/drawing/2014/main" id="{4F90177E-EDBA-BC41-B606-574933A1A307}"/>
-              </a:ext>
-            </a:extLst>
-          </p:cNvPr>
-          <p:cNvSpPr>
-            <a:spLocks noGrp="1"/>
-          </p:cNvSpPr>
-          <p:nvPr>
-            <p:ph type="body" idx="1"/>
-          </p:nvPr>
-        </p:nvSpPr>
-        <p:spPr/>
-        <p:txBody>
-          <a:bodyPr/>
-          <a:lstStyle/>
-          <a:p>
-            <a:r>
-              <a:rPr lang="en-US" dirty="0"/>
-              <a:t>What type of analysis are you doing?</a:t>
-            </a:r>
-          </a:p>
-          <a:p>
-            <a:endParaRPr lang="en-US" dirty="0"/>
-          </a:p>
-          <a:p>
-            <a:r>
-              <a:rPr lang="en-US" dirty="0"/>
-              <a:t>What are the relevant entities? How do you identify the cohort?</a:t>
-            </a:r>
-            <a:br>
-              <a:rPr lang="en-US" dirty="0"/>
-            </a:br>
-            <a:br>
-              <a:rPr lang="en-US" dirty="0"/>
-            </a:br>
-            <a:endParaRPr lang="en-US" dirty="0"/>
-          </a:p>
-        </p:txBody>
-      </p:sp>
-      <p:sp>
-        <p:nvSpPr>
           <p:cNvPr id="3" name="Title 2">
             <a:extLst>
               <a:ext uri="{FF2B5EF4-FFF2-40B4-BE49-F238E27FC236}">
-                <a16:creationId xmlns:a16="http://schemas.microsoft.com/office/drawing/2014/main" id="{FC4F2F47-A164-2C41-A1CD-CFD1AFCBE708}"/>
+                <a16:creationId xmlns:a16="http://schemas.microsoft.com/office/drawing/2014/main" id="{FA5EDE9B-A257-2333-4DB4-CBD380E13236}"/>
               </a:ext>
             </a:extLst>
           </p:cNvPr>
@@ -7300,15 +10719,370 @@
           <a:p>
             <a:r>
               <a:rPr lang="en-US" dirty="0"/>
-              <a:t>Decisions we need to make</a:t>
-            </a:r>
+              <a:t>Analytical Formulation</a:t>
+            </a:r>
+          </a:p>
+        </p:txBody>
+      </p:sp>
+      <p:sp>
+        <p:nvSpPr>
+          <p:cNvPr id="12" name="TextBox 11">
+            <a:extLst>
+              <a:ext uri="{FF2B5EF4-FFF2-40B4-BE49-F238E27FC236}">
+                <a16:creationId xmlns:a16="http://schemas.microsoft.com/office/drawing/2014/main" id="{92628BEE-B8E7-C511-5764-E82AF6189A5B}"/>
+              </a:ext>
+            </a:extLst>
+          </p:cNvPr>
+          <p:cNvSpPr txBox="1"/>
+          <p:nvPr/>
+        </p:nvSpPr>
+        <p:spPr>
+          <a:xfrm>
+            <a:off x="161381" y="1607442"/>
+            <a:ext cx="3354513" cy="4832092"/>
+          </a:xfrm>
+          <a:prstGeom prst="rect">
+            <a:avLst/>
+          </a:prstGeom>
+          <a:solidFill>
+            <a:schemeClr val="bg2">
+              <a:lumMod val="20000"/>
+              <a:lumOff val="80000"/>
+            </a:schemeClr>
+          </a:solidFill>
+        </p:spPr>
+        <p:style>
+          <a:lnRef idx="2">
+            <a:schemeClr val="accent3">
+              <a:shade val="50000"/>
+            </a:schemeClr>
+          </a:lnRef>
+          <a:fillRef idx="1">
+            <a:schemeClr val="accent3"/>
+          </a:fillRef>
+          <a:effectRef idx="0">
+            <a:schemeClr val="accent3"/>
+          </a:effectRef>
+          <a:fontRef idx="minor">
+            <a:schemeClr val="lt1"/>
+          </a:fontRef>
+        </p:style>
+        <p:txBody>
+          <a:bodyPr wrap="square">
+            <a:spAutoFit/>
+          </a:bodyPr>
+          <a:lstStyle/>
+          <a:p>
+            <a:pPr rtl="0">
+              <a:spcBef>
+                <a:spcPts val="0"/>
+              </a:spcBef>
+              <a:spcAft>
+                <a:spcPts val="0"/>
+              </a:spcAft>
+            </a:pPr>
+            <a:br>
+              <a:rPr lang="en-US" sz="2000" b="0" dirty="0">
+                <a:effectLst/>
+              </a:rPr>
+            </a:br>
+            <a:r>
+              <a:rPr lang="en-US" sz="2000" b="0" i="0" u="none" strike="noStrike" dirty="0">
+                <a:solidFill>
+                  <a:srgbClr val="FF0000"/>
+                </a:solidFill>
+                <a:effectLst/>
+                <a:latin typeface="Arial" panose="020B0604020202020204" pitchFamily="34" charset="0"/>
+              </a:rPr>
+              <a:t>How often is the recommendation/decision being made?</a:t>
+            </a:r>
+            <a:endParaRPr lang="en-US" sz="2000" b="0" dirty="0">
+              <a:effectLst/>
+            </a:endParaRPr>
+          </a:p>
+          <a:p>
+            <a:pPr rtl="0">
+              <a:spcBef>
+                <a:spcPts val="0"/>
+              </a:spcBef>
+              <a:spcAft>
+                <a:spcPts val="0"/>
+              </a:spcAft>
+            </a:pPr>
+            <a:br>
+              <a:rPr lang="en-US" sz="2000" b="0" dirty="0">
+                <a:effectLst/>
+              </a:rPr>
+            </a:br>
+            <a:r>
+              <a:rPr lang="en-US" sz="2000" b="0" i="0" u="none" strike="noStrike" dirty="0">
+                <a:solidFill>
+                  <a:srgbClr val="0000FF"/>
+                </a:solidFill>
+                <a:effectLst/>
+                <a:latin typeface="Arial" panose="020B0604020202020204" pitchFamily="34" charset="0"/>
+              </a:rPr>
+              <a:t>Who/what is included in the cohort?</a:t>
+            </a:r>
+            <a:endParaRPr lang="en-US" sz="2000" b="0" dirty="0">
+              <a:effectLst/>
+            </a:endParaRPr>
+          </a:p>
+          <a:p>
+            <a:pPr rtl="0">
+              <a:spcBef>
+                <a:spcPts val="0"/>
+              </a:spcBef>
+              <a:spcAft>
+                <a:spcPts val="0"/>
+              </a:spcAft>
+            </a:pPr>
+            <a:br>
+              <a:rPr lang="en-US" sz="2000" b="0" dirty="0">
+                <a:effectLst/>
+              </a:rPr>
+            </a:br>
+            <a:r>
+              <a:rPr lang="en-US" sz="2000" b="0" i="0" u="none" strike="noStrike" dirty="0">
+                <a:solidFill>
+                  <a:srgbClr val="FF00FF"/>
+                </a:solidFill>
+                <a:effectLst/>
+                <a:latin typeface="Arial" panose="020B0604020202020204" pitchFamily="34" charset="0"/>
+              </a:rPr>
+              <a:t>What is the output?</a:t>
+            </a:r>
+            <a:endParaRPr lang="en-US" sz="2000" b="0" dirty="0">
+              <a:effectLst/>
+            </a:endParaRPr>
+          </a:p>
+          <a:p>
+            <a:pPr rtl="0">
+              <a:spcBef>
+                <a:spcPts val="0"/>
+              </a:spcBef>
+              <a:spcAft>
+                <a:spcPts val="0"/>
+              </a:spcAft>
+            </a:pPr>
+            <a:br>
+              <a:rPr lang="en-US" sz="2000" b="0" dirty="0">
+                <a:effectLst/>
+              </a:rPr>
+            </a:br>
+            <a:r>
+              <a:rPr lang="en-US" sz="2000" b="0" i="0" u="none" strike="noStrike" dirty="0">
+                <a:solidFill>
+                  <a:srgbClr val="274E13"/>
+                </a:solidFill>
+                <a:effectLst/>
+                <a:latin typeface="Arial" panose="020B0604020202020204" pitchFamily="34" charset="0"/>
+              </a:rPr>
+              <a:t>What outcome are you predicting/estimating?</a:t>
+            </a:r>
+            <a:endParaRPr lang="en-US" sz="2000" b="0" dirty="0">
+              <a:effectLst/>
+            </a:endParaRPr>
+          </a:p>
+          <a:p>
+            <a:pPr rtl="0">
+              <a:spcBef>
+                <a:spcPts val="0"/>
+              </a:spcBef>
+              <a:spcAft>
+                <a:spcPts val="0"/>
+              </a:spcAft>
+            </a:pPr>
+            <a:br>
+              <a:rPr lang="en-US" sz="2000" b="0" dirty="0">
+                <a:effectLst/>
+              </a:rPr>
+            </a:br>
+            <a:r>
+              <a:rPr lang="en-US" sz="2000" b="0" i="0" u="none" strike="noStrike" dirty="0">
+                <a:solidFill>
+                  <a:srgbClr val="B45F06"/>
+                </a:solidFill>
+                <a:effectLst/>
+                <a:latin typeface="Arial" panose="020B0604020202020204" pitchFamily="34" charset="0"/>
+              </a:rPr>
+              <a:t>For what purpose?</a:t>
+            </a:r>
+            <a:endParaRPr lang="en-US" sz="2000" b="0" dirty="0">
+              <a:effectLst/>
+            </a:endParaRPr>
+          </a:p>
+          <a:p>
+            <a:br>
+              <a:rPr lang="en-US" dirty="0"/>
+            </a:br>
+            <a:endParaRPr lang="en-US" dirty="0"/>
+          </a:p>
+        </p:txBody>
+      </p:sp>
+      <p:sp>
+        <p:nvSpPr>
+          <p:cNvPr id="14" name="TextBox 13">
+            <a:extLst>
+              <a:ext uri="{FF2B5EF4-FFF2-40B4-BE49-F238E27FC236}">
+                <a16:creationId xmlns:a16="http://schemas.microsoft.com/office/drawing/2014/main" id="{4E220471-6DE3-15C3-47EA-D5F277E4C9DD}"/>
+              </a:ext>
+            </a:extLst>
+          </p:cNvPr>
+          <p:cNvSpPr txBox="1"/>
+          <p:nvPr/>
+        </p:nvSpPr>
+        <p:spPr>
+          <a:xfrm>
+            <a:off x="3673012" y="1607442"/>
+            <a:ext cx="8101172" cy="4052391"/>
+          </a:xfrm>
+          <a:prstGeom prst="rect">
+            <a:avLst/>
+          </a:prstGeom>
+          <a:noFill/>
+        </p:spPr>
+        <p:txBody>
+          <a:bodyPr wrap="square">
+            <a:spAutoFit/>
+          </a:bodyPr>
+          <a:lstStyle/>
+          <a:p>
+            <a:pPr rtl="0">
+              <a:lnSpc>
+                <a:spcPct val="150000"/>
+              </a:lnSpc>
+              <a:spcBef>
+                <a:spcPts val="0"/>
+              </a:spcBef>
+              <a:spcAft>
+                <a:spcPts val="1600"/>
+              </a:spcAft>
+            </a:pPr>
+            <a:r>
+              <a:rPr lang="en-US" sz="2400" b="0" i="0" u="none" strike="noStrike" dirty="0">
+                <a:solidFill>
+                  <a:srgbClr val="FF0000"/>
+                </a:solidFill>
+                <a:effectLst/>
+                <a:latin typeface="Arial" panose="020B0604020202020204" pitchFamily="34" charset="0"/>
+              </a:rPr>
+              <a:t>On the first day of every semester</a:t>
+            </a:r>
+            <a:r>
+              <a:rPr lang="en-US" sz="2400" b="0" i="0" u="none" strike="noStrike" dirty="0">
+                <a:solidFill>
+                  <a:srgbClr val="595959"/>
+                </a:solidFill>
+                <a:effectLst/>
+                <a:latin typeface="Arial" panose="020B0604020202020204" pitchFamily="34" charset="0"/>
+              </a:rPr>
+              <a:t>, for </a:t>
+            </a:r>
+            <a:r>
+              <a:rPr lang="en-US" sz="2400" b="0" i="0" u="none" strike="noStrike" dirty="0">
+                <a:solidFill>
+                  <a:srgbClr val="0000FF"/>
+                </a:solidFill>
+                <a:effectLst/>
+                <a:latin typeface="Arial" panose="020B0604020202020204" pitchFamily="34" charset="0"/>
+              </a:rPr>
+              <a:t>all the students who are currently enrolled in an undergraduate degree program</a:t>
+            </a:r>
+            <a:r>
+              <a:rPr lang="en-US" sz="2400" b="0" i="0" u="none" strike="noStrike" dirty="0">
+                <a:solidFill>
+                  <a:srgbClr val="595959"/>
+                </a:solidFill>
+                <a:effectLst/>
+                <a:latin typeface="Arial" panose="020B0604020202020204" pitchFamily="34" charset="0"/>
+              </a:rPr>
+              <a:t>, can we identify the </a:t>
+            </a:r>
+            <a:r>
+              <a:rPr lang="en-US" sz="2400" dirty="0">
+                <a:solidFill>
+                  <a:srgbClr val="FF00FF"/>
+                </a:solidFill>
+                <a:latin typeface="Arial" panose="020B0604020202020204" pitchFamily="34" charset="0"/>
+              </a:rPr>
+              <a:t>1</a:t>
+            </a:r>
+            <a:r>
+              <a:rPr lang="en-US" sz="2400" b="0" i="0" u="none" strike="noStrike" dirty="0">
+                <a:solidFill>
+                  <a:srgbClr val="FF00FF"/>
+                </a:solidFill>
+                <a:effectLst/>
+                <a:latin typeface="Arial" panose="020B0604020202020204" pitchFamily="34" charset="0"/>
+              </a:rPr>
+              <a:t>00 highest risk students</a:t>
+            </a:r>
+            <a:r>
+              <a:rPr lang="en-US" sz="2400" b="0" i="0" u="none" strike="noStrike" dirty="0">
+                <a:solidFill>
+                  <a:srgbClr val="595959"/>
+                </a:solidFill>
+                <a:effectLst/>
+                <a:latin typeface="Arial" panose="020B0604020202020204" pitchFamily="34" charset="0"/>
+              </a:rPr>
+              <a:t> who are </a:t>
+            </a:r>
+            <a:r>
+              <a:rPr lang="en-US" sz="2400" b="0" i="0" u="none" strike="noStrike" dirty="0">
+                <a:solidFill>
+                  <a:srgbClr val="38761D"/>
+                </a:solidFill>
+                <a:effectLst/>
+                <a:latin typeface="Arial" panose="020B0604020202020204" pitchFamily="34" charset="0"/>
+              </a:rPr>
+              <a:t>likely to </a:t>
+            </a:r>
+            <a:r>
+              <a:rPr lang="en-US" sz="2400" dirty="0">
+                <a:solidFill>
+                  <a:srgbClr val="38761D"/>
+                </a:solidFill>
+                <a:latin typeface="Arial" panose="020B0604020202020204" pitchFamily="34" charset="0"/>
+              </a:rPr>
+              <a:t>not graduate college within 5 years of their college start </a:t>
+            </a:r>
+            <a:r>
+              <a:rPr lang="en-US" sz="2400" b="0" i="0" u="none" strike="noStrike" dirty="0">
+                <a:solidFill>
+                  <a:srgbClr val="B45F06"/>
+                </a:solidFill>
+                <a:effectLst/>
+                <a:latin typeface="Arial" panose="020B0604020202020204" pitchFamily="34" charset="0"/>
+              </a:rPr>
+              <a:t>to prioritize for proactive academic or other interventions</a:t>
+            </a:r>
+            <a:r>
+              <a:rPr lang="en-US" sz="2400" b="0" i="0" u="none" strike="noStrike" dirty="0">
+                <a:solidFill>
+                  <a:srgbClr val="595959"/>
+                </a:solidFill>
+                <a:effectLst/>
+                <a:latin typeface="Arial" panose="020B0604020202020204" pitchFamily="34" charset="0"/>
+              </a:rPr>
+              <a:t>?</a:t>
+            </a:r>
+            <a:endParaRPr lang="en-US" sz="2400" b="0" dirty="0">
+              <a:effectLst/>
+            </a:endParaRPr>
+          </a:p>
+          <a:p>
+            <a:br>
+              <a:rPr lang="en-US" dirty="0"/>
+            </a:br>
+            <a:endParaRPr lang="en-US" dirty="0"/>
           </a:p>
         </p:txBody>
       </p:sp>
     </p:spTree>
     <p:extLst>
       <p:ext uri="{BB962C8B-B14F-4D97-AF65-F5344CB8AC3E}">
-        <p14:creationId xmlns:p14="http://schemas.microsoft.com/office/powerpoint/2010/main" val="2244128218"/>
+        <p14:creationId xmlns:p14="http://schemas.microsoft.com/office/powerpoint/2010/main" val="2025399898"/>
       </p:ext>
     </p:extLst>
   </p:cSld>
@@ -7340,7 +11114,7 @@
           <p:cNvPr id="2" name="Text Placeholder 1">
             <a:extLst>
               <a:ext uri="{FF2B5EF4-FFF2-40B4-BE49-F238E27FC236}">
-                <a16:creationId xmlns:a16="http://schemas.microsoft.com/office/drawing/2014/main" id="{1BF58D61-D951-4047-914F-96A26849E50A}"/>
+                <a16:creationId xmlns:a16="http://schemas.microsoft.com/office/drawing/2014/main" id="{4F90177E-EDBA-BC41-B606-574933A1A307}"/>
               </a:ext>
             </a:extLst>
           </p:cNvPr>
@@ -7358,43 +11132,13 @@
           <a:p>
             <a:r>
               <a:rPr lang="en-US" dirty="0"/>
-              <a:t>Every entity that exists?</a:t>
+              <a:t>What type of analysis are you doing?</a:t>
             </a:r>
             <a:br>
               <a:rPr lang="en-US" dirty="0"/>
             </a:br>
             <a:endParaRPr lang="en-US" dirty="0"/>
           </a:p>
-          <a:p>
-            <a:r>
-              <a:rPr lang="en-US" dirty="0"/>
-              <a:t>“Active” entities?</a:t>
-            </a:r>
-            <a:br>
-              <a:rPr lang="en-US" dirty="0"/>
-            </a:br>
-            <a:endParaRPr lang="en-US" dirty="0"/>
-          </a:p>
-          <a:p>
-            <a:r>
-              <a:rPr lang="en-US" dirty="0"/>
-              <a:t>Event-based?</a:t>
-            </a:r>
-          </a:p>
-          <a:p>
-            <a:pPr lvl="1"/>
-            <a:r>
-              <a:rPr lang="en-US" dirty="0"/>
-              <a:t>Making predictions when the events occur?</a:t>
-            </a:r>
-          </a:p>
-          <a:p>
-            <a:pPr lvl="1"/>
-            <a:r>
-              <a:rPr lang="en-US" dirty="0"/>
-              <a:t>All entities that have had an event in a certain time window?</a:t>
-            </a:r>
-          </a:p>
         </p:txBody>
       </p:sp>
       <p:sp>
@@ -7402,7 +11146,7 @@
           <p:cNvPr id="3" name="Title 2">
             <a:extLst>
               <a:ext uri="{FF2B5EF4-FFF2-40B4-BE49-F238E27FC236}">
-                <a16:creationId xmlns:a16="http://schemas.microsoft.com/office/drawing/2014/main" id="{18E00A3A-9C26-1B42-A62C-4DB46B741290}"/>
+                <a16:creationId xmlns:a16="http://schemas.microsoft.com/office/drawing/2014/main" id="{FC4F2F47-A164-2C41-A1CD-CFD1AFCBE708}"/>
               </a:ext>
             </a:extLst>
           </p:cNvPr>
@@ -7420,7 +11164,7 @@
           <a:p>
             <a:r>
               <a:rPr lang="en-US" dirty="0"/>
-              <a:t>Decisions we need to make: cohort definition</a:t>
+              <a:t>Decisions we need to make</a:t>
             </a:r>
           </a:p>
         </p:txBody>
@@ -7428,7 +11172,7 @@
     </p:spTree>
     <p:extLst>
       <p:ext uri="{BB962C8B-B14F-4D97-AF65-F5344CB8AC3E}">
-        <p14:creationId xmlns:p14="http://schemas.microsoft.com/office/powerpoint/2010/main" val="3823067349"/>
+        <p14:creationId xmlns:p14="http://schemas.microsoft.com/office/powerpoint/2010/main" val="3163189124"/>
       </p:ext>
     </p:extLst>
   </p:cSld>
@@ -7460,7 +11204,7 @@
           <p:cNvPr id="2" name="Text Placeholder 1">
             <a:extLst>
               <a:ext uri="{FF2B5EF4-FFF2-40B4-BE49-F238E27FC236}">
-                <a16:creationId xmlns:a16="http://schemas.microsoft.com/office/drawing/2014/main" id="{4F90177E-EDBA-BC41-B606-574933A1A307}"/>
+                <a16:creationId xmlns:a16="http://schemas.microsoft.com/office/drawing/2014/main" id="{1BF58D61-D951-4047-914F-96A26849E50A}"/>
               </a:ext>
             </a:extLst>
           </p:cNvPr>
@@ -7478,51 +11222,38 @@
           <a:p>
             <a:r>
               <a:rPr lang="en-US" dirty="0"/>
-              <a:t>What type of analysis are you doing?</a:t>
-            </a:r>
-          </a:p>
-          <a:p>
-            <a:endParaRPr lang="en-US" dirty="0"/>
+              <a:t>Description</a:t>
+            </a:r>
           </a:p>
           <a:p>
             <a:r>
               <a:rPr lang="en-US" dirty="0"/>
-              <a:t>What are the relevant entities? How do you identify the cohort?</a:t>
-            </a:r>
-          </a:p>
-          <a:p>
-            <a:pPr marL="114300" indent="0">
-              <a:buNone/>
-            </a:pPr>
-            <a:endParaRPr lang="en-US" dirty="0"/>
+              <a:t>Classification</a:t>
+            </a:r>
           </a:p>
           <a:p>
             <a:r>
               <a:rPr lang="en-US" dirty="0"/>
-              <a:t>How do you define the outcome/label that you care about?</a:t>
-            </a:r>
-            <a:br>
+              <a:t>Detection</a:t>
+            </a:r>
+          </a:p>
+          <a:p>
+            <a:r>
               <a:rPr lang="en-US" dirty="0"/>
-            </a:br>
-            <a:endParaRPr lang="en-US" dirty="0"/>
+              <a:t>Prediction</a:t>
+            </a:r>
           </a:p>
           <a:p>
             <a:r>
               <a:rPr lang="en-US" dirty="0"/>
-              <a:t>How far into the future are you trying to predict?</a:t>
-            </a:r>
-          </a:p>
-          <a:p>
-            <a:pPr marL="114300" indent="0">
-              <a:buNone/>
-            </a:pPr>
-            <a:br>
+              <a:t>Optimization</a:t>
+            </a:r>
+          </a:p>
+          <a:p>
+            <a:r>
               <a:rPr lang="en-US" dirty="0"/>
-            </a:br>
-            <a:br>
-              <a:rPr lang="en-US" dirty="0"/>
-            </a:br>
-            <a:endParaRPr lang="en-US" dirty="0"/>
+              <a:t>Causal Inference</a:t>
+            </a:r>
           </a:p>
         </p:txBody>
       </p:sp>
@@ -7531,7 +11262,7 @@
           <p:cNvPr id="3" name="Title 2">
             <a:extLst>
               <a:ext uri="{FF2B5EF4-FFF2-40B4-BE49-F238E27FC236}">
-                <a16:creationId xmlns:a16="http://schemas.microsoft.com/office/drawing/2014/main" id="{FC4F2F47-A164-2C41-A1CD-CFD1AFCBE708}"/>
+                <a16:creationId xmlns:a16="http://schemas.microsoft.com/office/drawing/2014/main" id="{18E00A3A-9C26-1B42-A62C-4DB46B741290}"/>
               </a:ext>
             </a:extLst>
           </p:cNvPr>
@@ -7549,7 +11280,7 @@
           <a:p>
             <a:r>
               <a:rPr lang="en-US" dirty="0"/>
-              <a:t>Decisions we need to make</a:t>
+              <a:t>Decisions we need to make: analytical approach</a:t>
             </a:r>
           </a:p>
         </p:txBody>
@@ -7557,7 +11288,7 @@
     </p:spTree>
     <p:extLst>
       <p:ext uri="{BB962C8B-B14F-4D97-AF65-F5344CB8AC3E}">
-        <p14:creationId xmlns:p14="http://schemas.microsoft.com/office/powerpoint/2010/main" val="140988996"/>
+        <p14:creationId xmlns:p14="http://schemas.microsoft.com/office/powerpoint/2010/main" val="625908078"/>
       </p:ext>
     </p:extLst>
   </p:cSld>
@@ -7586,10 +11317,54 @@
       </p:grpSpPr>
       <p:sp>
         <p:nvSpPr>
+          <p:cNvPr id="2" name="Text Placeholder 1">
+            <a:extLst>
+              <a:ext uri="{FF2B5EF4-FFF2-40B4-BE49-F238E27FC236}">
+                <a16:creationId xmlns:a16="http://schemas.microsoft.com/office/drawing/2014/main" id="{4F90177E-EDBA-BC41-B606-574933A1A307}"/>
+              </a:ext>
+            </a:extLst>
+          </p:cNvPr>
+          <p:cNvSpPr>
+            <a:spLocks noGrp="1"/>
+          </p:cNvSpPr>
+          <p:nvPr>
+            <p:ph type="body" idx="1"/>
+          </p:nvPr>
+        </p:nvSpPr>
+        <p:spPr/>
+        <p:txBody>
+          <a:bodyPr/>
+          <a:lstStyle/>
+          <a:p>
+            <a:r>
+              <a:rPr lang="en-US" dirty="0"/>
+              <a:t>What type of analysis are you doing?</a:t>
+            </a:r>
+          </a:p>
+          <a:p>
+            <a:endParaRPr lang="en-US" dirty="0"/>
+          </a:p>
+          <a:p>
+            <a:r>
+              <a:rPr lang="en-US" dirty="0"/>
+              <a:t>What are the relevant entities? How do you identify the cohort?</a:t>
+            </a:r>
+            <a:br>
+              <a:rPr lang="en-US" dirty="0"/>
+            </a:br>
+            <a:br>
+              <a:rPr lang="en-US" dirty="0"/>
+            </a:br>
+            <a:endParaRPr lang="en-US" dirty="0"/>
+          </a:p>
+        </p:txBody>
+      </p:sp>
+      <p:sp>
+        <p:nvSpPr>
           <p:cNvPr id="3" name="Title 2">
             <a:extLst>
               <a:ext uri="{FF2B5EF4-FFF2-40B4-BE49-F238E27FC236}">
-                <a16:creationId xmlns:a16="http://schemas.microsoft.com/office/drawing/2014/main" id="{D3765B02-360A-1F41-913A-E71E561203CC}"/>
+                <a16:creationId xmlns:a16="http://schemas.microsoft.com/office/drawing/2014/main" id="{FC4F2F47-A164-2C41-A1CD-CFD1AFCBE708}"/>
               </a:ext>
             </a:extLst>
           </p:cNvPr>
@@ -7607,455 +11382,15 @@
           <a:p>
             <a:r>
               <a:rPr lang="en-US" dirty="0"/>
-              <a:t>Structuring the Analytical Formulation</a:t>
-            </a:r>
-          </a:p>
-        </p:txBody>
-      </p:sp>
-      <p:sp>
-        <p:nvSpPr>
-          <p:cNvPr id="4" name="Google Shape;173;p42">
-            <a:extLst>
-              <a:ext uri="{FF2B5EF4-FFF2-40B4-BE49-F238E27FC236}">
-                <a16:creationId xmlns:a16="http://schemas.microsoft.com/office/drawing/2014/main" id="{11008A05-00C0-7C4B-9E7A-F5D9E79C776A}"/>
-              </a:ext>
-            </a:extLst>
-          </p:cNvPr>
-          <p:cNvSpPr/>
-          <p:nvPr/>
-        </p:nvSpPr>
-        <p:spPr>
-          <a:xfrm>
-            <a:off x="1688840" y="2398130"/>
-            <a:ext cx="2343000" cy="3153300"/>
-          </a:xfrm>
-          <a:prstGeom prst="rect">
-            <a:avLst/>
-          </a:prstGeom>
-          <a:solidFill>
-            <a:schemeClr val="lt2"/>
-          </a:solidFill>
-          <a:ln w="9525" cap="flat" cmpd="sng">
-            <a:solidFill>
-              <a:schemeClr val="dk2"/>
-            </a:solidFill>
-            <a:prstDash val="solid"/>
-            <a:round/>
-            <a:headEnd type="none" w="sm" len="sm"/>
-            <a:tailEnd type="none" w="sm" len="sm"/>
-          </a:ln>
-        </p:spPr>
-        <p:txBody>
-          <a:bodyPr spcFirstLastPara="1" wrap="square" lIns="91425" tIns="91425" rIns="91425" bIns="91425" anchor="ctr" anchorCtr="0">
-            <a:noAutofit/>
-          </a:bodyPr>
-          <a:lstStyle/>
-          <a:p>
-            <a:pPr marL="0" lvl="0" indent="0" algn="l" rtl="0">
-              <a:spcBef>
-                <a:spcPts val="0"/>
-              </a:spcBef>
-              <a:spcAft>
-                <a:spcPts val="0"/>
-              </a:spcAft>
-              <a:buNone/>
-            </a:pPr>
-            <a:endParaRPr/>
-          </a:p>
-        </p:txBody>
-      </p:sp>
-      <p:sp>
-        <p:nvSpPr>
-          <p:cNvPr id="5" name="Google Shape;175;p42">
-            <a:extLst>
-              <a:ext uri="{FF2B5EF4-FFF2-40B4-BE49-F238E27FC236}">
-                <a16:creationId xmlns:a16="http://schemas.microsoft.com/office/drawing/2014/main" id="{A503C09B-93C0-FB43-BCF8-DB719EF203C3}"/>
-              </a:ext>
-            </a:extLst>
-          </p:cNvPr>
-          <p:cNvSpPr txBox="1">
-            <a:spLocks noGrp="1"/>
-          </p:cNvSpPr>
-          <p:nvPr>
-            <p:ph type="body" idx="1"/>
-          </p:nvPr>
-        </p:nvSpPr>
-        <p:spPr>
-          <a:xfrm>
-            <a:off x="4220940" y="2306905"/>
-            <a:ext cx="6398400" cy="3416400"/>
-          </a:xfrm>
-          <a:prstGeom prst="rect">
-            <a:avLst/>
-          </a:prstGeom>
-        </p:spPr>
-        <p:txBody>
-          <a:bodyPr spcFirstLastPara="1" wrap="square" lIns="91425" tIns="91425" rIns="91425" bIns="91425" anchor="t" anchorCtr="0">
-            <a:noAutofit/>
-          </a:bodyPr>
-          <a:lstStyle/>
-          <a:p>
-            <a:pPr marL="0" lvl="0" indent="0" algn="l" rtl="0">
-              <a:spcBef>
-                <a:spcPts val="0"/>
-              </a:spcBef>
-              <a:spcAft>
-                <a:spcPts val="1600"/>
-              </a:spcAft>
-              <a:buNone/>
-            </a:pPr>
-            <a:r>
-              <a:rPr lang="en" sz="2600" dirty="0">
-                <a:solidFill>
-                  <a:srgbClr val="FF0000"/>
-                </a:solidFill>
-              </a:rPr>
-              <a:t>On the 15</a:t>
-            </a:r>
-            <a:r>
-              <a:rPr lang="en" sz="2600" baseline="30000" dirty="0">
-                <a:solidFill>
-                  <a:srgbClr val="FF0000"/>
-                </a:solidFill>
-              </a:rPr>
-              <a:t>th</a:t>
-            </a:r>
-            <a:r>
-              <a:rPr lang="en" sz="2600" dirty="0">
-                <a:solidFill>
-                  <a:srgbClr val="FF0000"/>
-                </a:solidFill>
-              </a:rPr>
-              <a:t> of every month</a:t>
-            </a:r>
-            <a:r>
-              <a:rPr lang="en" sz="2600" dirty="0"/>
-              <a:t>, for </a:t>
-            </a:r>
-            <a:r>
-              <a:rPr lang="en" sz="2600" dirty="0">
-                <a:solidFill>
-                  <a:srgbClr val="0000FF"/>
-                </a:solidFill>
-              </a:rPr>
-              <a:t>all households with children under </a:t>
-            </a:r>
-            <a:r>
-              <a:rPr lang="en" sz="2600">
-                <a:solidFill>
-                  <a:srgbClr val="0000FF"/>
-                </a:solidFill>
-              </a:rPr>
-              <a:t>3 months old</a:t>
-            </a:r>
-            <a:r>
-              <a:rPr lang="en" sz="2600" dirty="0"/>
-              <a:t>, can we identify the </a:t>
-            </a:r>
-            <a:r>
-              <a:rPr lang="en" sz="2600" dirty="0">
-                <a:solidFill>
-                  <a:srgbClr val="FF00FF"/>
-                </a:solidFill>
-              </a:rPr>
-              <a:t>50 highest risk households</a:t>
-            </a:r>
-            <a:r>
-              <a:rPr lang="en" sz="2600" dirty="0"/>
-              <a:t> who are </a:t>
-            </a:r>
-            <a:r>
-              <a:rPr lang="en" sz="2600" dirty="0">
-                <a:solidFill>
-                  <a:srgbClr val="38761D"/>
-                </a:solidFill>
-              </a:rPr>
-              <a:t>likely to be affected by lead hazards </a:t>
-            </a:r>
-            <a:r>
-              <a:rPr lang="en" sz="2600" dirty="0">
-                <a:solidFill>
-                  <a:srgbClr val="B45F06"/>
-                </a:solidFill>
-              </a:rPr>
-              <a:t>to prioritize for inspection and remediation of lead sources in the following month</a:t>
-            </a:r>
-            <a:r>
-              <a:rPr lang="en" sz="2600" dirty="0"/>
-              <a:t>?</a:t>
-            </a:r>
-            <a:endParaRPr sz="2600" dirty="0"/>
-          </a:p>
-        </p:txBody>
-      </p:sp>
-      <p:sp>
-        <p:nvSpPr>
-          <p:cNvPr id="6" name="Google Shape;176;p42">
-            <a:extLst>
-              <a:ext uri="{FF2B5EF4-FFF2-40B4-BE49-F238E27FC236}">
-                <a16:creationId xmlns:a16="http://schemas.microsoft.com/office/drawing/2014/main" id="{37D6DBA9-5D69-154C-A120-4ADBF03F7CF7}"/>
-              </a:ext>
-            </a:extLst>
-          </p:cNvPr>
-          <p:cNvSpPr txBox="1"/>
-          <p:nvPr/>
-        </p:nvSpPr>
-        <p:spPr>
-          <a:xfrm>
-            <a:off x="1732190" y="2398130"/>
-            <a:ext cx="2256300" cy="597000"/>
-          </a:xfrm>
-          <a:prstGeom prst="rect">
-            <a:avLst/>
-          </a:prstGeom>
-          <a:noFill/>
-          <a:ln>
-            <a:noFill/>
-          </a:ln>
-        </p:spPr>
-        <p:txBody>
-          <a:bodyPr spcFirstLastPara="1" wrap="square" lIns="91425" tIns="91425" rIns="91425" bIns="91425" anchor="t" anchorCtr="0">
-            <a:noAutofit/>
-          </a:bodyPr>
-          <a:lstStyle/>
-          <a:p>
-            <a:pPr marL="0" lvl="0" indent="0" algn="l" rtl="0">
-              <a:spcBef>
-                <a:spcPts val="0"/>
-              </a:spcBef>
-              <a:spcAft>
-                <a:spcPts val="0"/>
-              </a:spcAft>
-              <a:buNone/>
-            </a:pPr>
-            <a:r>
-              <a:rPr lang="en">
-                <a:solidFill>
-                  <a:srgbClr val="FF0000"/>
-                </a:solidFill>
-              </a:rPr>
-              <a:t>How often is the recommendation/decision being made?</a:t>
-            </a:r>
-            <a:endParaRPr>
-              <a:solidFill>
-                <a:srgbClr val="FF0000"/>
-              </a:solidFill>
-            </a:endParaRPr>
-          </a:p>
-        </p:txBody>
-      </p:sp>
-      <p:sp>
-        <p:nvSpPr>
-          <p:cNvPr id="7" name="Google Shape;177;p42">
-            <a:extLst>
-              <a:ext uri="{FF2B5EF4-FFF2-40B4-BE49-F238E27FC236}">
-                <a16:creationId xmlns:a16="http://schemas.microsoft.com/office/drawing/2014/main" id="{6A2D549C-59C2-0340-9130-F3B04EEF3F59}"/>
-              </a:ext>
-            </a:extLst>
-          </p:cNvPr>
-          <p:cNvSpPr txBox="1"/>
-          <p:nvPr/>
-        </p:nvSpPr>
-        <p:spPr>
-          <a:xfrm>
-            <a:off x="1736040" y="3275280"/>
-            <a:ext cx="2256300" cy="597000"/>
-          </a:xfrm>
-          <a:prstGeom prst="rect">
-            <a:avLst/>
-          </a:prstGeom>
-          <a:noFill/>
-          <a:ln>
-            <a:noFill/>
-          </a:ln>
-        </p:spPr>
-        <p:txBody>
-          <a:bodyPr spcFirstLastPara="1" wrap="square" lIns="91425" tIns="91425" rIns="91425" bIns="91425" anchor="t" anchorCtr="0">
-            <a:noAutofit/>
-          </a:bodyPr>
-          <a:lstStyle/>
-          <a:p>
-            <a:pPr marL="0" lvl="0" indent="0" algn="l" rtl="0">
-              <a:spcBef>
-                <a:spcPts val="0"/>
-              </a:spcBef>
-              <a:spcAft>
-                <a:spcPts val="0"/>
-              </a:spcAft>
-              <a:buNone/>
-            </a:pPr>
-            <a:r>
-              <a:rPr lang="en">
-                <a:solidFill>
-                  <a:srgbClr val="0000FF"/>
-                </a:solidFill>
-              </a:rPr>
-              <a:t>Who/what is included in the cohort?</a:t>
-            </a:r>
-            <a:endParaRPr>
-              <a:solidFill>
-                <a:srgbClr val="0000FF"/>
-              </a:solidFill>
-            </a:endParaRPr>
-          </a:p>
-        </p:txBody>
-      </p:sp>
-      <p:sp>
-        <p:nvSpPr>
-          <p:cNvPr id="8" name="Google Shape;178;p42">
-            <a:extLst>
-              <a:ext uri="{FF2B5EF4-FFF2-40B4-BE49-F238E27FC236}">
-                <a16:creationId xmlns:a16="http://schemas.microsoft.com/office/drawing/2014/main" id="{A7B784C6-E226-7546-90BA-7A3243A70F6B}"/>
-              </a:ext>
-            </a:extLst>
-          </p:cNvPr>
-          <p:cNvSpPr txBox="1"/>
-          <p:nvPr/>
-        </p:nvSpPr>
-        <p:spPr>
-          <a:xfrm>
-            <a:off x="1736040" y="3923830"/>
-            <a:ext cx="2256300" cy="597000"/>
-          </a:xfrm>
-          <a:prstGeom prst="rect">
-            <a:avLst/>
-          </a:prstGeom>
-          <a:noFill/>
-          <a:ln>
-            <a:noFill/>
-          </a:ln>
-        </p:spPr>
-        <p:txBody>
-          <a:bodyPr spcFirstLastPara="1" wrap="square" lIns="91425" tIns="91425" rIns="91425" bIns="91425" anchor="t" anchorCtr="0">
-            <a:noAutofit/>
-          </a:bodyPr>
-          <a:lstStyle/>
-          <a:p>
-            <a:pPr marL="0" lvl="0" indent="0" algn="l" rtl="0">
-              <a:spcBef>
-                <a:spcPts val="0"/>
-              </a:spcBef>
-              <a:spcAft>
-                <a:spcPts val="0"/>
-              </a:spcAft>
-              <a:buNone/>
-            </a:pPr>
-            <a:r>
-              <a:rPr lang="en">
-                <a:solidFill>
-                  <a:srgbClr val="FF00FF"/>
-                </a:solidFill>
-              </a:rPr>
-              <a:t>What is the output?</a:t>
-            </a:r>
-            <a:endParaRPr>
-              <a:solidFill>
-                <a:srgbClr val="FF00FF"/>
-              </a:solidFill>
-            </a:endParaRPr>
-          </a:p>
-        </p:txBody>
-      </p:sp>
-      <p:sp>
-        <p:nvSpPr>
-          <p:cNvPr id="9" name="Google Shape;179;p42">
-            <a:extLst>
-              <a:ext uri="{FF2B5EF4-FFF2-40B4-BE49-F238E27FC236}">
-                <a16:creationId xmlns:a16="http://schemas.microsoft.com/office/drawing/2014/main" id="{0D4F98CB-D85C-3F48-A552-B472AA7D6F71}"/>
-              </a:ext>
-            </a:extLst>
-          </p:cNvPr>
-          <p:cNvSpPr txBox="1"/>
-          <p:nvPr/>
-        </p:nvSpPr>
-        <p:spPr>
-          <a:xfrm>
-            <a:off x="1732190" y="4444630"/>
-            <a:ext cx="2256300" cy="1106700"/>
-          </a:xfrm>
-          <a:prstGeom prst="rect">
-            <a:avLst/>
-          </a:prstGeom>
-          <a:noFill/>
-          <a:ln>
-            <a:noFill/>
-          </a:ln>
-        </p:spPr>
-        <p:txBody>
-          <a:bodyPr spcFirstLastPara="1" wrap="square" lIns="91425" tIns="91425" rIns="91425" bIns="91425" anchor="t" anchorCtr="0">
-            <a:noAutofit/>
-          </a:bodyPr>
-          <a:lstStyle/>
-          <a:p>
-            <a:pPr marL="0" lvl="0" indent="0" algn="l" rtl="0">
-              <a:spcBef>
-                <a:spcPts val="0"/>
-              </a:spcBef>
-              <a:spcAft>
-                <a:spcPts val="0"/>
-              </a:spcAft>
-              <a:buNone/>
-            </a:pPr>
-            <a:r>
-              <a:rPr lang="en">
-                <a:solidFill>
-                  <a:srgbClr val="274E13"/>
-                </a:solidFill>
-              </a:rPr>
-              <a:t>What outcome are you predicting/estimating?</a:t>
-            </a:r>
-            <a:endParaRPr>
-              <a:solidFill>
-                <a:srgbClr val="274E13"/>
-              </a:solidFill>
-            </a:endParaRPr>
-          </a:p>
-          <a:p>
-            <a:pPr marL="0" lvl="0" indent="0" algn="l" rtl="0">
-              <a:spcBef>
-                <a:spcPts val="0"/>
-              </a:spcBef>
-              <a:spcAft>
-                <a:spcPts val="0"/>
-              </a:spcAft>
-              <a:buNone/>
-            </a:pPr>
-            <a:endParaRPr>
-              <a:solidFill>
-                <a:srgbClr val="274E13"/>
-              </a:solidFill>
-            </a:endParaRPr>
-          </a:p>
-          <a:p>
-            <a:pPr marL="0" lvl="0" indent="0" algn="l" rtl="0">
-              <a:spcBef>
-                <a:spcPts val="0"/>
-              </a:spcBef>
-              <a:spcAft>
-                <a:spcPts val="0"/>
-              </a:spcAft>
-              <a:buNone/>
-            </a:pPr>
-            <a:r>
-              <a:rPr lang="en">
-                <a:solidFill>
-                  <a:srgbClr val="B45F06"/>
-                </a:solidFill>
-              </a:rPr>
-              <a:t>For what purpose?</a:t>
-            </a:r>
-            <a:endParaRPr>
-              <a:solidFill>
-                <a:srgbClr val="274E13"/>
-              </a:solidFill>
-            </a:endParaRPr>
+              <a:t>Decisions we need to make</a:t>
+            </a:r>
           </a:p>
         </p:txBody>
       </p:sp>
     </p:spTree>
     <p:extLst>
       <p:ext uri="{BB962C8B-B14F-4D97-AF65-F5344CB8AC3E}">
-        <p14:creationId xmlns:p14="http://schemas.microsoft.com/office/powerpoint/2010/main" val="291322464"/>
+        <p14:creationId xmlns:p14="http://schemas.microsoft.com/office/powerpoint/2010/main" val="2244128218"/>
       </p:ext>
     </p:extLst>
   </p:cSld>

--- a/Lectures/07-formulation-and-baselines.pptx
+++ b/Lectures/07-formulation-and-baselines.pptx
@@ -273,7 +273,7 @@
       <p15:sldGuideLst xmlns:p15="http://schemas.microsoft.com/office/powerpoint/2012/main"/>
     </p:ext>
     <p:ext uri="http://customooxmlschemas.google.com/">
-      <go:slidesCustomData xmlns:go="http://customooxmlschemas.google.com/" xmlns:p15="http://schemas.microsoft.com/office/powerpoint/2012/main" xmlns:p14="http://schemas.microsoft.com/office/powerpoint/2010/main" xmlns:com="http://schemas.openxmlformats.org/drawingml/2006/compatibility" xmlns:pvml="urn:schemas-microsoft-com:office:powerpoint" xmlns:v="urn:schemas-microsoft-com:vml" xmlns:o="urn:schemas-microsoft-com:office:office" xmlns:dgm="http://schemas.openxmlformats.org/drawingml/2006/diagram" xmlns:c="http://schemas.openxmlformats.org/drawingml/2006/chart" xmlns:mv="urn:schemas-microsoft-com:mac:vml" xmlns:mc="http://schemas.openxmlformats.org/markup-compatibility/2006" xmlns="" r:id="rId31" roundtripDataSignature="AMtx7mjFyVUGRZWio+dc9dxzYsimUxNJbg=="/>
+      <go:slidesCustomData xmlns="" xmlns:mc="http://schemas.openxmlformats.org/markup-compatibility/2006" xmlns:mv="urn:schemas-microsoft-com:mac:vml" xmlns:c="http://schemas.openxmlformats.org/drawingml/2006/chart" xmlns:dgm="http://schemas.openxmlformats.org/drawingml/2006/diagram" xmlns:o="urn:schemas-microsoft-com:office:office" xmlns:v="urn:schemas-microsoft-com:vml" xmlns:pvml="urn:schemas-microsoft-com:office:powerpoint" xmlns:com="http://schemas.openxmlformats.org/drawingml/2006/compatibility" xmlns:p14="http://schemas.microsoft.com/office/powerpoint/2010/main" xmlns:p15="http://schemas.microsoft.com/office/powerpoint/2012/main" xmlns:go="http://customooxmlschemas.google.com/" r:id="rId31" roundtripDataSignature="AMtx7mjFyVUGRZWio+dc9dxzYsimUxNJbg=="/>
     </p:ext>
   </p:extLst>
 </p:presentation>
@@ -9747,7 +9747,12 @@
             <p:ph type="body" idx="1"/>
           </p:nvPr>
         </p:nvSpPr>
-        <p:spPr/>
+        <p:spPr>
+          <a:xfrm>
+            <a:off x="262800" y="1403308"/>
+            <a:ext cx="11666400" cy="4954500"/>
+          </a:xfrm>
+        </p:spPr>
         <p:txBody>
           <a:bodyPr/>
           <a:lstStyle/>
@@ -9792,6 +9797,23 @@
             <a:r>
               <a:rPr lang="en-US" dirty="0"/>
               <a:t>What expected value would you get if you just choose at random (based on the data distribution)?</a:t>
+            </a:r>
+            <a:br>
+              <a:rPr lang="en-US" dirty="0"/>
+            </a:br>
+            <a:endParaRPr lang="en-US" dirty="0"/>
+          </a:p>
+          <a:p>
+            <a:r>
+              <a:rPr lang="en-US" dirty="0"/>
+              <a:t>Good baselines should provide an ordering to sort the entities</a:t>
+            </a:r>
+          </a:p>
+          <a:p>
+            <a:pPr lvl="1"/>
+            <a:r>
+              <a:rPr lang="en-US" dirty="0"/>
+              <a:t>Heuristic rules (or shallow decision trees) might reflect current practice, but can yield a small number of unique scores with lots of ties</a:t>
             </a:r>
           </a:p>
         </p:txBody>

--- a/Lectures/07-formulation-and-baselines.pptx
+++ b/Lectures/07-formulation-and-baselines.pptx
@@ -273,7 +273,7 @@
       <p15:sldGuideLst xmlns:p15="http://schemas.microsoft.com/office/powerpoint/2012/main"/>
     </p:ext>
     <p:ext uri="http://customooxmlschemas.google.com/">
-      <go:slidesCustomData xmlns="" xmlns:mc="http://schemas.openxmlformats.org/markup-compatibility/2006" xmlns:mv="urn:schemas-microsoft-com:mac:vml" xmlns:c="http://schemas.openxmlformats.org/drawingml/2006/chart" xmlns:dgm="http://schemas.openxmlformats.org/drawingml/2006/diagram" xmlns:o="urn:schemas-microsoft-com:office:office" xmlns:v="urn:schemas-microsoft-com:vml" xmlns:pvml="urn:schemas-microsoft-com:office:powerpoint" xmlns:com="http://schemas.openxmlformats.org/drawingml/2006/compatibility" xmlns:p14="http://schemas.microsoft.com/office/powerpoint/2010/main" xmlns:p15="http://schemas.microsoft.com/office/powerpoint/2012/main" xmlns:go="http://customooxmlschemas.google.com/" r:id="rId31" roundtripDataSignature="AMtx7mjFyVUGRZWio+dc9dxzYsimUxNJbg=="/>
+      <go:slidesCustomData xmlns:go="http://customooxmlschemas.google.com/" xmlns:p15="http://schemas.microsoft.com/office/powerpoint/2012/main" xmlns:p14="http://schemas.microsoft.com/office/powerpoint/2010/main" xmlns:com="http://schemas.openxmlformats.org/drawingml/2006/compatibility" xmlns:pvml="urn:schemas-microsoft-com:office:powerpoint" xmlns:v="urn:schemas-microsoft-com:vml" xmlns:o="urn:schemas-microsoft-com:office:office" xmlns:dgm="http://schemas.openxmlformats.org/drawingml/2006/diagram" xmlns:c="http://schemas.openxmlformats.org/drawingml/2006/chart" xmlns:mv="urn:schemas-microsoft-com:mac:vml" xmlns:mc="http://schemas.openxmlformats.org/markup-compatibility/2006" xmlns="" r:id="rId31" roundtripDataSignature="AMtx7mjFyVUGRZWio+dc9dxzYsimUxNJbg=="/>
     </p:ext>
   </p:extLst>
 </p:presentation>

--- a/Lectures/07-formulation-and-baselines.pptx
+++ b/Lectures/07-formulation-and-baselines.pptx
@@ -35,7 +35,7 @@
     <p:sldId id="448" r:id="rId26"/>
     <p:sldId id="431" r:id="rId27"/>
     <p:sldId id="433" r:id="rId28"/>
-    <p:sldId id="439" r:id="rId29"/>
+    <p:sldId id="449" r:id="rId29"/>
   </p:sldIdLst>
   <p:sldSz cx="12192000" cy="6858000"/>
   <p:notesSz cx="6858000" cy="9144000"/>
@@ -273,7 +273,7 @@
       <p15:sldGuideLst xmlns:p15="http://schemas.microsoft.com/office/powerpoint/2012/main"/>
     </p:ext>
     <p:ext uri="http://customooxmlschemas.google.com/">
-      <go:slidesCustomData xmlns:go="http://customooxmlschemas.google.com/" xmlns:p15="http://schemas.microsoft.com/office/powerpoint/2012/main" xmlns:p14="http://schemas.microsoft.com/office/powerpoint/2010/main" xmlns:com="http://schemas.openxmlformats.org/drawingml/2006/compatibility" xmlns:pvml="urn:schemas-microsoft-com:office:powerpoint" xmlns:v="urn:schemas-microsoft-com:vml" xmlns:o="urn:schemas-microsoft-com:office:office" xmlns:dgm="http://schemas.openxmlformats.org/drawingml/2006/diagram" xmlns:c="http://schemas.openxmlformats.org/drawingml/2006/chart" xmlns:mv="urn:schemas-microsoft-com:mac:vml" xmlns:mc="http://schemas.openxmlformats.org/markup-compatibility/2006" xmlns="" r:id="rId31" roundtripDataSignature="AMtx7mjFyVUGRZWio+dc9dxzYsimUxNJbg=="/>
+      <go:slidesCustomData xmlns="" xmlns:mc="http://schemas.openxmlformats.org/markup-compatibility/2006" xmlns:mv="urn:schemas-microsoft-com:mac:vml" xmlns:c="http://schemas.openxmlformats.org/drawingml/2006/chart" xmlns:dgm="http://schemas.openxmlformats.org/drawingml/2006/diagram" xmlns:o="urn:schemas-microsoft-com:office:office" xmlns:v="urn:schemas-microsoft-com:vml" xmlns:pvml="urn:schemas-microsoft-com:office:powerpoint" xmlns:com="http://schemas.openxmlformats.org/drawingml/2006/compatibility" xmlns:p14="http://schemas.microsoft.com/office/powerpoint/2010/main" xmlns:p15="http://schemas.microsoft.com/office/powerpoint/2012/main" xmlns:go="http://customooxmlschemas.google.com/" r:id="rId31" roundtripDataSignature="AMtx7mjFyVUGRZWio+dc9dxzYsimUxNJbg=="/>
     </p:ext>
   </p:extLst>
 </p:presentation>
@@ -4188,13 +4188,8 @@
           <a:p>
             <a:r>
               <a:rPr lang="en-US" dirty="0"/>
-              <a:t>Rayid Ghani and Kit </a:t>
-            </a:r>
-            <a:r>
-              <a:rPr lang="en-US" dirty="0" err="1"/>
-              <a:t>Rodolfa</a:t>
-            </a:r>
-            <a:endParaRPr lang="en-US" dirty="0"/>
+              <a:t>Rayid Ghani</a:t>
+            </a:r>
           </a:p>
         </p:txBody>
       </p:sp>
@@ -8118,29 +8113,30 @@
           <a:p>
             <a:r>
               <a:rPr lang="en-US" dirty="0"/>
-              <a:t>Coming up next week:</a:t>
+              <a:t>Coming up this week:</a:t>
             </a:r>
           </a:p>
           <a:p>
             <a:pPr lvl="1"/>
             <a:r>
               <a:rPr lang="en-US" dirty="0"/>
-              <a:t>Weekly review (before class on Tuesday)</a:t>
-            </a:r>
-          </a:p>
-          <a:p>
-            <a:pPr lvl="1"/>
+              <a:t>Wednesday session on python + </a:t>
+            </a:r>
+            <a:r>
+              <a:rPr lang="en-US" dirty="0" err="1"/>
+              <a:t>sql</a:t>
+            </a:r>
             <a:r>
               <a:rPr lang="en-US" dirty="0"/>
-              <a:t>Review slides on </a:t>
+              <a:t> (and advanced </a:t>
             </a:r>
             <a:r>
               <a:rPr lang="en-US" dirty="0" err="1"/>
-              <a:t>github</a:t>
+              <a:t>sql</a:t>
             </a:r>
             <a:r>
               <a:rPr lang="en-US" dirty="0"/>
-              <a:t> for ML Pipelines (for Tuesday)</a:t>
+              <a:t>)</a:t>
             </a:r>
             <a:br>
               <a:rPr lang="en-US" dirty="0"/>
@@ -8148,28 +8144,27 @@
             <a:endParaRPr lang="en-US" dirty="0"/>
           </a:p>
           <a:p>
+            <a:pPr lvl="1"/>
             <a:r>
               <a:rPr lang="en-US" dirty="0"/>
-              <a:t>Group </a:t>
-            </a:r>
-            <a:r>
-              <a:rPr lang="en-US" b="1" dirty="0">
-                <a:solidFill>
-                  <a:srgbClr val="C00000"/>
-                </a:solidFill>
-              </a:rPr>
-              <a:t>project proposal</a:t>
-            </a:r>
+              <a:t>Thursday session on ML pipelines</a:t>
+            </a:r>
+          </a:p>
+          <a:p>
+            <a:pPr lvl="1"/>
+            <a:endParaRPr lang="en-US" dirty="0"/>
+          </a:p>
+          <a:p>
             <a:r>
               <a:rPr lang="en-US" dirty="0"/>
-              <a:t> due next Friday</a:t>
+              <a:t>Next week:</a:t>
             </a:r>
           </a:p>
           <a:p>
             <a:pPr lvl="1"/>
             <a:r>
               <a:rPr lang="en-US" dirty="0"/>
-              <a:t>Time for group work on Thursday</a:t>
+              <a:t>Proposal peer reviews</a:t>
             </a:r>
           </a:p>
           <a:p>
@@ -10230,29 +10225,30 @@
           <a:p>
             <a:r>
               <a:rPr lang="en-US" dirty="0"/>
-              <a:t>Coming up next week:</a:t>
+              <a:t>Coming up this week:</a:t>
             </a:r>
           </a:p>
           <a:p>
             <a:pPr lvl="1"/>
             <a:r>
               <a:rPr lang="en-US" dirty="0"/>
-              <a:t>Weekly review (before class on Tuesday)</a:t>
-            </a:r>
-          </a:p>
-          <a:p>
-            <a:pPr lvl="1"/>
+              <a:t>Wednesday session on python + </a:t>
+            </a:r>
+            <a:r>
+              <a:rPr lang="en-US" dirty="0" err="1"/>
+              <a:t>sql</a:t>
+            </a:r>
             <a:r>
               <a:rPr lang="en-US" dirty="0"/>
-              <a:t>Review slides on </a:t>
+              <a:t> (and advanced </a:t>
             </a:r>
             <a:r>
               <a:rPr lang="en-US" dirty="0" err="1"/>
-              <a:t>github</a:t>
+              <a:t>sql</a:t>
             </a:r>
             <a:r>
               <a:rPr lang="en-US" dirty="0"/>
-              <a:t> for ML Pipelines (for Tuesday)</a:t>
+              <a:t>)</a:t>
             </a:r>
             <a:br>
               <a:rPr lang="en-US" dirty="0"/>
@@ -10260,28 +10256,27 @@
             <a:endParaRPr lang="en-US" dirty="0"/>
           </a:p>
           <a:p>
+            <a:pPr lvl="1"/>
             <a:r>
               <a:rPr lang="en-US" dirty="0"/>
-              <a:t>Group </a:t>
-            </a:r>
-            <a:r>
-              <a:rPr lang="en-US" b="1" dirty="0">
-                <a:solidFill>
-                  <a:srgbClr val="C00000"/>
-                </a:solidFill>
-              </a:rPr>
-              <a:t>project proposal</a:t>
-            </a:r>
+              <a:t>Thursday session on ML pipelines</a:t>
+            </a:r>
+          </a:p>
+          <a:p>
+            <a:pPr lvl="1"/>
+            <a:endParaRPr lang="en-US" dirty="0"/>
+          </a:p>
+          <a:p>
             <a:r>
               <a:rPr lang="en-US" dirty="0"/>
-              <a:t> due next Friday</a:t>
+              <a:t>Next week:</a:t>
             </a:r>
           </a:p>
           <a:p>
             <a:pPr lvl="1"/>
             <a:r>
               <a:rPr lang="en-US" dirty="0"/>
-              <a:t>Time for group work on Thursday</a:t>
+              <a:t>Proposal peer reviews</a:t>
             </a:r>
           </a:p>
           <a:p>
@@ -10326,7 +10321,7 @@
     </p:spTree>
     <p:extLst>
       <p:ext uri="{BB962C8B-B14F-4D97-AF65-F5344CB8AC3E}">
-        <p14:creationId xmlns:p14="http://schemas.microsoft.com/office/powerpoint/2010/main" val="3046097705"/>
+        <p14:creationId xmlns:p14="http://schemas.microsoft.com/office/powerpoint/2010/main" val="3454164829"/>
       </p:ext>
     </p:extLst>
   </p:cSld>

--- a/Lectures/07-formulation-and-baselines.pptx
+++ b/Lectures/07-formulation-and-baselines.pptx
@@ -273,7 +273,7 @@
       <p15:sldGuideLst xmlns:p15="http://schemas.microsoft.com/office/powerpoint/2012/main"/>
     </p:ext>
     <p:ext uri="http://customooxmlschemas.google.com/">
-      <go:slidesCustomData xmlns="" xmlns:mc="http://schemas.openxmlformats.org/markup-compatibility/2006" xmlns:mv="urn:schemas-microsoft-com:mac:vml" xmlns:c="http://schemas.openxmlformats.org/drawingml/2006/chart" xmlns:dgm="http://schemas.openxmlformats.org/drawingml/2006/diagram" xmlns:o="urn:schemas-microsoft-com:office:office" xmlns:v="urn:schemas-microsoft-com:vml" xmlns:pvml="urn:schemas-microsoft-com:office:powerpoint" xmlns:com="http://schemas.openxmlformats.org/drawingml/2006/compatibility" xmlns:p14="http://schemas.microsoft.com/office/powerpoint/2010/main" xmlns:p15="http://schemas.microsoft.com/office/powerpoint/2012/main" xmlns:go="http://customooxmlschemas.google.com/" r:id="rId31" roundtripDataSignature="AMtx7mjFyVUGRZWio+dc9dxzYsimUxNJbg=="/>
+      <go:slidesCustomData xmlns:go="http://customooxmlschemas.google.com/" xmlns:p15="http://schemas.microsoft.com/office/powerpoint/2012/main" xmlns:p14="http://schemas.microsoft.com/office/powerpoint/2010/main" xmlns:com="http://schemas.openxmlformats.org/drawingml/2006/compatibility" xmlns:pvml="urn:schemas-microsoft-com:office:powerpoint" xmlns:v="urn:schemas-microsoft-com:vml" xmlns:o="urn:schemas-microsoft-com:office:office" xmlns:dgm="http://schemas.openxmlformats.org/drawingml/2006/diagram" xmlns:c="http://schemas.openxmlformats.org/drawingml/2006/chart" xmlns:mv="urn:schemas-microsoft-com:mac:vml" xmlns:mc="http://schemas.openxmlformats.org/markup-compatibility/2006" xmlns="" r:id="rId31" roundtripDataSignature="AMtx7mjFyVUGRZWio+dc9dxzYsimUxNJbg=="/>
     </p:ext>
   </p:extLst>
 </p:presentation>
@@ -5119,7 +5119,7 @@
                   <a:srgbClr val="0000FF"/>
                 </a:solidFill>
               </a:rPr>
-              <a:t>all households with children under 2 years old</a:t>
+              <a:t>all households with children under 2 months old</a:t>
             </a:r>
             <a:r>
               <a:rPr lang="en" sz="2600" dirty="0"/>
@@ -5541,8 +5541,8 @@
         </p:nvSpPr>
         <p:spPr>
           <a:xfrm>
-            <a:off x="7982465" y="2875108"/>
-            <a:ext cx="2088292" cy="470800"/>
+            <a:off x="8038124" y="2868929"/>
+            <a:ext cx="2298572" cy="442321"/>
           </a:xfrm>
           <a:prstGeom prst="rect">
             <a:avLst/>
